--- a/submission/presentation/docs/Project 1 Presentation - Group 6.pptx
+++ b/submission/presentation/docs/Project 1 Presentation - Group 6.pptx
@@ -28,33 +28,42 @@
     <p:sldId id="273" r:id="rId23"/>
     <p:sldId id="274" r:id="rId24"/>
     <p:sldId id="275" r:id="rId25"/>
+    <p:sldId id="276" r:id="rId26"/>
+    <p:sldId id="277" r:id="rId27"/>
   </p:sldIdLst>
   <p:sldSz cy="5143500" cx="9144000"/>
   <p:notesSz cx="6858000" cy="9144000"/>
   <p:embeddedFontLst>
     <p:embeddedFont>
       <p:font typeface="Lexend SemiBold"/>
-      <p:regular r:id="rId26"/>
-      <p:bold r:id="rId27"/>
+      <p:regular r:id="rId28"/>
+      <p:bold r:id="rId29"/>
     </p:embeddedFont>
     <p:embeddedFont>
       <p:font typeface="Lexend ExtraBold"/>
-      <p:bold r:id="rId28"/>
+      <p:bold r:id="rId30"/>
     </p:embeddedFont>
     <p:embeddedFont>
       <p:font typeface="Lexend Light"/>
-      <p:regular r:id="rId29"/>
-      <p:bold r:id="rId30"/>
-    </p:embeddedFont>
-    <p:embeddedFont>
-      <p:font typeface="Lexend Medium"/>
       <p:regular r:id="rId31"/>
       <p:bold r:id="rId32"/>
     </p:embeddedFont>
     <p:embeddedFont>
-      <p:font typeface="Lexend"/>
+      <p:font typeface="Lexend Medium"/>
       <p:regular r:id="rId33"/>
       <p:bold r:id="rId34"/>
+    </p:embeddedFont>
+    <p:embeddedFont>
+      <p:font typeface="Lexend"/>
+      <p:regular r:id="rId35"/>
+      <p:bold r:id="rId36"/>
+    </p:embeddedFont>
+    <p:embeddedFont>
+      <p:font typeface="Roboto Mono"/>
+      <p:regular r:id="rId37"/>
+      <p:bold r:id="rId38"/>
+      <p:italic r:id="rId39"/>
+      <p:boldItalic r:id="rId40"/>
     </p:embeddedFont>
   </p:embeddedFontLst>
   <p:defaultTextStyle>
@@ -289,12 +298,7 @@
   <p:extLst>
     <p:ext uri="{EFAFB233-063F-42B5-8137-9DF3F51BA10A}">
       <p15:sldGuideLst>
-        <p15:guide id="1" orient="horz" pos="1620">
-          <p15:clr>
-            <a:srgbClr val="747775"/>
-          </p15:clr>
-        </p15:guide>
-        <p15:guide id="2" pos="2880">
+        <p15:guide id="1" orient="horz" pos="461">
           <p15:clr>
             <a:srgbClr val="747775"/>
           </p15:clr>
@@ -948,7 +952,7 @@
       </p:grpSpPr>
       <p:sp>
         <p:nvSpPr>
-          <p:cNvPr id="136" name="Google Shape;136;g31ee84bd0b3_4_71:notes"/>
+          <p:cNvPr id="136" name="Google Shape;136;g31ee84bd0b3_5_0:notes"/>
           <p:cNvSpPr/>
           <p:nvPr>
             <p:ph idx="2" type="sldImg"/>
@@ -983,7 +987,7 @@
       </p:sp>
       <p:sp>
         <p:nvSpPr>
-          <p:cNvPr id="137" name="Google Shape;137;g31ee84bd0b3_4_71:notes"/>
+          <p:cNvPr id="137" name="Google Shape;137;g31ee84bd0b3_5_0:notes"/>
           <p:cNvSpPr txBox="1"/>
           <p:nvPr>
             <p:ph idx="1" type="body"/>
@@ -1047,7 +1051,7 @@
       </p:grpSpPr>
       <p:sp>
         <p:nvSpPr>
-          <p:cNvPr id="143" name="Google Shape;143;g31ee84bd0b3_4_78:notes"/>
+          <p:cNvPr id="143" name="Google Shape;143;g31ee84bd0b3_4_71:notes"/>
           <p:cNvSpPr/>
           <p:nvPr>
             <p:ph idx="2" type="sldImg"/>
@@ -1082,7 +1086,7 @@
       </p:sp>
       <p:sp>
         <p:nvSpPr>
-          <p:cNvPr id="144" name="Google Shape;144;g31ee84bd0b3_4_78:notes"/>
+          <p:cNvPr id="144" name="Google Shape;144;g31ee84bd0b3_4_71:notes"/>
           <p:cNvSpPr txBox="1"/>
           <p:nvPr>
             <p:ph idx="1" type="body"/>
@@ -1146,7 +1150,7 @@
       </p:grpSpPr>
       <p:sp>
         <p:nvSpPr>
-          <p:cNvPr id="150" name="Google Shape;150;g31ee84bd0b3_5_0:notes"/>
+          <p:cNvPr id="150" name="Google Shape;150;g31ee84bd0b3_4_78:notes"/>
           <p:cNvSpPr/>
           <p:nvPr>
             <p:ph idx="2" type="sldImg"/>
@@ -1181,7 +1185,7 @@
       </p:sp>
       <p:sp>
         <p:nvSpPr>
-          <p:cNvPr id="151" name="Google Shape;151;g31ee84bd0b3_5_0:notes"/>
+          <p:cNvPr id="151" name="Google Shape;151;g31ee84bd0b3_4_78:notes"/>
           <p:cNvSpPr txBox="1"/>
           <p:nvPr>
             <p:ph idx="1" type="body"/>
@@ -1245,7 +1249,7 @@
       </p:grpSpPr>
       <p:sp>
         <p:nvSpPr>
-          <p:cNvPr id="157" name="Google Shape;157;g31ee84bd0b3_10_0:notes"/>
+          <p:cNvPr id="157" name="Google Shape;157;g31ee84bd0b3_4_152:notes"/>
           <p:cNvSpPr/>
           <p:nvPr>
             <p:ph idx="2" type="sldImg"/>
@@ -1280,7 +1284,7 @@
       </p:sp>
       <p:sp>
         <p:nvSpPr>
-          <p:cNvPr id="158" name="Google Shape;158;g31ee84bd0b3_10_0:notes"/>
+          <p:cNvPr id="158" name="Google Shape;158;g31ee84bd0b3_4_152:notes"/>
           <p:cNvSpPr txBox="1"/>
           <p:nvPr>
             <p:ph idx="1" type="body"/>
@@ -1330,7 +1334,7 @@
   <p:cSld>
     <p:spTree>
       <p:nvGrpSpPr>
-        <p:cNvPr id="165" name="Shape 165"/>
+        <p:cNvPr id="161" name="Shape 161"/>
         <p:cNvGrpSpPr/>
         <p:nvPr/>
       </p:nvGrpSpPr>
@@ -1344,7 +1348,7 @@
       </p:grpSpPr>
       <p:sp>
         <p:nvSpPr>
-          <p:cNvPr id="166" name="Google Shape;166;g31ee84bd0b3_9_0:notes"/>
+          <p:cNvPr id="162" name="Google Shape;162;g31bf91768ef_0_5:notes"/>
           <p:cNvSpPr/>
           <p:nvPr>
             <p:ph idx="2" type="sldImg"/>
@@ -1379,7 +1383,7 @@
       </p:sp>
       <p:sp>
         <p:nvSpPr>
-          <p:cNvPr id="167" name="Google Shape;167;g31ee84bd0b3_9_0:notes"/>
+          <p:cNvPr id="163" name="Google Shape;163;g31bf91768ef_0_5:notes"/>
           <p:cNvSpPr txBox="1"/>
           <p:nvPr>
             <p:ph idx="1" type="body"/>
@@ -1400,9 +1404,120 @@
           </a:bodyPr>
           <a:lstStyle/>
           <a:p>
+            <a:pPr indent="-228600" lvl="0" marL="171450" marR="152400" rtl="0" algn="l">
+              <a:lnSpc>
+                <a:spcPct val="115000"/>
+              </a:lnSpc>
+              <a:spcBef>
+                <a:spcPts val="0"/>
+              </a:spcBef>
+              <a:spcAft>
+                <a:spcPts val="0"/>
+              </a:spcAft>
+              <a:buClr>
+                <a:srgbClr val="2F2F2F"/>
+              </a:buClr>
+              <a:buSzPts val="1350"/>
+              <a:buNone/>
+            </a:pPr>
+            <a:r>
+              <a:rPr lang="en" sz="1350">
+                <a:solidFill>
+                  <a:srgbClr val="2F2F2F"/>
+                </a:solidFill>
+                <a:highlight>
+                  <a:srgbClr val="FFFFFF"/>
+                </a:highlight>
+              </a:rPr>
+              <a:t>Bedrooms slope (324.67) indicates that for each additional bedroom, the price of the house increases by approximately $324.67, holding other factors constant.</a:t>
+            </a:r>
+            <a:endParaRPr sz="1350">
+              <a:solidFill>
+                <a:srgbClr val="2F2F2F"/>
+              </a:solidFill>
+              <a:highlight>
+                <a:srgbClr val="FFFFFF"/>
+              </a:highlight>
+            </a:endParaRPr>
+          </a:p>
+          <a:p>
+            <a:pPr indent="-228600" lvl="0" marL="171450" marR="152400" rtl="0" algn="l">
+              <a:lnSpc>
+                <a:spcPct val="115000"/>
+              </a:lnSpc>
+              <a:spcBef>
+                <a:spcPts val="0"/>
+              </a:spcBef>
+              <a:spcAft>
+                <a:spcPts val="0"/>
+              </a:spcAft>
+              <a:buClr>
+                <a:srgbClr val="2F2F2F"/>
+              </a:buClr>
+              <a:buSzPts val="1350"/>
+              <a:buNone/>
+            </a:pPr>
+            <a:r>
+              <a:rPr lang="en" sz="1350">
+                <a:solidFill>
+                  <a:srgbClr val="2F2F2F"/>
+                </a:solidFill>
+                <a:highlight>
+                  <a:srgbClr val="FFFFFF"/>
+                </a:highlight>
+              </a:rPr>
+              <a:t>The slope for Bathrooms (490.25) suggests that for each additional bathroom, the price increases by about $490.25, again holding other factors constant.</a:t>
+            </a:r>
+            <a:endParaRPr sz="1350">
+              <a:solidFill>
+                <a:srgbClr val="2F2F2F"/>
+              </a:solidFill>
+              <a:highlight>
+                <a:srgbClr val="FFFFFF"/>
+              </a:highlight>
+            </a:endParaRPr>
+          </a:p>
+          <a:p>
+            <a:pPr indent="-228600" lvl="0" marL="171450" marR="152400" rtl="0" algn="l">
+              <a:lnSpc>
+                <a:spcPct val="115000"/>
+              </a:lnSpc>
+              <a:spcBef>
+                <a:spcPts val="0"/>
+              </a:spcBef>
+              <a:spcAft>
+                <a:spcPts val="0"/>
+              </a:spcAft>
+              <a:buClr>
+                <a:srgbClr val="2F2F2F"/>
+              </a:buClr>
+              <a:buSzPts val="1350"/>
+              <a:buNone/>
+            </a:pPr>
+            <a:r>
+              <a:rPr lang="en" sz="1350">
+                <a:solidFill>
+                  <a:srgbClr val="2F2F2F"/>
+                </a:solidFill>
+                <a:highlight>
+                  <a:srgbClr val="FFFFFF"/>
+                </a:highlight>
+              </a:rPr>
+              <a:t>The slope for Square Feet (0.92) implies that for each additional square foot, the price increases by approximately $0.92.</a:t>
+            </a:r>
+            <a:endParaRPr sz="1350">
+              <a:solidFill>
+                <a:srgbClr val="2F2F2F"/>
+              </a:solidFill>
+              <a:highlight>
+                <a:srgbClr val="FFFFFF"/>
+              </a:highlight>
+            </a:endParaRPr>
+          </a:p>
+          <a:p>
             <a:pPr indent="0" lvl="0" marL="0" rtl="0" algn="l">
               <a:spcBef>
-                <a:spcPts val="0"/>
+                <a:spcPts val="1100"/>
               </a:spcBef>
               <a:spcAft>
                 <a:spcPts val="0"/>
@@ -1412,7 +1527,18 @@
             <a:r>
               <a:t/>
             </a:r>
-            <a:endParaRPr/>
+            <a:endParaRPr b="1" sz="1050">
+              <a:solidFill>
+                <a:schemeClr val="dk1"/>
+              </a:solidFill>
+              <a:highlight>
+                <a:srgbClr val="F7F7F7"/>
+              </a:highlight>
+              <a:latin typeface="Courier New"/>
+              <a:ea typeface="Courier New"/>
+              <a:cs typeface="Courier New"/>
+              <a:sym typeface="Courier New"/>
+            </a:endParaRPr>
           </a:p>
         </p:txBody>
       </p:sp>
@@ -1429,7 +1555,7 @@
   <p:cSld>
     <p:spTree>
       <p:nvGrpSpPr>
-        <p:cNvPr id="172" name="Shape 172"/>
+        <p:cNvPr id="168" name="Shape 168"/>
         <p:cNvGrpSpPr/>
         <p:nvPr/>
       </p:nvGrpSpPr>
@@ -1443,7 +1569,7 @@
       </p:grpSpPr>
       <p:sp>
         <p:nvSpPr>
-          <p:cNvPr id="173" name="Google Shape;173;g31ee84bd0b3_11_32:notes"/>
+          <p:cNvPr id="169" name="Google Shape;169;g31ee84bd0b3_9_0:notes"/>
           <p:cNvSpPr/>
           <p:nvPr>
             <p:ph idx="2" type="sldImg"/>
@@ -1478,7 +1604,7 @@
       </p:sp>
       <p:sp>
         <p:nvSpPr>
-          <p:cNvPr id="174" name="Google Shape;174;g31ee84bd0b3_11_32:notes"/>
+          <p:cNvPr id="170" name="Google Shape;170;g31ee84bd0b3_9_0:notes"/>
           <p:cNvSpPr txBox="1"/>
           <p:nvPr>
             <p:ph idx="1" type="body"/>
@@ -1500,16 +1626,33 @@
           <a:lstStyle/>
           <a:p>
             <a:pPr indent="0" lvl="0" marL="0" rtl="0" algn="l">
-              <a:spcBef>
-                <a:spcPts val="0"/>
-              </a:spcBef>
-              <a:spcAft>
-                <a:spcPts val="0"/>
-              </a:spcAft>
+              <a:lnSpc>
+                <a:spcPct val="115000"/>
+              </a:lnSpc>
+              <a:spcBef>
+                <a:spcPts val="0"/>
+              </a:spcBef>
+              <a:spcAft>
+                <a:spcPts val="0"/>
+              </a:spcAft>
+              <a:buClr>
+                <a:schemeClr val="dk1"/>
+              </a:buClr>
+              <a:buSzPts val="1100"/>
+              <a:buFont typeface="Arial"/>
               <a:buNone/>
             </a:pPr>
             <a:r>
-              <a:t/>
+              <a:rPr lang="en">
+                <a:solidFill>
+                  <a:srgbClr val="023047"/>
+                </a:solidFill>
+                <a:latin typeface="Lexend"/>
+                <a:ea typeface="Lexend"/>
+                <a:cs typeface="Lexend"/>
+                <a:sym typeface="Lexend"/>
+              </a:rPr>
+              <a:t>If you're considering the prices of apartments in the USA, it might be useful to know if people prefer having more bedrooms/bathrooms or if they just like having more space. </a:t>
             </a:r>
             <a:endParaRPr/>
           </a:p>
@@ -1528,7 +1671,7 @@
   <p:cSld>
     <p:spTree>
       <p:nvGrpSpPr>
-        <p:cNvPr id="179" name="Shape 179"/>
+        <p:cNvPr id="175" name="Shape 175"/>
         <p:cNvGrpSpPr/>
         <p:nvPr/>
       </p:nvGrpSpPr>
@@ -1542,7 +1685,7 @@
       </p:grpSpPr>
       <p:sp>
         <p:nvSpPr>
-          <p:cNvPr id="180" name="Google Shape;180;g31ee84bd0b3_6_0:notes"/>
+          <p:cNvPr id="176" name="Google Shape;176;g31c325c885b_4_4:notes"/>
           <p:cNvSpPr/>
           <p:nvPr>
             <p:ph idx="2" type="sldImg"/>
@@ -1577,7 +1720,7 @@
       </p:sp>
       <p:sp>
         <p:nvSpPr>
-          <p:cNvPr id="181" name="Google Shape;181;g31ee84bd0b3_6_0:notes"/>
+          <p:cNvPr id="177" name="Google Shape;177;g31c325c885b_4_4:notes"/>
           <p:cNvSpPr txBox="1"/>
           <p:nvPr>
             <p:ph idx="1" type="body"/>
@@ -1608,24 +1751,236 @@
               <a:buNone/>
             </a:pPr>
             <a:r>
-              <a:rPr lang="en"/>
-              <a:t>Pretty obvious positive regression lines. Took an average of variables for each state for </a:t>
-            </a:r>
-            <a:r>
-              <a:rPr lang="en"/>
-              <a:t>simpler</a:t>
-            </a:r>
-            <a:r>
-              <a:rPr lang="en"/>
-              <a:t> data to work with. We can see that while there is a positive regression line, there are also wide confidence intervals. These wide confidence intervals give additional talking points so I won’t just </a:t>
-            </a:r>
-            <a:r>
-              <a:rPr lang="en"/>
-              <a:t>reiterate</a:t>
-            </a:r>
-            <a:r>
-              <a:rPr lang="en"/>
-              <a:t> question 3. Add code info to show where data is coming from</a:t>
+              <a:rPr lang="en">
+                <a:solidFill>
+                  <a:schemeClr val="dk1"/>
+                </a:solidFill>
+              </a:rPr>
+              <a:t>When analyzing and visualizing the impact of features such as "bathrooms," "bedrooms," and "square_feet" on apartment prices, there are several </a:t>
+            </a:r>
+            <a:r>
+              <a:rPr b="1" lang="en">
+                <a:solidFill>
+                  <a:schemeClr val="dk1"/>
+                </a:solidFill>
+              </a:rPr>
+              <a:t>limitations</a:t>
+            </a:r>
+            <a:r>
+              <a:rPr lang="en">
+                <a:solidFill>
+                  <a:schemeClr val="dk1"/>
+                </a:solidFill>
+              </a:rPr>
+              <a:t> and potential </a:t>
+            </a:r>
+            <a:r>
+              <a:rPr b="1" lang="en">
+                <a:solidFill>
+                  <a:schemeClr val="dk1"/>
+                </a:solidFill>
+              </a:rPr>
+              <a:t>biases</a:t>
+            </a:r>
+            <a:r>
+              <a:rPr lang="en">
+                <a:solidFill>
+                  <a:schemeClr val="dk1"/>
+                </a:solidFill>
+              </a:rPr>
+              <a:t> to consider:</a:t>
+            </a:r>
+            <a:endParaRPr>
+              <a:solidFill>
+                <a:schemeClr val="dk1"/>
+              </a:solidFill>
+            </a:endParaRPr>
+          </a:p>
+          <a:p>
+            <a:pPr indent="0" lvl="0" marL="0" rtl="0" algn="l">
+              <a:spcBef>
+                <a:spcPts val="0"/>
+              </a:spcBef>
+              <a:spcAft>
+                <a:spcPts val="0"/>
+              </a:spcAft>
+              <a:buNone/>
+            </a:pPr>
+            <a:r>
+              <a:t/>
+            </a:r>
+            <a:endParaRPr b="1">
+              <a:solidFill>
+                <a:schemeClr val="dk1"/>
+              </a:solidFill>
+            </a:endParaRPr>
+          </a:p>
+          <a:p>
+            <a:pPr indent="0" lvl="0" marL="0" rtl="0" algn="l">
+              <a:spcBef>
+                <a:spcPts val="0"/>
+              </a:spcBef>
+              <a:spcAft>
+                <a:spcPts val="0"/>
+              </a:spcAft>
+              <a:buClr>
+                <a:schemeClr val="dk1"/>
+              </a:buClr>
+              <a:buSzPts val="1100"/>
+              <a:buFont typeface="Arial"/>
+              <a:buNone/>
+            </a:pPr>
+            <a:r>
+              <a:rPr b="1" lang="en">
+                <a:solidFill>
+                  <a:schemeClr val="dk1"/>
+                </a:solidFill>
+              </a:rPr>
+              <a:t>Missing Data</a:t>
+            </a:r>
+            <a:r>
+              <a:rPr lang="en">
+                <a:solidFill>
+                  <a:schemeClr val="dk1"/>
+                </a:solidFill>
+              </a:rPr>
+              <a:t>: If some entries for </a:t>
+            </a:r>
+            <a:r>
+              <a:rPr lang="en">
+                <a:solidFill>
+                  <a:srgbClr val="188038"/>
+                </a:solidFill>
+                <a:latin typeface="Roboto Mono"/>
+                <a:ea typeface="Roboto Mono"/>
+                <a:cs typeface="Roboto Mono"/>
+                <a:sym typeface="Roboto Mono"/>
+              </a:rPr>
+              <a:t>bathrooms</a:t>
+            </a:r>
+            <a:r>
+              <a:rPr lang="en">
+                <a:solidFill>
+                  <a:schemeClr val="dk1"/>
+                </a:solidFill>
+              </a:rPr>
+              <a:t>, </a:t>
+            </a:r>
+            <a:r>
+              <a:rPr lang="en">
+                <a:solidFill>
+                  <a:srgbClr val="188038"/>
+                </a:solidFill>
+                <a:latin typeface="Roboto Mono"/>
+                <a:ea typeface="Roboto Mono"/>
+                <a:cs typeface="Roboto Mono"/>
+                <a:sym typeface="Roboto Mono"/>
+              </a:rPr>
+              <a:t>bedrooms</a:t>
+            </a:r>
+            <a:r>
+              <a:rPr lang="en">
+                <a:solidFill>
+                  <a:schemeClr val="dk1"/>
+                </a:solidFill>
+              </a:rPr>
+              <a:t>, </a:t>
+            </a:r>
+            <a:r>
+              <a:rPr lang="en">
+                <a:solidFill>
+                  <a:srgbClr val="188038"/>
+                </a:solidFill>
+                <a:latin typeface="Roboto Mono"/>
+                <a:ea typeface="Roboto Mono"/>
+                <a:cs typeface="Roboto Mono"/>
+                <a:sym typeface="Roboto Mono"/>
+              </a:rPr>
+              <a:t>square_feet</a:t>
+            </a:r>
+            <a:r>
+              <a:rPr lang="en">
+                <a:solidFill>
+                  <a:schemeClr val="dk1"/>
+                </a:solidFill>
+              </a:rPr>
+              <a:t>, or </a:t>
+            </a:r>
+            <a:r>
+              <a:rPr lang="en">
+                <a:solidFill>
+                  <a:srgbClr val="188038"/>
+                </a:solidFill>
+                <a:latin typeface="Roboto Mono"/>
+                <a:ea typeface="Roboto Mono"/>
+                <a:cs typeface="Roboto Mono"/>
+                <a:sym typeface="Roboto Mono"/>
+              </a:rPr>
+              <a:t>price</a:t>
+            </a:r>
+            <a:r>
+              <a:rPr lang="en">
+                <a:solidFill>
+                  <a:schemeClr val="dk1"/>
+                </a:solidFill>
+              </a:rPr>
+              <a:t> are missing or incorrect, this can skew the results.</a:t>
+            </a:r>
+            <a:endParaRPr>
+              <a:solidFill>
+                <a:schemeClr val="dk1"/>
+              </a:solidFill>
+            </a:endParaRPr>
+          </a:p>
+          <a:p>
+            <a:pPr indent="0" lvl="0" marL="0" rtl="0" algn="l">
+              <a:spcBef>
+                <a:spcPts val="0"/>
+              </a:spcBef>
+              <a:spcAft>
+                <a:spcPts val="0"/>
+              </a:spcAft>
+              <a:buClr>
+                <a:schemeClr val="dk1"/>
+              </a:buClr>
+              <a:buSzPts val="1100"/>
+              <a:buFont typeface="Arial"/>
+              <a:buNone/>
+            </a:pPr>
+            <a:r>
+              <a:rPr b="1" lang="en">
+                <a:solidFill>
+                  <a:schemeClr val="dk1"/>
+                </a:solidFill>
+              </a:rPr>
+              <a:t>Outliers</a:t>
+            </a:r>
+            <a:r>
+              <a:rPr lang="en">
+                <a:solidFill>
+                  <a:schemeClr val="dk1"/>
+                </a:solidFill>
+              </a:rPr>
+              <a:t>: Extremely high or low values in the dataset (e.g., luxury apartments or very small spaces) can disproportionately influence regression and correlation analyses.</a:t>
+            </a:r>
+            <a:endParaRPr>
+              <a:solidFill>
+                <a:schemeClr val="dk1"/>
+              </a:solidFill>
+            </a:endParaRPr>
+          </a:p>
+          <a:p>
+            <a:pPr indent="0" lvl="0" marL="0" rtl="0" algn="l">
+              <a:spcBef>
+                <a:spcPts val="0"/>
+              </a:spcBef>
+              <a:spcAft>
+                <a:spcPts val="0"/>
+              </a:spcAft>
+              <a:buNone/>
+            </a:pPr>
+            <a:r>
+              <a:t/>
             </a:r>
             <a:endParaRPr/>
           </a:p>
@@ -1644,7 +1999,7 @@
   <p:cSld>
     <p:spTree>
       <p:nvGrpSpPr>
-        <p:cNvPr id="187" name="Shape 187"/>
+        <p:cNvPr id="182" name="Shape 182"/>
         <p:cNvGrpSpPr/>
         <p:nvPr/>
       </p:nvGrpSpPr>
@@ -1658,7 +2013,7 @@
       </p:grpSpPr>
       <p:sp>
         <p:nvSpPr>
-          <p:cNvPr id="188" name="Google Shape;188;g31ee84bd0b3_6_6:notes"/>
+          <p:cNvPr id="183" name="Google Shape;183;g31ee84bd0b3_4_158:notes"/>
           <p:cNvSpPr/>
           <p:nvPr>
             <p:ph idx="2" type="sldImg"/>
@@ -1693,7 +2048,7 @@
       </p:sp>
       <p:sp>
         <p:nvSpPr>
-          <p:cNvPr id="189" name="Google Shape;189;g31ee84bd0b3_6_6:notes"/>
+          <p:cNvPr id="184" name="Google Shape;184;g31ee84bd0b3_4_158:notes"/>
           <p:cNvSpPr txBox="1"/>
           <p:nvPr>
             <p:ph idx="1" type="body"/>
@@ -1724,16 +2079,7 @@
               <a:buNone/>
             </a:pPr>
             <a:r>
-              <a:rPr lang="en"/>
-              <a:t>Think about what story is told here even </a:t>
-            </a:r>
-            <a:r>
-              <a:rPr lang="en"/>
-              <a:t>with</a:t>
-            </a:r>
-            <a:r>
-              <a:rPr lang="en"/>
-              <a:t> little info. Going east to west or north to south has little impact on prices. We can see geographical latitude and longitude have no strong connection. This is impacted by outliers, and the fact that some of the most expensive cities are on the west coast, while some of the cheapest are as well. </a:t>
+              <a:t/>
             </a:r>
             <a:endParaRPr/>
           </a:p>
@@ -1752,7 +2098,7 @@
   <p:cSld>
     <p:spTree>
       <p:nvGrpSpPr>
-        <p:cNvPr id="195" name="Shape 195"/>
+        <p:cNvPr id="187" name="Shape 187"/>
         <p:cNvGrpSpPr/>
         <p:nvPr/>
       </p:nvGrpSpPr>
@@ -1766,7 +2112,7 @@
       </p:grpSpPr>
       <p:sp>
         <p:nvSpPr>
-          <p:cNvPr id="196" name="Google Shape;196;g31ee84bd0b3_6_20:notes"/>
+          <p:cNvPr id="188" name="Google Shape;188;g31c325c885b_0_0:notes"/>
           <p:cNvSpPr/>
           <p:nvPr>
             <p:ph idx="2" type="sldImg"/>
@@ -1801,7 +2147,7 @@
       </p:sp>
       <p:sp>
         <p:nvSpPr>
-          <p:cNvPr id="197" name="Google Shape;197;g31ee84bd0b3_6_20:notes"/>
+          <p:cNvPr id="189" name="Google Shape;189;g31c325c885b_0_0:notes"/>
           <p:cNvSpPr txBox="1"/>
           <p:nvPr>
             <p:ph idx="1" type="body"/>
@@ -1833,15 +2179,31 @@
             </a:pPr>
             <a:r>
               <a:rPr lang="en"/>
-              <a:t>Interesting talking points: what makes this line appear negative? Reminder to myself I took an </a:t>
+              <a:t>Clear positive </a:t>
             </a:r>
             <a:r>
               <a:rPr lang="en"/>
-              <a:t>average</a:t>
+              <a:t>correlation</a:t>
             </a:r>
             <a:r>
               <a:rPr lang="en"/>
-              <a:t> so that is what is skewing the data**</a:t>
+              <a:t> between square footage and bathrooms / bedrooms. While there is a subtle confidence interval on our regression line. This is because some </a:t>
+            </a:r>
+            <a:r>
+              <a:rPr lang="en"/>
+              <a:t>apartments</a:t>
+            </a:r>
+            <a:r>
+              <a:rPr lang="en"/>
+              <a:t> in our data include large studios </a:t>
+            </a:r>
+            <a:r>
+              <a:rPr lang="en"/>
+              <a:t>with</a:t>
+            </a:r>
+            <a:r>
+              <a:rPr lang="en"/>
+              <a:t> no bedroom at all. And some apartments with many bedrooms, have few bathrooms. *see next slide*</a:t>
             </a:r>
             <a:endParaRPr/>
           </a:p>
@@ -1874,7 +2236,7 @@
       </p:grpSpPr>
       <p:sp>
         <p:nvSpPr>
-          <p:cNvPr id="57" name="Google Shape;57;g31b3943446e_0_42:notes"/>
+          <p:cNvPr id="57" name="Google Shape;57;g31ee84bd0b3_4_130:notes"/>
           <p:cNvSpPr/>
           <p:nvPr>
             <p:ph idx="2" type="sldImg"/>
@@ -1909,7 +2271,7 @@
       </p:sp>
       <p:sp>
         <p:nvSpPr>
-          <p:cNvPr id="58" name="Google Shape;58;g31b3943446e_0_42:notes"/>
+          <p:cNvPr id="58" name="Google Shape;58;g31ee84bd0b3_4_130:notes"/>
           <p:cNvSpPr txBox="1"/>
           <p:nvPr>
             <p:ph idx="1" type="body"/>
@@ -1959,7 +2321,7 @@
   <p:cSld>
     <p:spTree>
       <p:nvGrpSpPr>
-        <p:cNvPr id="202" name="Shape 202"/>
+        <p:cNvPr id="195" name="Shape 195"/>
         <p:cNvGrpSpPr/>
         <p:nvPr/>
       </p:nvGrpSpPr>
@@ -1973,7 +2335,7 @@
       </p:grpSpPr>
       <p:sp>
         <p:nvSpPr>
-          <p:cNvPr id="203" name="Google Shape;203;g31ee84bd0b3_6_28:notes"/>
+          <p:cNvPr id="196" name="Google Shape;196;g31c325c885b_0_12:notes"/>
           <p:cNvSpPr/>
           <p:nvPr>
             <p:ph idx="2" type="sldImg"/>
@@ -2008,7 +2370,7 @@
       </p:sp>
       <p:sp>
         <p:nvSpPr>
-          <p:cNvPr id="204" name="Google Shape;204;g31ee84bd0b3_6_28:notes"/>
+          <p:cNvPr id="197" name="Google Shape;197;g31c325c885b_0_12:notes"/>
           <p:cNvSpPr txBox="1"/>
           <p:nvPr>
             <p:ph idx="1" type="body"/>
@@ -2039,7 +2401,8 @@
               <a:buNone/>
             </a:pPr>
             <a:r>
-              <a:t/>
+              <a:rPr lang="en"/>
+              <a:t>This is a straight forward, positive regression. At the same time, notice the differences between 6 bedroom apartments in particular. </a:t>
             </a:r>
             <a:endParaRPr/>
           </a:p>
@@ -2053,12 +2416,12 @@
 </p:notes>
 </file>
 
-<file path=ppt/notesSlides/notesSlide3.xml><?xml version="1.0" encoding="utf-8"?>
+<file path=ppt/notesSlides/notesSlide21.xml><?xml version="1.0" encoding="utf-8"?>
 <p:notes xmlns:a="http://schemas.openxmlformats.org/drawingml/2006/main" xmlns:r="http://schemas.openxmlformats.org/officeDocument/2006/relationships" xmlns:mc="http://schemas.openxmlformats.org/markup-compatibility/2006" xmlns:mv="urn:schemas-microsoft-com:mac:vml" xmlns:p="http://schemas.openxmlformats.org/presentationml/2006/main" xmlns:c="http://schemas.openxmlformats.org/drawingml/2006/chart" xmlns:dgm="http://schemas.openxmlformats.org/drawingml/2006/diagram" xmlns:o="urn:schemas-microsoft-com:office:office" xmlns:v="urn:schemas-microsoft-com:vml" xmlns:pvml="urn:schemas-microsoft-com:office:powerpoint" xmlns:com="http://schemas.openxmlformats.org/drawingml/2006/compatibility" xmlns:p14="http://schemas.microsoft.com/office/powerpoint/2010/main" xmlns:p15="http://schemas.microsoft.com/office/powerpoint/2012/main" xmlns:ahyp="http://schemas.microsoft.com/office/drawing/2018/hyperlinkcolor" showMasterPhAnim="0" showMasterSp="0">
   <p:cSld>
     <p:spTree>
       <p:nvGrpSpPr>
-        <p:cNvPr id="72" name="Shape 72"/>
+        <p:cNvPr id="201" name="Shape 201"/>
         <p:cNvGrpSpPr/>
         <p:nvPr/>
       </p:nvGrpSpPr>
@@ -2072,7 +2435,7 @@
       </p:grpSpPr>
       <p:sp>
         <p:nvSpPr>
-          <p:cNvPr id="73" name="Google Shape;73;g31b3943446e_0_53:notes"/>
+          <p:cNvPr id="202" name="Google Shape;202;g31ee84bd0b3_6_6:notes"/>
           <p:cNvSpPr/>
           <p:nvPr>
             <p:ph idx="2" type="sldImg"/>
@@ -2107,7 +2470,7 @@
       </p:sp>
       <p:sp>
         <p:nvSpPr>
-          <p:cNvPr id="74" name="Google Shape;74;g31b3943446e_0_53:notes"/>
+          <p:cNvPr id="203" name="Google Shape;203;g31ee84bd0b3_6_6:notes"/>
           <p:cNvSpPr txBox="1"/>
           <p:nvPr>
             <p:ph idx="1" type="body"/>
@@ -2138,7 +2501,16 @@
               <a:buNone/>
             </a:pPr>
             <a:r>
-              <a:t/>
+              <a:rPr lang="en"/>
+              <a:t>Think about what story is told here even </a:t>
+            </a:r>
+            <a:r>
+              <a:rPr lang="en"/>
+              <a:t>with</a:t>
+            </a:r>
+            <a:r>
+              <a:rPr lang="en"/>
+              <a:t> little info and a flat regression line. Going east to west has little impact on prices. We can see geographical latitude and longitude have no strong connection. This is impacted by outliers, and the fact that some of the most expensive cities are on the west coast, while some of the cheapest are as well. </a:t>
             </a:r>
             <a:endParaRPr/>
           </a:p>
@@ -2152,12 +2524,12 @@
 </p:notes>
 </file>
 
-<file path=ppt/notesSlides/notesSlide4.xml><?xml version="1.0" encoding="utf-8"?>
+<file path=ppt/notesSlides/notesSlide22.xml><?xml version="1.0" encoding="utf-8"?>
 <p:notes xmlns:a="http://schemas.openxmlformats.org/drawingml/2006/main" xmlns:r="http://schemas.openxmlformats.org/officeDocument/2006/relationships" xmlns:mc="http://schemas.openxmlformats.org/markup-compatibility/2006" xmlns:mv="urn:schemas-microsoft-com:mac:vml" xmlns:p="http://schemas.openxmlformats.org/presentationml/2006/main" xmlns:c="http://schemas.openxmlformats.org/drawingml/2006/chart" xmlns:dgm="http://schemas.openxmlformats.org/drawingml/2006/diagram" xmlns:o="urn:schemas-microsoft-com:office:office" xmlns:v="urn:schemas-microsoft-com:vml" xmlns:pvml="urn:schemas-microsoft-com:office:powerpoint" xmlns:com="http://schemas.openxmlformats.org/drawingml/2006/compatibility" xmlns:p14="http://schemas.microsoft.com/office/powerpoint/2010/main" xmlns:p15="http://schemas.microsoft.com/office/powerpoint/2012/main" xmlns:ahyp="http://schemas.microsoft.com/office/drawing/2018/hyperlinkcolor" showMasterPhAnim="0" showMasterSp="0">
   <p:cSld>
     <p:spTree>
       <p:nvGrpSpPr>
-        <p:cNvPr id="80" name="Shape 80"/>
+        <p:cNvPr id="208" name="Shape 208"/>
         <p:cNvGrpSpPr/>
         <p:nvPr/>
       </p:nvGrpSpPr>
@@ -2171,7 +2543,7 @@
       </p:grpSpPr>
       <p:sp>
         <p:nvSpPr>
-          <p:cNvPr id="81" name="Google Shape;81;g31b3943446e_0_138:notes"/>
+          <p:cNvPr id="209" name="Google Shape;209;g31ee84bd0b3_4_174:notes"/>
           <p:cNvSpPr/>
           <p:nvPr>
             <p:ph idx="2" type="sldImg"/>
@@ -2206,7 +2578,205 @@
       </p:sp>
       <p:sp>
         <p:nvSpPr>
+          <p:cNvPr id="210" name="Google Shape;210;g31ee84bd0b3_4_174:notes"/>
+          <p:cNvSpPr txBox="1"/>
+          <p:nvPr>
+            <p:ph idx="1" type="body"/>
+          </p:nvPr>
+        </p:nvSpPr>
+        <p:spPr>
+          <a:xfrm>
+            <a:off x="685800" y="4343400"/>
+            <a:ext cx="5486400" cy="4114800"/>
+          </a:xfrm>
+          <a:prstGeom prst="rect">
+            <a:avLst/>
+          </a:prstGeom>
+        </p:spPr>
+        <p:txBody>
+          <a:bodyPr anchorCtr="0" anchor="t" bIns="91425" lIns="91425" spcFirstLastPara="1" rIns="91425" wrap="square" tIns="91425">
+            <a:noAutofit/>
+          </a:bodyPr>
+          <a:lstStyle/>
+          <a:p>
+            <a:pPr indent="0" lvl="0" marL="0" rtl="0" algn="l">
+              <a:spcBef>
+                <a:spcPts val="0"/>
+              </a:spcBef>
+              <a:spcAft>
+                <a:spcPts val="0"/>
+              </a:spcAft>
+              <a:buNone/>
+            </a:pPr>
+            <a:r>
+              <a:t/>
+            </a:r>
+            <a:endParaRPr/>
+          </a:p>
+        </p:txBody>
+      </p:sp>
+    </p:spTree>
+  </p:cSld>
+  <p:clrMapOvr>
+    <a:masterClrMapping/>
+  </p:clrMapOvr>
+</p:notes>
+</file>
+
+<file path=ppt/notesSlides/notesSlide3.xml><?xml version="1.0" encoding="utf-8"?>
+<p:notes xmlns:a="http://schemas.openxmlformats.org/drawingml/2006/main" xmlns:r="http://schemas.openxmlformats.org/officeDocument/2006/relationships" xmlns:mc="http://schemas.openxmlformats.org/markup-compatibility/2006" xmlns:mv="urn:schemas-microsoft-com:mac:vml" xmlns:p="http://schemas.openxmlformats.org/presentationml/2006/main" xmlns:c="http://schemas.openxmlformats.org/drawingml/2006/chart" xmlns:dgm="http://schemas.openxmlformats.org/drawingml/2006/diagram" xmlns:o="urn:schemas-microsoft-com:office:office" xmlns:v="urn:schemas-microsoft-com:vml" xmlns:pvml="urn:schemas-microsoft-com:office:powerpoint" xmlns:com="http://schemas.openxmlformats.org/drawingml/2006/compatibility" xmlns:p14="http://schemas.microsoft.com/office/powerpoint/2010/main" xmlns:p15="http://schemas.microsoft.com/office/powerpoint/2012/main" xmlns:ahyp="http://schemas.microsoft.com/office/drawing/2018/hyperlinkcolor" showMasterPhAnim="0" showMasterSp="0">
+  <p:cSld>
+    <p:spTree>
+      <p:nvGrpSpPr>
+        <p:cNvPr id="65" name="Shape 65"/>
+        <p:cNvGrpSpPr/>
+        <p:nvPr/>
+      </p:nvGrpSpPr>
+      <p:grpSpPr>
+        <a:xfrm>
+          <a:off x="0" y="0"/>
+          <a:ext cx="0" cy="0"/>
+          <a:chOff x="0" y="0"/>
+          <a:chExt cx="0" cy="0"/>
+        </a:xfrm>
+      </p:grpSpPr>
+      <p:sp>
+        <p:nvSpPr>
+          <p:cNvPr id="66" name="Google Shape;66;g31b3943446e_0_42:notes"/>
+          <p:cNvSpPr/>
+          <p:nvPr>
+            <p:ph idx="2" type="sldImg"/>
+          </p:nvPr>
+        </p:nvSpPr>
+        <p:spPr>
+          <a:xfrm>
+            <a:off x="381300" y="685800"/>
+            <a:ext cx="6096000" cy="3429000"/>
+          </a:xfrm>
+          <a:custGeom>
+            <a:rect b="b" l="l" r="r" t="t"/>
+            <a:pathLst>
+              <a:path extrusionOk="0" h="120000" w="120000">
+                <a:moveTo>
+                  <a:pt x="0" y="0"/>
+                </a:moveTo>
+                <a:lnTo>
+                  <a:pt x="120000" y="0"/>
+                </a:lnTo>
+                <a:lnTo>
+                  <a:pt x="120000" y="120000"/>
+                </a:lnTo>
+                <a:lnTo>
+                  <a:pt x="0" y="120000"/>
+                </a:lnTo>
+                <a:close/>
+              </a:path>
+            </a:pathLst>
+          </a:custGeom>
+        </p:spPr>
+      </p:sp>
+      <p:sp>
+        <p:nvSpPr>
+          <p:cNvPr id="67" name="Google Shape;67;g31b3943446e_0_42:notes"/>
+          <p:cNvSpPr txBox="1"/>
+          <p:nvPr>
+            <p:ph idx="1" type="body"/>
+          </p:nvPr>
+        </p:nvSpPr>
+        <p:spPr>
+          <a:xfrm>
+            <a:off x="685800" y="4343400"/>
+            <a:ext cx="5486400" cy="4114800"/>
+          </a:xfrm>
+          <a:prstGeom prst="rect">
+            <a:avLst/>
+          </a:prstGeom>
+        </p:spPr>
+        <p:txBody>
+          <a:bodyPr anchorCtr="0" anchor="t" bIns="91425" lIns="91425" spcFirstLastPara="1" rIns="91425" wrap="square" tIns="91425">
+            <a:noAutofit/>
+          </a:bodyPr>
+          <a:lstStyle/>
+          <a:p>
+            <a:pPr indent="0" lvl="0" marL="0" rtl="0" algn="l">
+              <a:spcBef>
+                <a:spcPts val="0"/>
+              </a:spcBef>
+              <a:spcAft>
+                <a:spcPts val="0"/>
+              </a:spcAft>
+              <a:buNone/>
+            </a:pPr>
+            <a:r>
+              <a:t/>
+            </a:r>
+            <a:endParaRPr/>
+          </a:p>
+        </p:txBody>
+      </p:sp>
+    </p:spTree>
+  </p:cSld>
+  <p:clrMapOvr>
+    <a:masterClrMapping/>
+  </p:clrMapOvr>
+</p:notes>
+</file>
+
+<file path=ppt/notesSlides/notesSlide4.xml><?xml version="1.0" encoding="utf-8"?>
+<p:notes xmlns:a="http://schemas.openxmlformats.org/drawingml/2006/main" xmlns:r="http://schemas.openxmlformats.org/officeDocument/2006/relationships" xmlns:mc="http://schemas.openxmlformats.org/markup-compatibility/2006" xmlns:mv="urn:schemas-microsoft-com:mac:vml" xmlns:p="http://schemas.openxmlformats.org/presentationml/2006/main" xmlns:c="http://schemas.openxmlformats.org/drawingml/2006/chart" xmlns:dgm="http://schemas.openxmlformats.org/drawingml/2006/diagram" xmlns:o="urn:schemas-microsoft-com:office:office" xmlns:v="urn:schemas-microsoft-com:vml" xmlns:pvml="urn:schemas-microsoft-com:office:powerpoint" xmlns:com="http://schemas.openxmlformats.org/drawingml/2006/compatibility" xmlns:p14="http://schemas.microsoft.com/office/powerpoint/2010/main" xmlns:p15="http://schemas.microsoft.com/office/powerpoint/2012/main" xmlns:ahyp="http://schemas.microsoft.com/office/drawing/2018/hyperlinkcolor" showMasterPhAnim="0" showMasterSp="0">
+  <p:cSld>
+    <p:spTree>
+      <p:nvGrpSpPr>
+        <p:cNvPr id="81" name="Shape 81"/>
+        <p:cNvGrpSpPr/>
+        <p:nvPr/>
+      </p:nvGrpSpPr>
+      <p:grpSpPr>
+        <a:xfrm>
+          <a:off x="0" y="0"/>
+          <a:ext cx="0" cy="0"/>
+          <a:chOff x="0" y="0"/>
+          <a:chExt cx="0" cy="0"/>
+        </a:xfrm>
+      </p:grpSpPr>
+      <p:sp>
+        <p:nvSpPr>
           <p:cNvPr id="82" name="Google Shape;82;g31b3943446e_0_138:notes"/>
+          <p:cNvSpPr/>
+          <p:nvPr>
+            <p:ph idx="2" type="sldImg"/>
+          </p:nvPr>
+        </p:nvSpPr>
+        <p:spPr>
+          <a:xfrm>
+            <a:off x="381300" y="685800"/>
+            <a:ext cx="6096000" cy="3429000"/>
+          </a:xfrm>
+          <a:custGeom>
+            <a:rect b="b" l="l" r="r" t="t"/>
+            <a:pathLst>
+              <a:path extrusionOk="0" h="120000" w="120000">
+                <a:moveTo>
+                  <a:pt x="0" y="0"/>
+                </a:moveTo>
+                <a:lnTo>
+                  <a:pt x="120000" y="0"/>
+                </a:lnTo>
+                <a:lnTo>
+                  <a:pt x="120000" y="120000"/>
+                </a:lnTo>
+                <a:lnTo>
+                  <a:pt x="0" y="120000"/>
+                </a:lnTo>
+                <a:close/>
+              </a:path>
+            </a:pathLst>
+          </a:custGeom>
+        </p:spPr>
+      </p:sp>
+      <p:sp>
+        <p:nvSpPr>
+          <p:cNvPr id="83" name="Google Shape;83;g31b3943446e_0_138:notes"/>
           <p:cNvSpPr txBox="1"/>
           <p:nvPr>
             <p:ph idx="1" type="body"/>
@@ -7662,7 +8232,7 @@
             <a:r>
               <a:rPr b="1" lang="en" sz="1300">
                 <a:solidFill>
-                  <a:schemeClr val="dk2"/>
+                  <a:srgbClr val="023047"/>
                 </a:solidFill>
               </a:rPr>
               <a:t>Most expensive:</a:t>
@@ -7670,14 +8240,14 @@
             <a:r>
               <a:rPr lang="en" sz="1300">
                 <a:solidFill>
-                  <a:schemeClr val="dk2"/>
+                  <a:srgbClr val="023047"/>
                 </a:solidFill>
               </a:rPr>
               <a:t> Hawaii, New York, California</a:t>
             </a:r>
             <a:endParaRPr sz="1300">
               <a:solidFill>
-                <a:schemeClr val="dk2"/>
+                <a:srgbClr val="023047"/>
               </a:solidFill>
             </a:endParaRPr>
           </a:p>
@@ -7694,7 +8264,7 @@
             <a:r>
               <a:rPr b="1" lang="en" sz="1300">
                 <a:solidFill>
-                  <a:schemeClr val="dk2"/>
+                  <a:srgbClr val="023047"/>
                 </a:solidFill>
               </a:rPr>
               <a:t>Least expensive:</a:t>
@@ -7702,14 +8272,14 @@
             <a:r>
               <a:rPr lang="en" sz="1300">
                 <a:solidFill>
-                  <a:schemeClr val="dk2"/>
+                  <a:srgbClr val="023047"/>
                 </a:solidFill>
               </a:rPr>
               <a:t> Wyoming, New Mexico, West Virginia</a:t>
             </a:r>
             <a:endParaRPr sz="1300">
               <a:solidFill>
-                <a:schemeClr val="dk2"/>
+                <a:srgbClr val="023047"/>
               </a:solidFill>
             </a:endParaRPr>
           </a:p>
@@ -7752,7 +8322,7 @@
             <a:r>
               <a:rPr lang="en" sz="1800">
                 <a:solidFill>
-                  <a:schemeClr val="dk2"/>
+                  <a:srgbClr val="023047"/>
                 </a:solidFill>
                 <a:latin typeface="Lexend SemiBold"/>
                 <a:ea typeface="Lexend SemiBold"/>
@@ -7763,7 +8333,7 @@
             </a:r>
             <a:endParaRPr sz="1800">
               <a:solidFill>
-                <a:schemeClr val="dk2"/>
+                <a:srgbClr val="023047"/>
               </a:solidFill>
               <a:latin typeface="Lexend Medium"/>
               <a:ea typeface="Lexend Medium"/>
@@ -7830,82 +8400,22 @@
         <p:nvSpPr>
           <p:cNvPr id="139" name="Google Shape;139;p23"/>
           <p:cNvSpPr txBox="1"/>
-          <p:nvPr/>
+          <p:nvPr>
+            <p:ph type="ctrTitle"/>
+          </p:nvPr>
         </p:nvSpPr>
         <p:spPr>
           <a:xfrm>
-            <a:off x="863925" y="4346025"/>
-            <a:ext cx="6610800" cy="562200"/>
+            <a:off x="311688" y="94350"/>
+            <a:ext cx="8520600" cy="500700"/>
           </a:xfrm>
           <a:prstGeom prst="rect">
             <a:avLst/>
           </a:prstGeom>
-          <a:noFill/>
-          <a:ln>
-            <a:noFill/>
-          </a:ln>
         </p:spPr>
         <p:txBody>
-          <a:bodyPr anchorCtr="0" anchor="ctr" bIns="91425" lIns="91425" spcFirstLastPara="1" rIns="91425" wrap="square" tIns="91425">
-            <a:noAutofit/>
-          </a:bodyPr>
-          <a:lstStyle/>
-          <a:p>
-            <a:pPr indent="0" lvl="0" marL="0" rtl="0" algn="l">
-              <a:spcBef>
-                <a:spcPts val="0"/>
-              </a:spcBef>
-              <a:spcAft>
-                <a:spcPts val="0"/>
-              </a:spcAft>
-              <a:buNone/>
-            </a:pPr>
-            <a:r>
-              <a:rPr b="1" lang="en" sz="1300">
-                <a:solidFill>
-                  <a:schemeClr val="dk2"/>
-                </a:solidFill>
-              </a:rPr>
-              <a:t>Most expensive:</a:t>
-            </a:r>
-            <a:r>
-              <a:rPr lang="en" sz="1300">
-                <a:solidFill>
-                  <a:schemeClr val="dk2"/>
-                </a:solidFill>
-              </a:rPr>
-              <a:t> Sebastopol (California), Montecito (California), Key Biscayne (Florida)</a:t>
-            </a:r>
-            <a:endParaRPr sz="1300">
-              <a:solidFill>
-                <a:schemeClr val="dk2"/>
-              </a:solidFill>
-            </a:endParaRPr>
-          </a:p>
-        </p:txBody>
-      </p:sp>
-      <p:sp>
-        <p:nvSpPr>
-          <p:cNvPr id="140" name="Google Shape;140;p23"/>
-          <p:cNvSpPr txBox="1"/>
-          <p:nvPr/>
-        </p:nvSpPr>
-        <p:spPr>
-          <a:xfrm>
-            <a:off x="1669250" y="0"/>
-            <a:ext cx="6287700" cy="461700"/>
-          </a:xfrm>
-          <a:prstGeom prst="rect">
-            <a:avLst/>
-          </a:prstGeom>
-          <a:noFill/>
-          <a:ln>
-            <a:noFill/>
-          </a:ln>
-        </p:spPr>
-        <p:txBody>
-          <a:bodyPr anchorCtr="0" anchor="t" bIns="91425" lIns="91425" spcFirstLastPara="1" rIns="91425" wrap="square" tIns="91425">
-            <a:spAutoFit/>
+          <a:bodyPr anchorCtr="0" anchor="b" bIns="91425" lIns="91425" spcFirstLastPara="1" rIns="91425" wrap="square" tIns="91425">
+            <a:normAutofit/>
           </a:bodyPr>
           <a:lstStyle/>
           <a:p>
@@ -7921,30 +8431,26 @@
             <a:r>
               <a:rPr lang="en" sz="1800">
                 <a:solidFill>
-                  <a:schemeClr val="dk2"/>
-                </a:solidFill>
-                <a:latin typeface="Lexend SemiBold"/>
-                <a:ea typeface="Lexend SemiBold"/>
-                <a:cs typeface="Lexend SemiBold"/>
-                <a:sym typeface="Lexend SemiBold"/>
+                  <a:srgbClr val="023047"/>
+                </a:solidFill>
+                <a:latin typeface="Lexend Medium"/>
+                <a:ea typeface="Lexend Medium"/>
+                <a:cs typeface="Lexend Medium"/>
+                <a:sym typeface="Lexend Medium"/>
               </a:rPr>
-              <a:t>What are the top 10 most expensive cities?</a:t>
+              <a:t>Average Apartment Prices by State in the U.S.</a:t>
             </a:r>
             <a:endParaRPr sz="1800">
               <a:solidFill>
-                <a:schemeClr val="dk2"/>
+                <a:srgbClr val="023047"/>
               </a:solidFill>
-              <a:latin typeface="Lexend Medium"/>
-              <a:ea typeface="Lexend Medium"/>
-              <a:cs typeface="Lexend Medium"/>
-              <a:sym typeface="Lexend Medium"/>
             </a:endParaRPr>
           </a:p>
         </p:txBody>
       </p:sp>
       <p:pic>
         <p:nvPicPr>
-          <p:cNvPr id="141" name="Google Shape;141;p23"/>
+          <p:cNvPr id="140" name="Google Shape;140;p23"/>
           <p:cNvPicPr preferRelativeResize="0"/>
           <p:nvPr/>
         </p:nvPicPr>
@@ -7958,8 +8464,36 @@
         </p:blipFill>
         <p:spPr>
           <a:xfrm>
-            <a:off x="1187052" y="461700"/>
-            <a:ext cx="6769894" cy="3884325"/>
+            <a:off x="1814500" y="1148450"/>
+            <a:ext cx="5514975" cy="3162300"/>
+          </a:xfrm>
+          <a:prstGeom prst="rect">
+            <a:avLst/>
+          </a:prstGeom>
+          <a:noFill/>
+          <a:ln>
+            <a:noFill/>
+          </a:ln>
+        </p:spPr>
+      </p:pic>
+      <p:pic>
+        <p:nvPicPr>
+          <p:cNvPr id="141" name="Google Shape;141;p23"/>
+          <p:cNvPicPr preferRelativeResize="0"/>
+          <p:nvPr/>
+        </p:nvPicPr>
+        <p:blipFill>
+          <a:blip r:embed="rId4">
+            <a:alphaModFix/>
+          </a:blip>
+          <a:stretch>
+            <a:fillRect/>
+          </a:stretch>
+        </p:blipFill>
+        <p:spPr>
+          <a:xfrm>
+            <a:off x="7623463" y="1200850"/>
+            <a:ext cx="733425" cy="3057525"/>
           </a:xfrm>
           <a:prstGeom prst="rect">
             <a:avLst/>
@@ -8003,8 +8537,8 @@
         </p:nvSpPr>
         <p:spPr>
           <a:xfrm>
-            <a:off x="896150" y="4346025"/>
-            <a:ext cx="7020300" cy="562200"/>
+            <a:off x="863925" y="4346025"/>
+            <a:ext cx="6610800" cy="562200"/>
           </a:xfrm>
           <a:prstGeom prst="rect">
             <a:avLst/>
@@ -8032,30 +8566,22 @@
             <a:r>
               <a:rPr b="1" lang="en" sz="1300">
                 <a:solidFill>
-                  <a:schemeClr val="dk2"/>
+                  <a:srgbClr val="023047"/>
                 </a:solidFill>
               </a:rPr>
-              <a:t>Least</a:t>
-            </a:r>
-            <a:r>
-              <a:rPr b="1" lang="en" sz="1300">
-                <a:solidFill>
-                  <a:schemeClr val="dk2"/>
+              <a:t>Most expensive:</a:t>
+            </a:r>
+            <a:r>
+              <a:rPr lang="en" sz="1300">
+                <a:solidFill>
+                  <a:srgbClr val="023047"/>
                 </a:solidFill>
               </a:rPr>
-              <a:t> expensive:</a:t>
-            </a:r>
-            <a:r>
-              <a:rPr lang="en" sz="1300">
-                <a:solidFill>
-                  <a:schemeClr val="dk2"/>
-                </a:solidFill>
-              </a:rPr>
-              <a:t> Michigan City (Michigan), Huron (Ohio), Key Biscayne (Kansas)</a:t>
+              <a:t> Sebastopol (California), Montecito (California), Key Biscayne (Florida)</a:t>
             </a:r>
             <a:endParaRPr sz="1300">
               <a:solidFill>
-                <a:schemeClr val="dk2"/>
+                <a:srgbClr val="023047"/>
               </a:solidFill>
             </a:endParaRPr>
           </a:p>
@@ -8069,8 +8595,8 @@
         </p:nvSpPr>
         <p:spPr>
           <a:xfrm>
-            <a:off x="1422225" y="0"/>
-            <a:ext cx="6857700" cy="461700"/>
+            <a:off x="1669250" y="0"/>
+            <a:ext cx="6287700" cy="461700"/>
           </a:xfrm>
           <a:prstGeom prst="rect">
             <a:avLst/>
@@ -8098,18 +8624,18 @@
             <a:r>
               <a:rPr lang="en" sz="1800">
                 <a:solidFill>
-                  <a:schemeClr val="dk2"/>
+                  <a:srgbClr val="023047"/>
                 </a:solidFill>
                 <a:latin typeface="Lexend SemiBold"/>
                 <a:ea typeface="Lexend SemiBold"/>
                 <a:cs typeface="Lexend SemiBold"/>
                 <a:sym typeface="Lexend SemiBold"/>
               </a:rPr>
-              <a:t>What are the top 10 least expensive cities?</a:t>
+              <a:t>What are the top 10 most expensive cities?</a:t>
             </a:r>
             <a:endParaRPr sz="1800">
               <a:solidFill>
-                <a:schemeClr val="dk2"/>
+                <a:srgbClr val="023047"/>
               </a:solidFill>
               <a:latin typeface="Lexend Medium"/>
               <a:ea typeface="Lexend Medium"/>
@@ -8135,8 +8661,8 @@
         </p:blipFill>
         <p:spPr>
           <a:xfrm>
-            <a:off x="1227553" y="461700"/>
-            <a:ext cx="6688898" cy="3884325"/>
+            <a:off x="1187052" y="461700"/>
+            <a:ext cx="6769894" cy="3884325"/>
           </a:xfrm>
           <a:prstGeom prst="rect">
             <a:avLst/>
@@ -8176,22 +8702,90 @@
         <p:nvSpPr>
           <p:cNvPr id="153" name="Google Shape;153;p25"/>
           <p:cNvSpPr txBox="1"/>
-          <p:nvPr>
-            <p:ph type="ctrTitle"/>
-          </p:nvPr>
+          <p:nvPr/>
         </p:nvSpPr>
         <p:spPr>
           <a:xfrm>
-            <a:off x="311688" y="94350"/>
-            <a:ext cx="8520600" cy="500700"/>
+            <a:off x="896150" y="4346025"/>
+            <a:ext cx="7020300" cy="562200"/>
           </a:xfrm>
           <a:prstGeom prst="rect">
             <a:avLst/>
           </a:prstGeom>
+          <a:noFill/>
+          <a:ln>
+            <a:noFill/>
+          </a:ln>
         </p:spPr>
         <p:txBody>
-          <a:bodyPr anchorCtr="0" anchor="b" bIns="91425" lIns="91425" spcFirstLastPara="1" rIns="91425" wrap="square" tIns="91425">
-            <a:normAutofit/>
+          <a:bodyPr anchorCtr="0" anchor="ctr" bIns="91425" lIns="91425" spcFirstLastPara="1" rIns="91425" wrap="square" tIns="91425">
+            <a:noAutofit/>
+          </a:bodyPr>
+          <a:lstStyle/>
+          <a:p>
+            <a:pPr indent="0" lvl="0" marL="0" rtl="0" algn="l">
+              <a:spcBef>
+                <a:spcPts val="0"/>
+              </a:spcBef>
+              <a:spcAft>
+                <a:spcPts val="0"/>
+              </a:spcAft>
+              <a:buNone/>
+            </a:pPr>
+            <a:r>
+              <a:rPr b="1" lang="en" sz="1300">
+                <a:solidFill>
+                  <a:srgbClr val="023047"/>
+                </a:solidFill>
+              </a:rPr>
+              <a:t>Least</a:t>
+            </a:r>
+            <a:r>
+              <a:rPr b="1" lang="en" sz="1300">
+                <a:solidFill>
+                  <a:srgbClr val="023047"/>
+                </a:solidFill>
+              </a:rPr>
+              <a:t> expensive:</a:t>
+            </a:r>
+            <a:r>
+              <a:rPr lang="en" sz="1300">
+                <a:solidFill>
+                  <a:srgbClr val="023047"/>
+                </a:solidFill>
+              </a:rPr>
+              <a:t> Michigan City (Michigan), Huron (Ohio), Glasco (Kansas)</a:t>
+            </a:r>
+            <a:endParaRPr sz="1300">
+              <a:solidFill>
+                <a:srgbClr val="023047"/>
+              </a:solidFill>
+            </a:endParaRPr>
+          </a:p>
+        </p:txBody>
+      </p:sp>
+      <p:sp>
+        <p:nvSpPr>
+          <p:cNvPr id="154" name="Google Shape;154;p25"/>
+          <p:cNvSpPr txBox="1"/>
+          <p:nvPr/>
+        </p:nvSpPr>
+        <p:spPr>
+          <a:xfrm>
+            <a:off x="1422225" y="0"/>
+            <a:ext cx="6857700" cy="461700"/>
+          </a:xfrm>
+          <a:prstGeom prst="rect">
+            <a:avLst/>
+          </a:prstGeom>
+          <a:noFill/>
+          <a:ln>
+            <a:noFill/>
+          </a:ln>
+        </p:spPr>
+        <p:txBody>
+          <a:bodyPr anchorCtr="0" anchor="t" bIns="91425" lIns="91425" spcFirstLastPara="1" rIns="91425" wrap="square" tIns="91425">
+            <a:spAutoFit/>
           </a:bodyPr>
           <a:lstStyle/>
           <a:p>
@@ -8209,20 +8803,28 @@
                 <a:solidFill>
                   <a:srgbClr val="023047"/>
                 </a:solidFill>
-                <a:latin typeface="Lexend Medium"/>
-                <a:ea typeface="Lexend Medium"/>
-                <a:cs typeface="Lexend Medium"/>
-                <a:sym typeface="Lexend Medium"/>
+                <a:latin typeface="Lexend SemiBold"/>
+                <a:ea typeface="Lexend SemiBold"/>
+                <a:cs typeface="Lexend SemiBold"/>
+                <a:sym typeface="Lexend SemiBold"/>
               </a:rPr>
-              <a:t>Average Apartment Prices by State in the U.S.</a:t>
-            </a:r>
-            <a:endParaRPr sz="1800"/>
+              <a:t>What are the top 10 least expensive cities?</a:t>
+            </a:r>
+            <a:endParaRPr sz="1800">
+              <a:solidFill>
+                <a:srgbClr val="023047"/>
+              </a:solidFill>
+              <a:latin typeface="Lexend Medium"/>
+              <a:ea typeface="Lexend Medium"/>
+              <a:cs typeface="Lexend Medium"/>
+              <a:sym typeface="Lexend Medium"/>
+            </a:endParaRPr>
           </a:p>
         </p:txBody>
       </p:sp>
       <p:pic>
         <p:nvPicPr>
-          <p:cNvPr id="154" name="Google Shape;154;p25"/>
+          <p:cNvPr id="155" name="Google Shape;155;p25"/>
           <p:cNvPicPr preferRelativeResize="0"/>
           <p:nvPr/>
         </p:nvPicPr>
@@ -8236,36 +8838,8 @@
         </p:blipFill>
         <p:spPr>
           <a:xfrm>
-            <a:off x="1814500" y="1148450"/>
-            <a:ext cx="5514975" cy="3162300"/>
-          </a:xfrm>
-          <a:prstGeom prst="rect">
-            <a:avLst/>
-          </a:prstGeom>
-          <a:noFill/>
-          <a:ln>
-            <a:noFill/>
-          </a:ln>
-        </p:spPr>
-      </p:pic>
-      <p:pic>
-        <p:nvPicPr>
-          <p:cNvPr id="155" name="Google Shape;155;p25"/>
-          <p:cNvPicPr preferRelativeResize="0"/>
-          <p:nvPr/>
-        </p:nvPicPr>
-        <p:blipFill>
-          <a:blip r:embed="rId4">
-            <a:alphaModFix/>
-          </a:blip>
-          <a:stretch>
-            <a:fillRect/>
-          </a:stretch>
-        </p:blipFill>
-        <p:spPr>
-          <a:xfrm>
-            <a:off x="7623463" y="1200850"/>
-            <a:ext cx="733425" cy="3057525"/>
+            <a:off x="1227553" y="461700"/>
+            <a:ext cx="6688898" cy="3884325"/>
           </a:xfrm>
           <a:prstGeom prst="rect">
             <a:avLst/>
@@ -8301,24 +8875,16 @@
           <a:chExt cx="0" cy="0"/>
         </a:xfrm>
       </p:grpSpPr>
-      <p:pic>
-        <p:nvPicPr>
+      <p:sp>
+        <p:nvSpPr>
           <p:cNvPr id="160" name="Google Shape;160;p26"/>
-          <p:cNvPicPr preferRelativeResize="0"/>
+          <p:cNvSpPr txBox="1"/>
           <p:nvPr/>
-        </p:nvPicPr>
-        <p:blipFill>
-          <a:blip r:embed="rId3">
-            <a:alphaModFix/>
-          </a:blip>
-          <a:stretch>
-            <a:fillRect/>
-          </a:stretch>
-        </p:blipFill>
-        <p:spPr>
-          <a:xfrm>
-            <a:off x="5210175" y="1971500"/>
-            <a:ext cx="3648075" cy="2981625"/>
+        </p:nvSpPr>
+        <p:spPr>
+          <a:xfrm>
+            <a:off x="1803750" y="1594350"/>
+            <a:ext cx="5536500" cy="2339700"/>
           </a:xfrm>
           <a:prstGeom prst="rect">
             <a:avLst/>
@@ -8328,33 +8894,13 @@
             <a:noFill/>
           </a:ln>
         </p:spPr>
-      </p:pic>
-      <p:sp>
-        <p:nvSpPr>
-          <p:cNvPr id="161" name="Google Shape;161;p26"/>
-          <p:cNvSpPr txBox="1"/>
-          <p:nvPr/>
-        </p:nvSpPr>
-        <p:spPr>
-          <a:xfrm>
-            <a:off x="357525" y="337625"/>
-            <a:ext cx="8273400" cy="877200"/>
-          </a:xfrm>
-          <a:prstGeom prst="rect">
-            <a:avLst/>
-          </a:prstGeom>
-          <a:noFill/>
-          <a:ln>
-            <a:noFill/>
-          </a:ln>
-        </p:spPr>
         <p:txBody>
           <a:bodyPr anchorCtr="0" anchor="t" bIns="91425" lIns="91425" spcFirstLastPara="1" rIns="91425" wrap="square" tIns="91425">
             <a:spAutoFit/>
           </a:bodyPr>
           <a:lstStyle/>
           <a:p>
-            <a:pPr indent="0" lvl="0" marL="0" rtl="0" algn="l">
+            <a:pPr indent="0" lvl="0" marL="0" rtl="0" algn="ctr">
               <a:spcBef>
                 <a:spcPts val="0"/>
               </a:spcBef>
@@ -8364,44 +8910,20 @@
               <a:buNone/>
             </a:pPr>
             <a:r>
-              <a:rPr lang="en" sz="2400">
-                <a:solidFill>
-                  <a:schemeClr val="dk2"/>
+              <a:rPr lang="en" sz="4000">
+                <a:solidFill>
+                  <a:srgbClr val="FB8500"/>
                 </a:solidFill>
                 <a:latin typeface="Lexend SemiBold"/>
                 <a:ea typeface="Lexend SemiBold"/>
                 <a:cs typeface="Lexend SemiBold"/>
                 <a:sym typeface="Lexend SemiBold"/>
               </a:rPr>
-              <a:t>Question 3:</a:t>
-            </a:r>
-            <a:r>
-              <a:rPr lang="en" sz="2500">
-                <a:solidFill>
-                  <a:schemeClr val="dk2"/>
-                </a:solidFill>
-                <a:latin typeface="Lexend SemiBold"/>
-                <a:ea typeface="Lexend SemiBold"/>
-                <a:cs typeface="Lexend SemiBold"/>
-                <a:sym typeface="Lexend SemiBold"/>
-              </a:rPr>
-              <a:t> </a:t>
-            </a:r>
-            <a:r>
-              <a:rPr b="1" lang="en" sz="2000">
-                <a:solidFill>
-                  <a:schemeClr val="dk2"/>
-                </a:solidFill>
-                <a:latin typeface="Lexend"/>
-                <a:ea typeface="Lexend"/>
-                <a:cs typeface="Lexend"/>
-                <a:sym typeface="Lexend"/>
-              </a:rPr>
-              <a:t>What is more valuable to renters—having more bedrooms and bathrooms or having more square footage?</a:t>
-            </a:r>
-            <a:endParaRPr sz="2500">
+              <a:t>Question 3: </a:t>
+            </a:r>
+            <a:endParaRPr sz="4000">
               <a:solidFill>
-                <a:schemeClr val="dk2"/>
+                <a:srgbClr val="FB8500"/>
               </a:solidFill>
               <a:latin typeface="Lexend SemiBold"/>
               <a:ea typeface="Lexend SemiBold"/>
@@ -8409,34 +8931,8 @@
               <a:sym typeface="Lexend SemiBold"/>
             </a:endParaRPr>
           </a:p>
-        </p:txBody>
-      </p:sp>
-      <p:sp>
-        <p:nvSpPr>
-          <p:cNvPr id="162" name="Google Shape;162;p26"/>
-          <p:cNvSpPr txBox="1"/>
-          <p:nvPr/>
-        </p:nvSpPr>
-        <p:spPr>
-          <a:xfrm>
-            <a:off x="357525" y="876425"/>
-            <a:ext cx="8273400" cy="461700"/>
-          </a:xfrm>
-          <a:prstGeom prst="rect">
-            <a:avLst/>
-          </a:prstGeom>
-          <a:noFill/>
-          <a:ln>
-            <a:noFill/>
-          </a:ln>
-        </p:spPr>
-        <p:txBody>
-          <a:bodyPr anchorCtr="0" anchor="t" bIns="91425" lIns="91425" spcFirstLastPara="1" rIns="91425" wrap="square" tIns="91425">
-            <a:spAutoFit/>
-          </a:bodyPr>
-          <a:lstStyle/>
           <a:p>
-            <a:pPr indent="0" lvl="0" marL="0" rtl="0" algn="l">
+            <a:pPr indent="0" lvl="0" marL="0" rtl="0" algn="ctr">
               <a:spcBef>
                 <a:spcPts val="0"/>
               </a:spcBef>
@@ -8446,779 +8942,25 @@
               <a:buNone/>
             </a:pPr>
             <a:r>
-              <a:t/>
-            </a:r>
-            <a:endParaRPr b="1" sz="1800">
+              <a:rPr lang="en" sz="2500">
+                <a:solidFill>
+                  <a:srgbClr val="023047"/>
+                </a:solidFill>
+                <a:latin typeface="Lexend SemiBold"/>
+                <a:ea typeface="Lexend SemiBold"/>
+                <a:cs typeface="Lexend SemiBold"/>
+                <a:sym typeface="Lexend SemiBold"/>
+              </a:rPr>
+              <a:t>What is more valuable to renters—having more bedrooms and bathrooms or having more square footage?</a:t>
+            </a:r>
+            <a:endParaRPr sz="2500">
               <a:solidFill>
-                <a:schemeClr val="dk2"/>
+                <a:srgbClr val="023047"/>
               </a:solidFill>
-            </a:endParaRPr>
-          </a:p>
-        </p:txBody>
-      </p:sp>
-      <p:sp>
-        <p:nvSpPr>
-          <p:cNvPr id="163" name="Google Shape;163;p26"/>
-          <p:cNvSpPr txBox="1"/>
-          <p:nvPr/>
-        </p:nvSpPr>
-        <p:spPr>
-          <a:xfrm>
-            <a:off x="456900" y="1405325"/>
-            <a:ext cx="4839000" cy="3547800"/>
-          </a:xfrm>
-          <a:prstGeom prst="rect">
-            <a:avLst/>
-          </a:prstGeom>
-          <a:noFill/>
-          <a:ln>
-            <a:noFill/>
-          </a:ln>
-        </p:spPr>
-        <p:txBody>
-          <a:bodyPr anchorCtr="0" anchor="t" bIns="91425" lIns="91425" spcFirstLastPara="1" rIns="91425" wrap="square" tIns="91425">
-            <a:noAutofit/>
-          </a:bodyPr>
-          <a:lstStyle/>
-          <a:p>
-            <a:pPr indent="0" lvl="0" marL="0" rtl="0" algn="l">
-              <a:lnSpc>
-                <a:spcPct val="115000"/>
-              </a:lnSpc>
-              <a:spcBef>
-                <a:spcPts val="1200"/>
-              </a:spcBef>
-              <a:spcAft>
-                <a:spcPts val="0"/>
-              </a:spcAft>
-              <a:buNone/>
-            </a:pPr>
-            <a:r>
-              <a:rPr b="1" lang="en" sz="1100">
-                <a:solidFill>
-                  <a:schemeClr val="dk1"/>
-                </a:solidFill>
-                <a:latin typeface="Lexend"/>
-                <a:ea typeface="Lexend"/>
-                <a:cs typeface="Lexend"/>
-                <a:sym typeface="Lexend"/>
-              </a:rPr>
-              <a:t>Dataset</a:t>
-            </a:r>
-            <a:r>
-              <a:rPr lang="en" sz="1100">
-                <a:solidFill>
-                  <a:schemeClr val="dk1"/>
-                </a:solidFill>
-                <a:latin typeface="Lexend"/>
-                <a:ea typeface="Lexend"/>
-                <a:cs typeface="Lexend"/>
-                <a:sym typeface="Lexend"/>
-              </a:rPr>
-              <a:t>:</a:t>
-            </a:r>
-            <a:endParaRPr sz="1100">
-              <a:solidFill>
-                <a:schemeClr val="dk1"/>
-              </a:solidFill>
-              <a:latin typeface="Lexend"/>
-              <a:ea typeface="Lexend"/>
-              <a:cs typeface="Lexend"/>
-              <a:sym typeface="Lexend"/>
-            </a:endParaRPr>
-          </a:p>
-          <a:p>
-            <a:pPr indent="-298450" lvl="0" marL="457200" rtl="0" algn="l">
-              <a:lnSpc>
-                <a:spcPct val="115000"/>
-              </a:lnSpc>
-              <a:spcBef>
-                <a:spcPts val="0"/>
-              </a:spcBef>
-              <a:spcAft>
-                <a:spcPts val="0"/>
-              </a:spcAft>
-              <a:buClr>
-                <a:schemeClr val="dk1"/>
-              </a:buClr>
-              <a:buSzPts val="1100"/>
-              <a:buFont typeface="Lexend"/>
-              <a:buChar char="●"/>
-            </a:pPr>
-            <a:r>
-              <a:rPr lang="en" sz="1100">
-                <a:solidFill>
-                  <a:schemeClr val="dk1"/>
-                </a:solidFill>
-                <a:latin typeface="Lexend"/>
-                <a:ea typeface="Lexend"/>
-                <a:cs typeface="Lexend"/>
-                <a:sym typeface="Lexend"/>
-              </a:rPr>
-              <a:t>Source: Cleaned apartment pricing dataset (clean_data.csv).</a:t>
-            </a:r>
-            <a:endParaRPr sz="1100">
-              <a:solidFill>
-                <a:schemeClr val="dk1"/>
-              </a:solidFill>
-              <a:latin typeface="Lexend"/>
-              <a:ea typeface="Lexend"/>
-              <a:cs typeface="Lexend"/>
-              <a:sym typeface="Lexend"/>
-            </a:endParaRPr>
-          </a:p>
-          <a:p>
-            <a:pPr indent="-298450" lvl="0" marL="457200" rtl="0" algn="l">
-              <a:lnSpc>
-                <a:spcPct val="115000"/>
-              </a:lnSpc>
-              <a:spcBef>
-                <a:spcPts val="0"/>
-              </a:spcBef>
-              <a:spcAft>
-                <a:spcPts val="0"/>
-              </a:spcAft>
-              <a:buClr>
-                <a:schemeClr val="dk1"/>
-              </a:buClr>
-              <a:buSzPts val="1100"/>
-              <a:buFont typeface="Lexend"/>
-              <a:buChar char="●"/>
-            </a:pPr>
-            <a:r>
-              <a:rPr lang="en" sz="1100">
-                <a:solidFill>
-                  <a:schemeClr val="dk1"/>
-                </a:solidFill>
-                <a:latin typeface="Lexend"/>
-                <a:ea typeface="Lexend"/>
-                <a:cs typeface="Lexend"/>
-                <a:sym typeface="Lexend"/>
-              </a:rPr>
-              <a:t>Key Columns:</a:t>
-            </a:r>
-            <a:endParaRPr sz="1100">
-              <a:solidFill>
-                <a:schemeClr val="dk1"/>
-              </a:solidFill>
-              <a:latin typeface="Lexend"/>
-              <a:ea typeface="Lexend"/>
-              <a:cs typeface="Lexend"/>
-              <a:sym typeface="Lexend"/>
-            </a:endParaRPr>
-          </a:p>
-          <a:p>
-            <a:pPr indent="-298450" lvl="1" marL="914400" rtl="0" algn="l">
-              <a:lnSpc>
-                <a:spcPct val="115000"/>
-              </a:lnSpc>
-              <a:spcBef>
-                <a:spcPts val="0"/>
-              </a:spcBef>
-              <a:spcAft>
-                <a:spcPts val="0"/>
-              </a:spcAft>
-              <a:buClr>
-                <a:schemeClr val="dk1"/>
-              </a:buClr>
-              <a:buSzPts val="1100"/>
-              <a:buFont typeface="Lexend"/>
-              <a:buChar char="○"/>
-            </a:pPr>
-            <a:r>
-              <a:rPr lang="en" sz="1100">
-                <a:solidFill>
-                  <a:schemeClr val="dk1"/>
-                </a:solidFill>
-                <a:latin typeface="Lexend"/>
-                <a:ea typeface="Lexend"/>
-                <a:cs typeface="Lexend"/>
-                <a:sym typeface="Lexend"/>
-              </a:rPr>
-              <a:t>Independent variables: </a:t>
-            </a:r>
-            <a:r>
-              <a:rPr lang="en" sz="1100">
-                <a:solidFill>
-                  <a:schemeClr val="dk1"/>
-                </a:solidFill>
-                <a:latin typeface="Lexend"/>
-                <a:ea typeface="Lexend"/>
-                <a:cs typeface="Lexend"/>
-                <a:sym typeface="Lexend"/>
-              </a:rPr>
-              <a:t>Price, bathrooms, bedrooms, square_feet.</a:t>
-            </a:r>
-            <a:endParaRPr sz="1100">
-              <a:solidFill>
-                <a:schemeClr val="dk1"/>
-              </a:solidFill>
-              <a:latin typeface="Lexend"/>
-              <a:ea typeface="Lexend"/>
-              <a:cs typeface="Lexend"/>
-              <a:sym typeface="Lexend"/>
-            </a:endParaRPr>
-          </a:p>
-          <a:p>
-            <a:pPr indent="-298450" lvl="1" marL="914400" rtl="0" algn="l">
-              <a:lnSpc>
-                <a:spcPct val="115000"/>
-              </a:lnSpc>
-              <a:spcBef>
-                <a:spcPts val="0"/>
-              </a:spcBef>
-              <a:spcAft>
-                <a:spcPts val="0"/>
-              </a:spcAft>
-              <a:buClr>
-                <a:schemeClr val="dk1"/>
-              </a:buClr>
-              <a:buSzPts val="1100"/>
-              <a:buFont typeface="Lexend"/>
-              <a:buChar char="○"/>
-            </a:pPr>
-            <a:r>
-              <a:rPr lang="en" sz="1100">
-                <a:solidFill>
-                  <a:schemeClr val="dk1"/>
-                </a:solidFill>
-                <a:latin typeface="Lexend"/>
-                <a:ea typeface="Lexend"/>
-                <a:cs typeface="Lexend"/>
-                <a:sym typeface="Lexend"/>
-              </a:rPr>
-              <a:t>Location identifiers: </a:t>
-            </a:r>
-            <a:r>
-              <a:rPr lang="en" sz="1100">
-                <a:solidFill>
-                  <a:schemeClr val="dk1"/>
-                </a:solidFill>
-                <a:latin typeface="Lexend"/>
-                <a:ea typeface="Lexend"/>
-                <a:cs typeface="Lexend"/>
-                <a:sym typeface="Lexend"/>
-              </a:rPr>
-              <a:t>cityname, state.</a:t>
-            </a:r>
-            <a:endParaRPr sz="1100">
-              <a:solidFill>
-                <a:schemeClr val="dk1"/>
-              </a:solidFill>
-              <a:latin typeface="Lexend"/>
-              <a:ea typeface="Lexend"/>
-              <a:cs typeface="Lexend"/>
-              <a:sym typeface="Lexend"/>
-            </a:endParaRPr>
-          </a:p>
-          <a:p>
-            <a:pPr indent="0" lvl="0" marL="0" rtl="0" algn="l">
-              <a:lnSpc>
-                <a:spcPct val="115000"/>
-              </a:lnSpc>
-              <a:spcBef>
-                <a:spcPts val="1200"/>
-              </a:spcBef>
-              <a:spcAft>
-                <a:spcPts val="0"/>
-              </a:spcAft>
-              <a:buNone/>
-            </a:pPr>
-            <a:r>
-              <a:rPr b="1" lang="en" sz="1100">
-                <a:solidFill>
-                  <a:schemeClr val="dk1"/>
-                </a:solidFill>
-                <a:latin typeface="Lexend"/>
-                <a:ea typeface="Lexend"/>
-                <a:cs typeface="Lexend"/>
-                <a:sym typeface="Lexend"/>
-              </a:rPr>
-              <a:t>Sample Size</a:t>
-            </a:r>
-            <a:r>
-              <a:rPr lang="en" sz="1100">
-                <a:solidFill>
-                  <a:schemeClr val="dk1"/>
-                </a:solidFill>
-                <a:latin typeface="Lexend"/>
-                <a:ea typeface="Lexend"/>
-                <a:cs typeface="Lexend"/>
-                <a:sym typeface="Lexend"/>
-              </a:rPr>
-              <a:t>:</a:t>
-            </a:r>
-            <a:endParaRPr sz="1100">
-              <a:solidFill>
-                <a:schemeClr val="dk1"/>
-              </a:solidFill>
-              <a:latin typeface="Lexend"/>
-              <a:ea typeface="Lexend"/>
-              <a:cs typeface="Lexend"/>
-              <a:sym typeface="Lexend"/>
-            </a:endParaRPr>
-          </a:p>
-          <a:p>
-            <a:pPr indent="-298450" lvl="0" marL="457200" rtl="0" algn="l">
-              <a:lnSpc>
-                <a:spcPct val="115000"/>
-              </a:lnSpc>
-              <a:spcBef>
-                <a:spcPts val="0"/>
-              </a:spcBef>
-              <a:spcAft>
-                <a:spcPts val="0"/>
-              </a:spcAft>
-              <a:buClr>
-                <a:schemeClr val="dk1"/>
-              </a:buClr>
-              <a:buSzPts val="1100"/>
-              <a:buFont typeface="Lexend"/>
-              <a:buChar char="●"/>
-            </a:pPr>
-            <a:r>
-              <a:rPr lang="en" sz="1100">
-                <a:solidFill>
-                  <a:schemeClr val="dk1"/>
-                </a:solidFill>
-                <a:latin typeface="Lexend"/>
-                <a:ea typeface="Lexend"/>
-                <a:cs typeface="Lexend"/>
-                <a:sym typeface="Lexend"/>
-              </a:rPr>
-              <a:t>Total rows: 99004</a:t>
-            </a:r>
-            <a:endParaRPr sz="1100">
-              <a:solidFill>
-                <a:schemeClr val="dk1"/>
-              </a:solidFill>
-              <a:latin typeface="Lexend"/>
-              <a:ea typeface="Lexend"/>
-              <a:cs typeface="Lexend"/>
-              <a:sym typeface="Lexend"/>
-            </a:endParaRPr>
-          </a:p>
-          <a:p>
-            <a:pPr indent="0" lvl="0" marL="0" rtl="0" algn="l">
-              <a:lnSpc>
-                <a:spcPct val="115000"/>
-              </a:lnSpc>
-              <a:spcBef>
-                <a:spcPts val="1200"/>
-              </a:spcBef>
-              <a:spcAft>
-                <a:spcPts val="0"/>
-              </a:spcAft>
-              <a:buNone/>
-            </a:pPr>
-            <a:r>
-              <a:rPr b="1" lang="en" sz="1100">
-                <a:solidFill>
-                  <a:schemeClr val="dk1"/>
-                </a:solidFill>
-                <a:latin typeface="Lexend"/>
-                <a:ea typeface="Lexend"/>
-                <a:cs typeface="Lexend"/>
-                <a:sym typeface="Lexend"/>
-              </a:rPr>
-              <a:t>Preprocessing</a:t>
-            </a:r>
-            <a:r>
-              <a:rPr lang="en" sz="1100">
-                <a:solidFill>
-                  <a:schemeClr val="dk1"/>
-                </a:solidFill>
-                <a:latin typeface="Lexend"/>
-                <a:ea typeface="Lexend"/>
-                <a:cs typeface="Lexend"/>
-                <a:sym typeface="Lexend"/>
-              </a:rPr>
-              <a:t>:</a:t>
-            </a:r>
-            <a:endParaRPr sz="1100">
-              <a:solidFill>
-                <a:schemeClr val="dk1"/>
-              </a:solidFill>
-              <a:latin typeface="Lexend"/>
-              <a:ea typeface="Lexend"/>
-              <a:cs typeface="Lexend"/>
-              <a:sym typeface="Lexend"/>
-            </a:endParaRPr>
-          </a:p>
-          <a:p>
-            <a:pPr indent="-298450" lvl="0" marL="457200" rtl="0" algn="l">
-              <a:lnSpc>
-                <a:spcPct val="115000"/>
-              </a:lnSpc>
-              <a:spcBef>
-                <a:spcPts val="0"/>
-              </a:spcBef>
-              <a:spcAft>
-                <a:spcPts val="0"/>
-              </a:spcAft>
-              <a:buClr>
-                <a:schemeClr val="dk1"/>
-              </a:buClr>
-              <a:buSzPts val="1100"/>
-              <a:buFont typeface="Lexend"/>
-              <a:buChar char="●"/>
-            </a:pPr>
-            <a:r>
-              <a:rPr lang="en" sz="1100">
-                <a:solidFill>
-                  <a:schemeClr val="dk1"/>
-                </a:solidFill>
-                <a:latin typeface="Lexend"/>
-                <a:ea typeface="Lexend"/>
-                <a:cs typeface="Lexend"/>
-                <a:sym typeface="Lexend"/>
-              </a:rPr>
-              <a:t>Filtered by city and state.</a:t>
-            </a:r>
-            <a:endParaRPr sz="1100">
-              <a:solidFill>
-                <a:schemeClr val="dk1"/>
-              </a:solidFill>
-              <a:latin typeface="Lexend"/>
-              <a:ea typeface="Lexend"/>
-              <a:cs typeface="Lexend"/>
-              <a:sym typeface="Lexend"/>
-            </a:endParaRPr>
-          </a:p>
-          <a:p>
-            <a:pPr indent="-298450" lvl="0" marL="457200" rtl="0" algn="l">
-              <a:lnSpc>
-                <a:spcPct val="115000"/>
-              </a:lnSpc>
-              <a:spcBef>
-                <a:spcPts val="0"/>
-              </a:spcBef>
-              <a:spcAft>
-                <a:spcPts val="0"/>
-              </a:spcAft>
-              <a:buClr>
-                <a:schemeClr val="dk1"/>
-              </a:buClr>
-              <a:buSzPts val="1100"/>
-              <a:buFont typeface="Lexend"/>
-              <a:buChar char="●"/>
-            </a:pPr>
-            <a:r>
-              <a:rPr lang="en" sz="1100">
-                <a:solidFill>
-                  <a:schemeClr val="dk1"/>
-                </a:solidFill>
-                <a:latin typeface="Lexend"/>
-                <a:ea typeface="Lexend"/>
-                <a:cs typeface="Lexend"/>
-                <a:sym typeface="Lexend"/>
-              </a:rPr>
-              <a:t>Removed null and inconsistent values.</a:t>
-            </a:r>
-            <a:endParaRPr sz="1100">
-              <a:solidFill>
-                <a:schemeClr val="dk1"/>
-              </a:solidFill>
-              <a:latin typeface="Lexend"/>
-              <a:ea typeface="Lexend"/>
-              <a:cs typeface="Lexend"/>
-              <a:sym typeface="Lexend"/>
-            </a:endParaRPr>
-          </a:p>
-          <a:p>
-            <a:pPr indent="-298450" lvl="0" marL="457200" rtl="0" algn="l">
-              <a:lnSpc>
-                <a:spcPct val="115000"/>
-              </a:lnSpc>
-              <a:spcBef>
-                <a:spcPts val="0"/>
-              </a:spcBef>
-              <a:spcAft>
-                <a:spcPts val="0"/>
-              </a:spcAft>
-              <a:buClr>
-                <a:schemeClr val="dk1"/>
-              </a:buClr>
-              <a:buSzPts val="1100"/>
-              <a:buFont typeface="Lexend"/>
-              <a:buChar char="●"/>
-            </a:pPr>
-            <a:r>
-              <a:rPr lang="en" sz="1100">
-                <a:solidFill>
-                  <a:schemeClr val="dk1"/>
-                </a:solidFill>
-                <a:latin typeface="Lexend"/>
-                <a:ea typeface="Lexend"/>
-                <a:cs typeface="Lexend"/>
-                <a:sym typeface="Lexend"/>
-              </a:rPr>
-              <a:t>Performed linear regression for each feature against price.</a:t>
-            </a:r>
-            <a:endParaRPr sz="1100">
-              <a:solidFill>
-                <a:schemeClr val="dk1"/>
-              </a:solidFill>
-              <a:latin typeface="Lexend"/>
-              <a:ea typeface="Lexend"/>
-              <a:cs typeface="Lexend"/>
-              <a:sym typeface="Lexend"/>
-            </a:endParaRPr>
-          </a:p>
-          <a:p>
-            <a:pPr indent="-298450" lvl="0" marL="457200" rtl="0" algn="l">
-              <a:lnSpc>
-                <a:spcPct val="115000"/>
-              </a:lnSpc>
-              <a:spcBef>
-                <a:spcPts val="0"/>
-              </a:spcBef>
-              <a:spcAft>
-                <a:spcPts val="0"/>
-              </a:spcAft>
-              <a:buClr>
-                <a:schemeClr val="dk1"/>
-              </a:buClr>
-              <a:buSzPts val="1100"/>
-              <a:buChar char="●"/>
-            </a:pPr>
-            <a:r>
-              <a:rPr b="1" lang="en" sz="1100">
-                <a:solidFill>
-                  <a:schemeClr val="dk1"/>
-                </a:solidFill>
-                <a:latin typeface="Lexend"/>
-                <a:ea typeface="Lexend"/>
-                <a:cs typeface="Lexend"/>
-                <a:sym typeface="Lexend"/>
-              </a:rPr>
-              <a:t>Slope</a:t>
-            </a:r>
-            <a:r>
-              <a:rPr lang="en" sz="1100">
-                <a:solidFill>
-                  <a:schemeClr val="dk1"/>
-                </a:solidFill>
-                <a:latin typeface="Lexend"/>
-                <a:ea typeface="Lexend"/>
-                <a:cs typeface="Lexend"/>
-                <a:sym typeface="Lexend"/>
-              </a:rPr>
-              <a:t>: Measures rate of price change per unit of the feature.</a:t>
-            </a:r>
-            <a:endParaRPr sz="1100">
-              <a:solidFill>
-                <a:schemeClr val="dk1"/>
-              </a:solidFill>
-              <a:latin typeface="Lexend"/>
-              <a:ea typeface="Lexend"/>
-              <a:cs typeface="Lexend"/>
-              <a:sym typeface="Lexend"/>
-            </a:endParaRPr>
-          </a:p>
-          <a:p>
-            <a:pPr indent="-298450" lvl="0" marL="457200" rtl="0" algn="l">
-              <a:lnSpc>
-                <a:spcPct val="115000"/>
-              </a:lnSpc>
-              <a:spcBef>
-                <a:spcPts val="0"/>
-              </a:spcBef>
-              <a:spcAft>
-                <a:spcPts val="0"/>
-              </a:spcAft>
-              <a:buClr>
-                <a:schemeClr val="dk1"/>
-              </a:buClr>
-              <a:buSzPts val="1100"/>
-              <a:buChar char="●"/>
-            </a:pPr>
-            <a:r>
-              <a:rPr b="1" lang="en" sz="1100">
-                <a:solidFill>
-                  <a:schemeClr val="dk1"/>
-                </a:solidFill>
-                <a:latin typeface="Lexend"/>
-                <a:ea typeface="Lexend"/>
-                <a:cs typeface="Lexend"/>
-                <a:sym typeface="Lexend"/>
-              </a:rPr>
-              <a:t>R-value</a:t>
-            </a:r>
-            <a:r>
-              <a:rPr lang="en" sz="1100">
-                <a:solidFill>
-                  <a:schemeClr val="dk1"/>
-                </a:solidFill>
-                <a:latin typeface="Lexend"/>
-                <a:ea typeface="Lexend"/>
-                <a:cs typeface="Lexend"/>
-                <a:sym typeface="Lexend"/>
-              </a:rPr>
-              <a:t>: Correlation strength between the feature and price.</a:t>
-            </a:r>
-            <a:endParaRPr sz="1100">
-              <a:solidFill>
-                <a:schemeClr val="dk1"/>
-              </a:solidFill>
-              <a:latin typeface="Lexend"/>
-              <a:ea typeface="Lexend"/>
-              <a:cs typeface="Lexend"/>
-              <a:sym typeface="Lexend"/>
-            </a:endParaRPr>
-          </a:p>
-          <a:p>
-            <a:pPr indent="0" lvl="0" marL="457200" rtl="0" algn="l">
-              <a:lnSpc>
-                <a:spcPct val="115000"/>
-              </a:lnSpc>
-              <a:spcBef>
-                <a:spcPts val="1200"/>
-              </a:spcBef>
-              <a:spcAft>
-                <a:spcPts val="0"/>
-              </a:spcAft>
-              <a:buNone/>
-            </a:pPr>
-            <a:r>
-              <a:t/>
-            </a:r>
-            <a:endParaRPr b="1" sz="1100">
-              <a:solidFill>
-                <a:schemeClr val="dk1"/>
-              </a:solidFill>
-            </a:endParaRPr>
-          </a:p>
-          <a:p>
-            <a:pPr indent="0" lvl="0" marL="457200" rtl="0" algn="l">
-              <a:lnSpc>
-                <a:spcPct val="115000"/>
-              </a:lnSpc>
-              <a:spcBef>
-                <a:spcPts val="1200"/>
-              </a:spcBef>
-              <a:spcAft>
-                <a:spcPts val="0"/>
-              </a:spcAft>
-              <a:buNone/>
-            </a:pPr>
-            <a:r>
-              <a:t/>
-            </a:r>
-            <a:endParaRPr sz="1100">
-              <a:solidFill>
-                <a:schemeClr val="dk1"/>
-              </a:solidFill>
-            </a:endParaRPr>
-          </a:p>
-          <a:p>
-            <a:pPr indent="0" lvl="0" marL="0" rtl="0" algn="l">
-              <a:lnSpc>
-                <a:spcPct val="115000"/>
-              </a:lnSpc>
-              <a:spcBef>
-                <a:spcPts val="1200"/>
-              </a:spcBef>
-              <a:spcAft>
-                <a:spcPts val="0"/>
-              </a:spcAft>
-              <a:buNone/>
-            </a:pPr>
-            <a:r>
-              <a:t/>
-            </a:r>
-            <a:endParaRPr sz="1000">
-              <a:solidFill>
-                <a:schemeClr val="dk1"/>
-              </a:solidFill>
-              <a:highlight>
-                <a:srgbClr val="FFFFFF"/>
-              </a:highlight>
-            </a:endParaRPr>
-          </a:p>
-          <a:p>
-            <a:pPr indent="0" lvl="0" marL="0" rtl="0" algn="l">
-              <a:spcBef>
-                <a:spcPts val="1200"/>
-              </a:spcBef>
-              <a:spcAft>
-                <a:spcPts val="0"/>
-              </a:spcAft>
-              <a:buNone/>
-            </a:pPr>
-            <a:r>
-              <a:t/>
-            </a:r>
-            <a:endParaRPr sz="1800">
-              <a:solidFill>
-                <a:schemeClr val="dk2"/>
-              </a:solidFill>
-            </a:endParaRPr>
-          </a:p>
-        </p:txBody>
-      </p:sp>
-      <p:sp>
-        <p:nvSpPr>
-          <p:cNvPr id="164" name="Google Shape;164;p26"/>
-          <p:cNvSpPr txBox="1"/>
-          <p:nvPr/>
-        </p:nvSpPr>
-        <p:spPr>
-          <a:xfrm>
-            <a:off x="5295900" y="1162050"/>
-            <a:ext cx="3600600" cy="723900"/>
-          </a:xfrm>
-          <a:prstGeom prst="rect">
-            <a:avLst/>
-          </a:prstGeom>
-          <a:noFill/>
-          <a:ln>
-            <a:noFill/>
-          </a:ln>
-        </p:spPr>
-        <p:txBody>
-          <a:bodyPr anchorCtr="0" anchor="t" bIns="91425" lIns="91425" spcFirstLastPara="1" rIns="91425" wrap="square" tIns="91425">
-            <a:noAutofit/>
-          </a:bodyPr>
-          <a:lstStyle/>
-          <a:p>
-            <a:pPr indent="0" lvl="0" marL="0" rtl="0" algn="l">
-              <a:spcBef>
-                <a:spcPts val="0"/>
-              </a:spcBef>
-              <a:spcAft>
-                <a:spcPts val="0"/>
-              </a:spcAft>
-              <a:buNone/>
-            </a:pPr>
-            <a:r>
-              <a:rPr lang="en" sz="1800">
-                <a:solidFill>
-                  <a:schemeClr val="dk2"/>
-                </a:solidFill>
-              </a:rPr>
-              <a:t>r</a:t>
-            </a:r>
-            <a:r>
-              <a:rPr lang="en" sz="1600">
-                <a:solidFill>
-                  <a:schemeClr val="dk2"/>
-                </a:solidFill>
-                <a:latin typeface="Lexend"/>
-                <a:ea typeface="Lexend"/>
-                <a:cs typeface="Lexend"/>
-                <a:sym typeface="Lexend"/>
-              </a:rPr>
-              <a:t>egression_df.dropna().mean(numeric_only=True).sort_values(ascending=False)</a:t>
-            </a:r>
-            <a:endParaRPr sz="1500">
-              <a:solidFill>
-                <a:schemeClr val="dk2"/>
-              </a:solidFill>
-              <a:latin typeface="Lexend"/>
-              <a:ea typeface="Lexend"/>
-              <a:cs typeface="Lexend"/>
-              <a:sym typeface="Lexend"/>
+              <a:latin typeface="Lexend SemiBold"/>
+              <a:ea typeface="Lexend SemiBold"/>
+              <a:cs typeface="Lexend SemiBold"/>
+              <a:sym typeface="Lexend SemiBold"/>
             </a:endParaRPr>
           </a:p>
         </p:txBody>
@@ -9236,7 +8978,7 @@
   <p:cSld>
     <p:spTree>
       <p:nvGrpSpPr>
-        <p:cNvPr id="168" name="Shape 168"/>
+        <p:cNvPr id="164" name="Shape 164"/>
         <p:cNvGrpSpPr/>
         <p:nvPr/>
       </p:nvGrpSpPr>
@@ -9250,7 +8992,7 @@
       </p:grpSpPr>
       <p:pic>
         <p:nvPicPr>
-          <p:cNvPr id="169" name="Google Shape;169;p27"/>
+          <p:cNvPr id="165" name="Google Shape;165;p27"/>
           <p:cNvPicPr preferRelativeResize="0"/>
           <p:nvPr/>
         </p:nvPicPr>
@@ -9264,8 +9006,8 @@
         </p:blipFill>
         <p:spPr>
           <a:xfrm>
-            <a:off x="210175" y="1005275"/>
-            <a:ext cx="8723650" cy="3987300"/>
+            <a:off x="4740120" y="654609"/>
+            <a:ext cx="4121925" cy="4013450"/>
           </a:xfrm>
           <a:prstGeom prst="rect">
             <a:avLst/>
@@ -9278,7 +9020,7 @@
       </p:pic>
       <p:pic>
         <p:nvPicPr>
-          <p:cNvPr id="170" name="Google Shape;170;p27"/>
+          <p:cNvPr id="166" name="Google Shape;166;p27"/>
           <p:cNvPicPr preferRelativeResize="0"/>
           <p:nvPr/>
         </p:nvPicPr>
@@ -9292,8 +9034,8 @@
         </p:blipFill>
         <p:spPr>
           <a:xfrm>
-            <a:off x="4819650" y="2884825"/>
-            <a:ext cx="4012650" cy="2258675"/>
+            <a:off x="296425" y="736875"/>
+            <a:ext cx="4371625" cy="4085626"/>
           </a:xfrm>
           <a:prstGeom prst="rect">
             <a:avLst/>
@@ -9306,14 +9048,14 @@
       </p:pic>
       <p:sp>
         <p:nvSpPr>
-          <p:cNvPr id="171" name="Google Shape;171;p27"/>
+          <p:cNvPr id="167" name="Google Shape;167;p27"/>
           <p:cNvSpPr txBox="1"/>
           <p:nvPr/>
         </p:nvSpPr>
         <p:spPr>
           <a:xfrm>
             <a:off x="502200" y="128075"/>
-            <a:ext cx="8273400" cy="877200"/>
+            <a:ext cx="8273400" cy="492600"/>
           </a:xfrm>
           <a:prstGeom prst="rect">
             <a:avLst/>
@@ -9339,44 +9081,32 @@
               <a:buNone/>
             </a:pPr>
             <a:r>
-              <a:rPr lang="en" sz="2400">
-                <a:solidFill>
-                  <a:schemeClr val="dk2"/>
-                </a:solidFill>
-                <a:latin typeface="Lexend SemiBold"/>
-                <a:ea typeface="Lexend SemiBold"/>
-                <a:cs typeface="Lexend SemiBold"/>
-                <a:sym typeface="Lexend SemiBold"/>
-              </a:rPr>
-              <a:t>Q 3:</a:t>
-            </a:r>
-            <a:r>
-              <a:rPr lang="en" sz="2500">
-                <a:solidFill>
-                  <a:schemeClr val="dk2"/>
-                </a:solidFill>
-                <a:latin typeface="Lexend SemiBold"/>
-                <a:ea typeface="Lexend SemiBold"/>
-                <a:cs typeface="Lexend SemiBold"/>
-                <a:sym typeface="Lexend SemiBold"/>
-              </a:rPr>
-              <a:t> Bar / </a:t>
-            </a:r>
-            <a:r>
               <a:rPr b="1" lang="en" sz="2000">
                 <a:solidFill>
-                  <a:schemeClr val="dk2"/>
+                  <a:srgbClr val="FB8500"/>
                 </a:solidFill>
                 <a:latin typeface="Lexend"/>
                 <a:ea typeface="Lexend"/>
                 <a:cs typeface="Lexend"/>
                 <a:sym typeface="Lexend"/>
               </a:rPr>
-              <a:t>Scatter plots: Relationship between price and  "bathrooms", "bedrooms", "square_feet" </a:t>
-            </a:r>
-            <a:endParaRPr sz="2500">
+              <a:t>Comparing the apartment’s</a:t>
+            </a:r>
+            <a:r>
+              <a:rPr b="1" lang="en" sz="2000">
+                <a:solidFill>
+                  <a:srgbClr val="FB8500"/>
+                </a:solidFill>
+                <a:latin typeface="Lexend"/>
+                <a:ea typeface="Lexend"/>
+                <a:cs typeface="Lexend"/>
+                <a:sym typeface="Lexend"/>
+              </a:rPr>
+              <a:t> price and its facilities</a:t>
+            </a:r>
+            <a:endParaRPr sz="2000">
               <a:solidFill>
-                <a:schemeClr val="dk2"/>
+                <a:srgbClr val="FB8500"/>
               </a:solidFill>
               <a:latin typeface="Lexend SemiBold"/>
               <a:ea typeface="Lexend SemiBold"/>
@@ -9399,7 +9129,7 @@
   <p:cSld>
     <p:spTree>
       <p:nvGrpSpPr>
-        <p:cNvPr id="175" name="Shape 175"/>
+        <p:cNvPr id="171" name="Shape 171"/>
         <p:cNvGrpSpPr/>
         <p:nvPr/>
       </p:nvGrpSpPr>
@@ -9413,14 +9143,14 @@
       </p:grpSpPr>
       <p:sp>
         <p:nvSpPr>
-          <p:cNvPr id="176" name="Google Shape;176;p28"/>
+          <p:cNvPr id="172" name="Google Shape;172;p28"/>
           <p:cNvSpPr txBox="1"/>
           <p:nvPr/>
         </p:nvSpPr>
         <p:spPr>
           <a:xfrm>
             <a:off x="502200" y="128075"/>
-            <a:ext cx="8273400" cy="569400"/>
+            <a:ext cx="8273400" cy="461700"/>
           </a:xfrm>
           <a:prstGeom prst="rect">
             <a:avLst/>
@@ -9446,44 +9176,20 @@
               <a:buNone/>
             </a:pPr>
             <a:r>
-              <a:rPr lang="en" sz="2400">
-                <a:solidFill>
-                  <a:schemeClr val="dk2"/>
-                </a:solidFill>
-                <a:latin typeface="Lexend SemiBold"/>
-                <a:ea typeface="Lexend SemiBold"/>
-                <a:cs typeface="Lexend SemiBold"/>
-                <a:sym typeface="Lexend SemiBold"/>
+              <a:rPr b="1" lang="en" sz="1800">
+                <a:solidFill>
+                  <a:srgbClr val="FB8500"/>
+                </a:solidFill>
+                <a:latin typeface="Lexend"/>
+                <a:ea typeface="Lexend"/>
+                <a:cs typeface="Lexend"/>
+                <a:sym typeface="Lexend"/>
               </a:rPr>
-              <a:t>Q 3:</a:t>
-            </a:r>
-            <a:r>
-              <a:rPr lang="en" sz="2500">
-                <a:solidFill>
-                  <a:schemeClr val="dk2"/>
-                </a:solidFill>
-                <a:latin typeface="Lexend SemiBold"/>
-                <a:ea typeface="Lexend SemiBold"/>
-                <a:cs typeface="Lexend SemiBold"/>
-                <a:sym typeface="Lexend SemiBold"/>
-              </a:rPr>
-              <a:t> </a:t>
-            </a:r>
-            <a:r>
-              <a:rPr lang="en" sz="2500">
-                <a:solidFill>
-                  <a:schemeClr val="dk2"/>
-                </a:solidFill>
-                <a:latin typeface="Lexend SemiBold"/>
-                <a:ea typeface="Lexend SemiBold"/>
-                <a:cs typeface="Lexend SemiBold"/>
-                <a:sym typeface="Lexend SemiBold"/>
-              </a:rPr>
-              <a:t>Correlation heatmaps for overview</a:t>
-            </a:r>
-            <a:endParaRPr sz="2500">
+              <a:t>Relationship between bathrooms, bedrooms, square_feet and price</a:t>
+            </a:r>
+            <a:endParaRPr sz="1800">
               <a:solidFill>
-                <a:schemeClr val="dk2"/>
+                <a:srgbClr val="FB8500"/>
               </a:solidFill>
               <a:latin typeface="Lexend SemiBold"/>
               <a:ea typeface="Lexend SemiBold"/>
@@ -9495,7 +9201,7 @@
       </p:sp>
       <p:pic>
         <p:nvPicPr>
-          <p:cNvPr id="177" name="Google Shape;177;p28"/>
+          <p:cNvPr id="173" name="Google Shape;173;p28"/>
           <p:cNvPicPr preferRelativeResize="0"/>
           <p:nvPr/>
         </p:nvPicPr>
@@ -9509,8 +9215,8 @@
         </p:blipFill>
         <p:spPr>
           <a:xfrm>
-            <a:off x="624775" y="1033850"/>
-            <a:ext cx="4503553" cy="3833424"/>
+            <a:off x="744175" y="589775"/>
+            <a:ext cx="8031424" cy="4553725"/>
           </a:xfrm>
           <a:prstGeom prst="rect">
             <a:avLst/>
@@ -9523,14 +9229,14 @@
       </p:pic>
       <p:sp>
         <p:nvSpPr>
-          <p:cNvPr id="178" name="Google Shape;178;p28"/>
+          <p:cNvPr id="174" name="Google Shape;174;p28"/>
           <p:cNvSpPr txBox="1"/>
           <p:nvPr/>
         </p:nvSpPr>
         <p:spPr>
           <a:xfrm>
-            <a:off x="5667375" y="1000125"/>
-            <a:ext cx="3190800" cy="3629100"/>
+            <a:off x="5165100" y="2939150"/>
+            <a:ext cx="3610500" cy="1887000"/>
           </a:xfrm>
           <a:prstGeom prst="rect">
             <a:avLst/>
@@ -9542,11 +9248,11 @@
         </p:spPr>
         <p:txBody>
           <a:bodyPr anchorCtr="0" anchor="t" bIns="91425" lIns="91425" spcFirstLastPara="1" rIns="91425" wrap="square" tIns="91425">
-            <a:noAutofit/>
+            <a:spAutoFit/>
           </a:bodyPr>
           <a:lstStyle/>
           <a:p>
-            <a:pPr indent="0" lvl="0" marL="0" rtl="0" algn="l">
+            <a:pPr indent="-317500" lvl="0" marL="457200" rtl="0" algn="l">
               <a:lnSpc>
                 <a:spcPct val="115000"/>
               </a:lnSpc>
@@ -9557,39 +9263,38 @@
                 <a:spcPts val="0"/>
               </a:spcAft>
               <a:buClr>
-                <a:schemeClr val="dk1"/>
+                <a:schemeClr val="dk2"/>
               </a:buClr>
-              <a:buSzPts val="1100"/>
-              <a:buFont typeface="Arial"/>
-              <a:buNone/>
+              <a:buSzPts val="1400"/>
+              <a:buChar char="➢"/>
             </a:pPr>
             <a:r>
-              <a:rPr b="1" lang="en" sz="1200">
-                <a:solidFill>
-                  <a:schemeClr val="dk1"/>
+              <a:rPr b="1" lang="en">
+                <a:solidFill>
+                  <a:schemeClr val="dk2"/>
                 </a:solidFill>
                 <a:latin typeface="Lexend"/>
                 <a:ea typeface="Lexend"/>
                 <a:cs typeface="Lexend"/>
                 <a:sym typeface="Lexend"/>
               </a:rPr>
-              <a:t>Summary</a:t>
-            </a:r>
-            <a:r>
-              <a:rPr lang="en" sz="1200">
-                <a:solidFill>
-                  <a:schemeClr val="dk1"/>
+              <a:t>Square Feet</a:t>
+            </a:r>
+            <a:r>
+              <a:rPr lang="en">
+                <a:solidFill>
+                  <a:schemeClr val="dk2"/>
                 </a:solidFill>
                 <a:latin typeface="Lexend"/>
                 <a:ea typeface="Lexend"/>
                 <a:cs typeface="Lexend"/>
                 <a:sym typeface="Lexend"/>
               </a:rPr>
-              <a:t>:</a:t>
-            </a:r>
-            <a:endParaRPr sz="1200">
+              <a:t> is the most significant predictor of price.</a:t>
+            </a:r>
+            <a:endParaRPr>
               <a:solidFill>
-                <a:schemeClr val="dk1"/>
+                <a:schemeClr val="dk2"/>
               </a:solidFill>
               <a:latin typeface="Lexend"/>
               <a:ea typeface="Lexend"/>
@@ -9598,12 +9303,12 @@
             </a:endParaRPr>
           </a:p>
           <a:p>
-            <a:pPr indent="-304800" lvl="0" marL="457200" rtl="0" algn="l">
+            <a:pPr indent="-317500" lvl="0" marL="457200" rtl="0" algn="l">
               <a:lnSpc>
                 <a:spcPct val="115000"/>
               </a:lnSpc>
               <a:spcBef>
-                <a:spcPts val="1200"/>
+                <a:spcPts val="0"/>
               </a:spcBef>
               <a:spcAft>
                 <a:spcPts val="0"/>
@@ -9611,36 +9316,96 @@
               <a:buClr>
                 <a:schemeClr val="dk1"/>
               </a:buClr>
-              <a:buSzPts val="1200"/>
-              <a:buChar char="●"/>
+              <a:buSzPts val="1400"/>
+              <a:buChar char="➢"/>
             </a:pPr>
             <a:r>
-              <a:rPr b="1" lang="en" sz="1200">
-                <a:solidFill>
-                  <a:schemeClr val="dk1"/>
+              <a:rPr lang="en">
+                <a:solidFill>
+                  <a:schemeClr val="dk2"/>
                 </a:solidFill>
                 <a:latin typeface="Lexend"/>
                 <a:ea typeface="Lexend"/>
                 <a:cs typeface="Lexend"/>
                 <a:sym typeface="Lexend"/>
               </a:rPr>
-              <a:t>Square Feet</a:t>
-            </a:r>
-            <a:r>
-              <a:rPr lang="en" sz="1200">
-                <a:solidFill>
-                  <a:schemeClr val="dk1"/>
+              <a:t>Variability in </a:t>
+            </a:r>
+            <a:r>
+              <a:rPr lang="en">
+                <a:solidFill>
+                  <a:srgbClr val="FB8500"/>
                 </a:solidFill>
                 <a:latin typeface="Lexend"/>
                 <a:ea typeface="Lexend"/>
                 <a:cs typeface="Lexend"/>
                 <a:sym typeface="Lexend"/>
               </a:rPr>
-              <a:t> is the most significant predictor of price.</a:t>
-            </a:r>
-            <a:endParaRPr sz="1200">
+              <a:t>bathrooms</a:t>
+            </a:r>
+            <a:r>
+              <a:rPr lang="en">
+                <a:solidFill>
+                  <a:schemeClr val="dk1"/>
+                </a:solidFill>
+                <a:latin typeface="Lexend"/>
+                <a:ea typeface="Lexend"/>
+                <a:cs typeface="Lexend"/>
+                <a:sym typeface="Lexend"/>
+              </a:rPr>
+              <a:t> </a:t>
+            </a:r>
+            <a:r>
+              <a:rPr lang="en">
+                <a:solidFill>
+                  <a:schemeClr val="dk2"/>
+                </a:solidFill>
+                <a:latin typeface="Lexend"/>
+                <a:ea typeface="Lexend"/>
+                <a:cs typeface="Lexend"/>
+                <a:sym typeface="Lexend"/>
+              </a:rPr>
+              <a:t>and</a:t>
+            </a:r>
+            <a:r>
+              <a:rPr lang="en">
+                <a:solidFill>
+                  <a:schemeClr val="dk1"/>
+                </a:solidFill>
+                <a:latin typeface="Lexend"/>
+                <a:ea typeface="Lexend"/>
+                <a:cs typeface="Lexend"/>
+                <a:sym typeface="Lexend"/>
+              </a:rPr>
+              <a:t> </a:t>
+            </a:r>
+            <a:r>
+              <a:rPr lang="en">
+                <a:solidFill>
+                  <a:srgbClr val="FB8500"/>
+                </a:solidFill>
+                <a:latin typeface="Lexend"/>
+                <a:ea typeface="Lexend"/>
+                <a:cs typeface="Lexend"/>
+                <a:sym typeface="Lexend"/>
+              </a:rPr>
+              <a:t>bedrooms</a:t>
+            </a:r>
+            <a:r>
+              <a:rPr lang="en">
+                <a:solidFill>
+                  <a:schemeClr val="dk2"/>
+                </a:solidFill>
+                <a:latin typeface="Lexend"/>
+                <a:ea typeface="Lexend"/>
+                <a:cs typeface="Lexend"/>
+                <a:sym typeface="Lexend"/>
+              </a:rPr>
+              <a:t> impact across cities.</a:t>
+            </a:r>
+            <a:endParaRPr>
               <a:solidFill>
-                <a:schemeClr val="dk1"/>
+                <a:schemeClr val="dk2"/>
               </a:solidFill>
               <a:latin typeface="Lexend"/>
               <a:ea typeface="Lexend"/>
@@ -9649,7 +9414,7 @@
             </a:endParaRPr>
           </a:p>
           <a:p>
-            <a:pPr indent="-304800" lvl="0" marL="457200" rtl="0" algn="l">
+            <a:pPr indent="-317500" lvl="0" marL="457200" rtl="0" algn="l">
               <a:lnSpc>
                 <a:spcPct val="115000"/>
               </a:lnSpc>
@@ -9660,103 +9425,16 @@
                 <a:spcPts val="0"/>
               </a:spcAft>
               <a:buClr>
-                <a:schemeClr val="dk1"/>
+                <a:schemeClr val="dk2"/>
               </a:buClr>
-              <a:buSzPts val="1200"/>
-              <a:buChar char="●"/>
+              <a:buSzPts val="1400"/>
+              <a:buFont typeface="Lexend"/>
+              <a:buChar char="➢"/>
             </a:pPr>
             <a:r>
-              <a:rPr lang="en" sz="1200">
-                <a:solidFill>
-                  <a:schemeClr val="dk1"/>
-                </a:solidFill>
-                <a:latin typeface="Lexend"/>
-                <a:ea typeface="Lexend"/>
-                <a:cs typeface="Lexend"/>
-                <a:sym typeface="Lexend"/>
-              </a:rPr>
-              <a:t>Variability in </a:t>
-            </a:r>
-            <a:r>
-              <a:rPr lang="en" sz="1200">
-                <a:solidFill>
-                  <a:srgbClr val="188038"/>
-                </a:solidFill>
-                <a:latin typeface="Lexend"/>
-                <a:ea typeface="Lexend"/>
-                <a:cs typeface="Lexend"/>
-                <a:sym typeface="Lexend"/>
-              </a:rPr>
-              <a:t>bathrooms</a:t>
-            </a:r>
-            <a:r>
-              <a:rPr lang="en" sz="1200">
-                <a:solidFill>
-                  <a:schemeClr val="dk1"/>
-                </a:solidFill>
-                <a:latin typeface="Lexend"/>
-                <a:ea typeface="Lexend"/>
-                <a:cs typeface="Lexend"/>
-                <a:sym typeface="Lexend"/>
-              </a:rPr>
-              <a:t> and </a:t>
-            </a:r>
-            <a:r>
-              <a:rPr lang="en" sz="1200">
-                <a:solidFill>
-                  <a:srgbClr val="188038"/>
-                </a:solidFill>
-                <a:latin typeface="Lexend"/>
-                <a:ea typeface="Lexend"/>
-                <a:cs typeface="Lexend"/>
-                <a:sym typeface="Lexend"/>
-              </a:rPr>
-              <a:t>bedrooms</a:t>
-            </a:r>
-            <a:r>
-              <a:rPr lang="en" sz="1200">
-                <a:solidFill>
-                  <a:schemeClr val="dk1"/>
-                </a:solidFill>
-                <a:latin typeface="Lexend"/>
-                <a:ea typeface="Lexend"/>
-                <a:cs typeface="Lexend"/>
-                <a:sym typeface="Lexend"/>
-              </a:rPr>
-              <a:t> impact across cities.</a:t>
-            </a:r>
-            <a:endParaRPr sz="1200">
-              <a:solidFill>
-                <a:schemeClr val="dk1"/>
-              </a:solidFill>
-              <a:latin typeface="Lexend"/>
-              <a:ea typeface="Lexend"/>
-              <a:cs typeface="Lexend"/>
-              <a:sym typeface="Lexend"/>
-            </a:endParaRPr>
-          </a:p>
-          <a:p>
-            <a:pPr indent="-304800" lvl="0" marL="457200" rtl="0" algn="l">
-              <a:lnSpc>
-                <a:spcPct val="115000"/>
-              </a:lnSpc>
-              <a:spcBef>
-                <a:spcPts val="0"/>
-              </a:spcBef>
-              <a:spcAft>
-                <a:spcPts val="0"/>
-              </a:spcAft>
-              <a:buClr>
-                <a:schemeClr val="dk1"/>
-              </a:buClr>
-              <a:buSzPts val="1200"/>
-              <a:buFont typeface="Lexend"/>
-              <a:buChar char="●"/>
-            </a:pPr>
-            <a:r>
-              <a:rPr lang="en" sz="1200">
-                <a:solidFill>
-                  <a:schemeClr val="dk1"/>
+              <a:rPr lang="en">
+                <a:solidFill>
+                  <a:schemeClr val="dk2"/>
                 </a:solidFill>
                 <a:latin typeface="Lexend"/>
                 <a:ea typeface="Lexend"/>
@@ -9765,182 +9443,7 @@
               </a:rPr>
               <a:t>Strong correlations highlight critical factors for pricing strategies.</a:t>
             </a:r>
-            <a:endParaRPr sz="1200">
-              <a:solidFill>
-                <a:schemeClr val="dk1"/>
-              </a:solidFill>
-              <a:latin typeface="Lexend"/>
-              <a:ea typeface="Lexend"/>
-              <a:cs typeface="Lexend"/>
-              <a:sym typeface="Lexend"/>
-            </a:endParaRPr>
-          </a:p>
-          <a:p>
-            <a:pPr indent="0" lvl="0" marL="0" rtl="0" algn="l">
-              <a:lnSpc>
-                <a:spcPct val="115000"/>
-              </a:lnSpc>
-              <a:spcBef>
-                <a:spcPts val="1200"/>
-              </a:spcBef>
-              <a:spcAft>
-                <a:spcPts val="0"/>
-              </a:spcAft>
-              <a:buClr>
-                <a:schemeClr val="dk1"/>
-              </a:buClr>
-              <a:buSzPts val="1100"/>
-              <a:buFont typeface="Arial"/>
-              <a:buNone/>
-            </a:pPr>
-            <a:r>
-              <a:rPr b="1" lang="en" sz="1200">
-                <a:solidFill>
-                  <a:schemeClr val="dk1"/>
-                </a:solidFill>
-                <a:latin typeface="Lexend"/>
-                <a:ea typeface="Lexend"/>
-                <a:cs typeface="Lexend"/>
-                <a:sym typeface="Lexend"/>
-              </a:rPr>
-              <a:t>Key Takeaways </a:t>
-            </a:r>
-            <a:r>
-              <a:rPr lang="en" sz="1200">
-                <a:solidFill>
-                  <a:schemeClr val="dk1"/>
-                </a:solidFill>
-                <a:latin typeface="Lexend"/>
-                <a:ea typeface="Lexend"/>
-                <a:cs typeface="Lexend"/>
-                <a:sym typeface="Lexend"/>
-              </a:rPr>
-              <a:t>:</a:t>
-            </a:r>
-            <a:endParaRPr sz="1200">
-              <a:solidFill>
-                <a:schemeClr val="dk1"/>
-              </a:solidFill>
-              <a:latin typeface="Lexend"/>
-              <a:ea typeface="Lexend"/>
-              <a:cs typeface="Lexend"/>
-              <a:sym typeface="Lexend"/>
-            </a:endParaRPr>
-          </a:p>
-          <a:p>
-            <a:pPr indent="-304800" lvl="0" marL="457200" rtl="0" algn="l">
-              <a:lnSpc>
-                <a:spcPct val="115000"/>
-              </a:lnSpc>
-              <a:spcBef>
-                <a:spcPts val="1200"/>
-              </a:spcBef>
-              <a:spcAft>
-                <a:spcPts val="0"/>
-              </a:spcAft>
-              <a:buClr>
-                <a:schemeClr val="dk1"/>
-              </a:buClr>
-              <a:buSzPts val="1200"/>
-              <a:buFont typeface="Lexend"/>
-              <a:buChar char="●"/>
-            </a:pPr>
-            <a:r>
-              <a:rPr lang="en" sz="1350">
-                <a:solidFill>
-                  <a:srgbClr val="2F2F2F"/>
-                </a:solidFill>
-                <a:highlight>
-                  <a:srgbClr val="FFFFFF"/>
-                </a:highlight>
-              </a:rPr>
-              <a:t>For potential investors: Building more </a:t>
-            </a:r>
-            <a:r>
-              <a:rPr lang="en" sz="1200">
-                <a:solidFill>
-                  <a:srgbClr val="188038"/>
-                </a:solidFill>
-                <a:latin typeface="Lexend"/>
-                <a:ea typeface="Lexend"/>
-                <a:cs typeface="Lexend"/>
-                <a:sym typeface="Lexend"/>
-              </a:rPr>
-              <a:t>bathrooms</a:t>
-            </a:r>
-            <a:r>
-              <a:rPr lang="en" sz="1200">
-                <a:solidFill>
-                  <a:schemeClr val="dk1"/>
-                </a:solidFill>
-                <a:latin typeface="Lexend"/>
-                <a:ea typeface="Lexend"/>
-                <a:cs typeface="Lexend"/>
-                <a:sym typeface="Lexend"/>
-              </a:rPr>
-              <a:t> </a:t>
-            </a:r>
-            <a:r>
-              <a:rPr lang="en" sz="1350">
-                <a:solidFill>
-                  <a:srgbClr val="2F2F2F"/>
-                </a:solidFill>
-                <a:highlight>
-                  <a:srgbClr val="FFFFFF"/>
-                </a:highlight>
-              </a:rPr>
-              <a:t>is more benefit than more </a:t>
-            </a:r>
-            <a:r>
-              <a:rPr lang="en" sz="1200">
-                <a:solidFill>
-                  <a:srgbClr val="188038"/>
-                </a:solidFill>
-                <a:latin typeface="Lexend"/>
-                <a:ea typeface="Lexend"/>
-                <a:cs typeface="Lexend"/>
-                <a:sym typeface="Lexend"/>
-              </a:rPr>
-              <a:t>bedrooms</a:t>
-            </a:r>
-            <a:r>
-              <a:rPr lang="en" sz="1350">
-                <a:solidFill>
-                  <a:srgbClr val="2F2F2F"/>
-                </a:solidFill>
-                <a:highlight>
-                  <a:srgbClr val="FFFFFF"/>
-                </a:highlight>
-              </a:rPr>
-              <a:t>.</a:t>
-            </a:r>
-            <a:endParaRPr sz="1350">
-              <a:solidFill>
-                <a:srgbClr val="2F2F2F"/>
-              </a:solidFill>
-              <a:highlight>
-                <a:srgbClr val="FFFFFF"/>
-              </a:highlight>
-            </a:endParaRPr>
-          </a:p>
-          <a:p>
-            <a:pPr indent="0" lvl="0" marL="0" rtl="0" algn="l">
-              <a:spcBef>
-                <a:spcPts val="1200"/>
-              </a:spcBef>
-              <a:spcAft>
-                <a:spcPts val="0"/>
-              </a:spcAft>
-              <a:buNone/>
-            </a:pPr>
-            <a:r>
-              <a:t/>
-            </a:r>
-            <a:endParaRPr sz="1800">
-              <a:solidFill>
-                <a:schemeClr val="dk2"/>
-              </a:solidFill>
-            </a:endParaRPr>
+            <a:endParaRPr sz="1600"/>
           </a:p>
         </p:txBody>
       </p:sp>
@@ -9957,7 +9460,7 @@
   <p:cSld>
     <p:spTree>
       <p:nvGrpSpPr>
-        <p:cNvPr id="182" name="Shape 182"/>
+        <p:cNvPr id="178" name="Shape 178"/>
         <p:cNvGrpSpPr/>
         <p:nvPr/>
       </p:nvGrpSpPr>
@@ -9971,7 +9474,7 @@
       </p:grpSpPr>
       <p:sp>
         <p:nvSpPr>
-          <p:cNvPr id="183" name="Google Shape;183;p29"/>
+          <p:cNvPr id="179" name="Google Shape;179;p29"/>
           <p:cNvSpPr txBox="1"/>
           <p:nvPr>
             <p:ph type="title"/>
@@ -9979,8 +9482,343 @@
         </p:nvSpPr>
         <p:spPr>
           <a:xfrm>
-            <a:off x="311700" y="74325"/>
-            <a:ext cx="8520600" cy="943800"/>
+            <a:off x="311700" y="168350"/>
+            <a:ext cx="8520600" cy="849600"/>
+          </a:xfrm>
+          <a:prstGeom prst="rect">
+            <a:avLst/>
+          </a:prstGeom>
+        </p:spPr>
+        <p:txBody>
+          <a:bodyPr anchorCtr="0" anchor="t" bIns="91425" lIns="91425" spcFirstLastPara="1" rIns="91425" wrap="square" tIns="91425">
+            <a:normAutofit fontScale="90000"/>
+          </a:bodyPr>
+          <a:lstStyle/>
+          <a:p>
+            <a:pPr indent="0" lvl="0" marL="0" rtl="0" algn="ctr">
+              <a:spcBef>
+                <a:spcPts val="0"/>
+              </a:spcBef>
+              <a:spcAft>
+                <a:spcPts val="0"/>
+              </a:spcAft>
+              <a:buClr>
+                <a:schemeClr val="dk1"/>
+              </a:buClr>
+              <a:buSzPct val="27348"/>
+              <a:buFont typeface="Arial"/>
+              <a:buNone/>
+            </a:pPr>
+            <a:r>
+              <a:rPr lang="en" sz="4022">
+                <a:solidFill>
+                  <a:srgbClr val="FB8500"/>
+                </a:solidFill>
+                <a:latin typeface="Lexend SemiBold"/>
+                <a:ea typeface="Lexend SemiBold"/>
+                <a:cs typeface="Lexend SemiBold"/>
+                <a:sym typeface="Lexend SemiBold"/>
+              </a:rPr>
+              <a:t>Biases &amp; Limitations</a:t>
+            </a:r>
+            <a:endParaRPr b="1" sz="4133">
+              <a:solidFill>
+                <a:srgbClr val="FB8500"/>
+              </a:solidFill>
+              <a:latin typeface="Lexend"/>
+              <a:ea typeface="Lexend"/>
+              <a:cs typeface="Lexend"/>
+              <a:sym typeface="Lexend"/>
+            </a:endParaRPr>
+          </a:p>
+          <a:p>
+            <a:pPr indent="0" lvl="0" marL="0" rtl="0" algn="l">
+              <a:spcBef>
+                <a:spcPts val="0"/>
+              </a:spcBef>
+              <a:spcAft>
+                <a:spcPts val="0"/>
+              </a:spcAft>
+              <a:buNone/>
+            </a:pPr>
+            <a:r>
+              <a:t/>
+            </a:r>
+            <a:endParaRPr/>
+          </a:p>
+        </p:txBody>
+      </p:sp>
+      <p:sp>
+        <p:nvSpPr>
+          <p:cNvPr id="180" name="Google Shape;180;p29"/>
+          <p:cNvSpPr txBox="1"/>
+          <p:nvPr>
+            <p:ph idx="1" type="body"/>
+          </p:nvPr>
+        </p:nvSpPr>
+        <p:spPr>
+          <a:xfrm>
+            <a:off x="311700" y="1152475"/>
+            <a:ext cx="4260300" cy="3416400"/>
+          </a:xfrm>
+          <a:prstGeom prst="rect">
+            <a:avLst/>
+          </a:prstGeom>
+        </p:spPr>
+        <p:txBody>
+          <a:bodyPr anchorCtr="0" anchor="t" bIns="91425" lIns="91425" spcFirstLastPara="1" rIns="91425" wrap="square" tIns="91425">
+            <a:noAutofit/>
+          </a:bodyPr>
+          <a:lstStyle/>
+          <a:p>
+            <a:pPr indent="0" lvl="0" marL="0" rtl="0" algn="l">
+              <a:lnSpc>
+                <a:spcPct val="105000"/>
+              </a:lnSpc>
+              <a:spcBef>
+                <a:spcPts val="0"/>
+              </a:spcBef>
+              <a:spcAft>
+                <a:spcPts val="0"/>
+              </a:spcAft>
+              <a:buNone/>
+            </a:pPr>
+            <a:r>
+              <a:rPr b="1" lang="en" sz="2000" u="sng"/>
+              <a:t>Limitations</a:t>
+            </a:r>
+            <a:r>
+              <a:rPr lang="en" sz="2000"/>
+              <a:t>:</a:t>
+            </a:r>
+            <a:endParaRPr sz="2000"/>
+          </a:p>
+          <a:p>
+            <a:pPr indent="-355600" lvl="0" marL="457200" rtl="0" algn="l">
+              <a:lnSpc>
+                <a:spcPct val="100000"/>
+              </a:lnSpc>
+              <a:spcBef>
+                <a:spcPts val="1200"/>
+              </a:spcBef>
+              <a:spcAft>
+                <a:spcPts val="0"/>
+              </a:spcAft>
+              <a:buSzPts val="2000"/>
+              <a:buChar char="★"/>
+            </a:pPr>
+            <a:r>
+              <a:rPr lang="en" sz="2000"/>
+              <a:t>Timeline:</a:t>
+            </a:r>
+            <a:endParaRPr sz="2000"/>
+          </a:p>
+          <a:p>
+            <a:pPr indent="-292100" lvl="1" marL="800100" rtl="0" algn="l">
+              <a:lnSpc>
+                <a:spcPct val="100000"/>
+              </a:lnSpc>
+              <a:spcBef>
+                <a:spcPts val="0"/>
+              </a:spcBef>
+              <a:spcAft>
+                <a:spcPts val="0"/>
+              </a:spcAft>
+              <a:buSzPts val="1900"/>
+              <a:buChar char="○"/>
+            </a:pPr>
+            <a:r>
+              <a:rPr lang="en" sz="1900"/>
+              <a:t>Old data since 2019</a:t>
+            </a:r>
+            <a:endParaRPr sz="1900"/>
+          </a:p>
+          <a:p>
+            <a:pPr indent="-292100" lvl="1" marL="800100" rtl="0" algn="l">
+              <a:lnSpc>
+                <a:spcPct val="100000"/>
+              </a:lnSpc>
+              <a:spcBef>
+                <a:spcPts val="0"/>
+              </a:spcBef>
+              <a:spcAft>
+                <a:spcPts val="0"/>
+              </a:spcAft>
+              <a:buSzPts val="1900"/>
+              <a:buChar char="○"/>
+            </a:pPr>
+            <a:r>
+              <a:rPr lang="en" sz="1900"/>
+              <a:t>Unequal rows of each season</a:t>
+            </a:r>
+            <a:endParaRPr sz="1900"/>
+          </a:p>
+          <a:p>
+            <a:pPr indent="-355600" lvl="0" marL="457200" rtl="0" algn="l">
+              <a:lnSpc>
+                <a:spcPct val="150000"/>
+              </a:lnSpc>
+              <a:spcBef>
+                <a:spcPts val="0"/>
+              </a:spcBef>
+              <a:spcAft>
+                <a:spcPts val="0"/>
+              </a:spcAft>
+              <a:buSzPts val="2000"/>
+              <a:buChar char="★"/>
+            </a:pPr>
+            <a:r>
+              <a:rPr lang="en" sz="2000"/>
+              <a:t>Missing data / - Outliers</a:t>
+            </a:r>
+            <a:endParaRPr sz="2000"/>
+          </a:p>
+          <a:p>
+            <a:pPr indent="-355600" lvl="0" marL="457200" rtl="0" algn="l">
+              <a:lnSpc>
+                <a:spcPct val="150000"/>
+              </a:lnSpc>
+              <a:spcBef>
+                <a:spcPts val="0"/>
+              </a:spcBef>
+              <a:spcAft>
+                <a:spcPts val="0"/>
+              </a:spcAft>
+              <a:buSzPts val="2000"/>
+              <a:buChar char="★"/>
+            </a:pPr>
+            <a:r>
+              <a:rPr lang="en" sz="2000"/>
+              <a:t>Simplistic Linear Relationships</a:t>
+            </a:r>
+            <a:endParaRPr sz="2000"/>
+          </a:p>
+          <a:p>
+            <a:pPr indent="-355600" lvl="0" marL="457200" rtl="0" algn="l">
+              <a:lnSpc>
+                <a:spcPct val="150000"/>
+              </a:lnSpc>
+              <a:spcBef>
+                <a:spcPts val="0"/>
+              </a:spcBef>
+              <a:spcAft>
+                <a:spcPts val="0"/>
+              </a:spcAft>
+              <a:buSzPts val="2000"/>
+              <a:buChar char="★"/>
+            </a:pPr>
+            <a:r>
+              <a:rPr lang="en" sz="2000"/>
+              <a:t>Geographical Context</a:t>
+            </a:r>
+            <a:endParaRPr sz="2000"/>
+          </a:p>
+          <a:p>
+            <a:pPr indent="-355600" lvl="0" marL="457200" rtl="0" algn="l">
+              <a:lnSpc>
+                <a:spcPct val="150000"/>
+              </a:lnSpc>
+              <a:spcBef>
+                <a:spcPts val="0"/>
+              </a:spcBef>
+              <a:spcAft>
+                <a:spcPts val="0"/>
+              </a:spcAft>
+              <a:buSzPts val="2000"/>
+              <a:buChar char="★"/>
+            </a:pPr>
+            <a:r>
+              <a:rPr lang="en" sz="2000"/>
+              <a:t>Trends / conditions</a:t>
+            </a:r>
+            <a:endParaRPr sz="2000"/>
+          </a:p>
+          <a:p>
+            <a:pPr indent="0" lvl="0" marL="457200" rtl="0" algn="l">
+              <a:lnSpc>
+                <a:spcPct val="150000"/>
+              </a:lnSpc>
+              <a:spcBef>
+                <a:spcPts val="1200"/>
+              </a:spcBef>
+              <a:spcAft>
+                <a:spcPts val="0"/>
+              </a:spcAft>
+              <a:buNone/>
+            </a:pPr>
+            <a:r>
+              <a:t/>
+            </a:r>
+            <a:endParaRPr sz="2000"/>
+          </a:p>
+          <a:p>
+            <a:pPr indent="0" lvl="0" marL="0" rtl="0" algn="l">
+              <a:lnSpc>
+                <a:spcPct val="105000"/>
+              </a:lnSpc>
+              <a:spcBef>
+                <a:spcPts val="1200"/>
+              </a:spcBef>
+              <a:spcAft>
+                <a:spcPts val="0"/>
+              </a:spcAft>
+              <a:buNone/>
+            </a:pPr>
+            <a:r>
+              <a:t/>
+            </a:r>
+            <a:endParaRPr sz="2000"/>
+          </a:p>
+          <a:p>
+            <a:pPr indent="0" lvl="0" marL="0" rtl="0" algn="l">
+              <a:lnSpc>
+                <a:spcPct val="105000"/>
+              </a:lnSpc>
+              <a:spcBef>
+                <a:spcPts val="1200"/>
+              </a:spcBef>
+              <a:spcAft>
+                <a:spcPts val="0"/>
+              </a:spcAft>
+              <a:buNone/>
+            </a:pPr>
+            <a:r>
+              <a:t/>
+            </a:r>
+            <a:endParaRPr sz="2000"/>
+          </a:p>
+          <a:p>
+            <a:pPr indent="0" lvl="0" marL="0" rtl="0" algn="l">
+              <a:lnSpc>
+                <a:spcPct val="105000"/>
+              </a:lnSpc>
+              <a:spcBef>
+                <a:spcPts val="1200"/>
+              </a:spcBef>
+              <a:spcAft>
+                <a:spcPts val="1200"/>
+              </a:spcAft>
+              <a:buNone/>
+            </a:pPr>
+            <a:r>
+              <a:t/>
+            </a:r>
+            <a:endParaRPr sz="2000"/>
+          </a:p>
+        </p:txBody>
+      </p:sp>
+      <p:sp>
+        <p:nvSpPr>
+          <p:cNvPr id="181" name="Google Shape;181;p29"/>
+          <p:cNvSpPr txBox="1"/>
+          <p:nvPr>
+            <p:ph idx="2" type="body"/>
+          </p:nvPr>
+        </p:nvSpPr>
+        <p:spPr>
+          <a:xfrm>
+            <a:off x="4832400" y="1152475"/>
+            <a:ext cx="3999900" cy="3416400"/>
           </a:xfrm>
           <a:prstGeom prst="rect">
             <a:avLst/>
@@ -10002,79 +9840,297 @@
               <a:buNone/>
             </a:pPr>
             <a:r>
-              <a:rPr lang="en"/>
-              <a:t>Regressions </a:t>
-            </a:r>
-            <a:r>
-              <a:rPr lang="en" sz="1800">
-                <a:solidFill>
-                  <a:schemeClr val="dk2"/>
-                </a:solidFill>
-              </a:rPr>
-              <a:t>(what variables have most noticeable regressions?) (what kind of regressions appear in our data?)</a:t>
-            </a:r>
-            <a:endParaRPr/>
+              <a:rPr b="1" lang="en" sz="2000" u="sng"/>
+              <a:t>Biases</a:t>
+            </a:r>
+            <a:r>
+              <a:rPr lang="en" sz="2000"/>
+              <a:t>:</a:t>
+            </a:r>
+            <a:endParaRPr sz="2000"/>
+          </a:p>
+          <a:p>
+            <a:pPr indent="-355600" lvl="0" marL="457200" rtl="0" algn="l">
+              <a:spcBef>
+                <a:spcPts val="1200"/>
+              </a:spcBef>
+              <a:spcAft>
+                <a:spcPts val="0"/>
+              </a:spcAft>
+              <a:buSzPts val="2000"/>
+              <a:buChar char="★"/>
+            </a:pPr>
+            <a:r>
+              <a:rPr lang="en" sz="2000"/>
+              <a:t>Selection from specific regions, price ranges</a:t>
+            </a:r>
+            <a:endParaRPr sz="2000"/>
+          </a:p>
+          <a:p>
+            <a:pPr indent="-355600" lvl="0" marL="457200" rtl="0" algn="l">
+              <a:spcBef>
+                <a:spcPts val="1000"/>
+              </a:spcBef>
+              <a:spcAft>
+                <a:spcPts val="0"/>
+              </a:spcAft>
+              <a:buSzPts val="2000"/>
+              <a:buChar char="★"/>
+            </a:pPr>
+            <a:r>
+              <a:rPr lang="en" sz="2000"/>
+              <a:t>Few features  focus</a:t>
+            </a:r>
+            <a:endParaRPr sz="2000"/>
+          </a:p>
+          <a:p>
+            <a:pPr indent="-355600" lvl="0" marL="457200" rtl="0" algn="l">
+              <a:spcBef>
+                <a:spcPts val="1000"/>
+              </a:spcBef>
+              <a:spcAft>
+                <a:spcPts val="0"/>
+              </a:spcAft>
+              <a:buSzPts val="2000"/>
+              <a:buChar char="★"/>
+            </a:pPr>
+            <a:r>
+              <a:rPr lang="en" sz="2000"/>
+              <a:t>High correlation </a:t>
+            </a:r>
+            <a:r>
+              <a:rPr lang="en" sz="2000"/>
+              <a:t>doesn't</a:t>
+            </a:r>
+            <a:r>
+              <a:rPr lang="en" sz="2000"/>
+              <a:t> imply </a:t>
+            </a:r>
+            <a:r>
+              <a:rPr lang="en" sz="2000"/>
+              <a:t>causation.</a:t>
+            </a:r>
+            <a:endParaRPr sz="2000"/>
+          </a:p>
+          <a:p>
+            <a:pPr indent="-355600" lvl="0" marL="457200" rtl="0" algn="l">
+              <a:spcBef>
+                <a:spcPts val="1000"/>
+              </a:spcBef>
+              <a:spcAft>
+                <a:spcPts val="200"/>
+              </a:spcAft>
+              <a:buSzPts val="2000"/>
+              <a:buChar char="★"/>
+            </a:pPr>
+            <a:r>
+              <a:rPr lang="en" sz="2000"/>
+              <a:t>Regional economic bias.</a:t>
+            </a:r>
+            <a:endParaRPr sz="2000"/>
           </a:p>
         </p:txBody>
       </p:sp>
+    </p:spTree>
+  </p:cSld>
+  <p:clrMapOvr>
+    <a:masterClrMapping/>
+  </p:clrMapOvr>
+  <p:timing>
+    <p:tnLst>
+      <p:par>
+        <p:cTn dur="indefinite" nodeType="tmRoot" restart="never">
+          <p:childTnLst>
+            <p:seq concurrent="1" nextAc="seek">
+              <p:cTn dur="indefinite" id="2" nodeType="mainSeq">
+                <p:childTnLst>
+                  <p:par>
+                    <p:cTn fill="hold">
+                      <p:stCondLst>
+                        <p:cond delay="indefinite"/>
+                      </p:stCondLst>
+                      <p:childTnLst>
+                        <p:par>
+                          <p:cTn fill="hold">
+                            <p:stCondLst>
+                              <p:cond delay="0"/>
+                            </p:stCondLst>
+                            <p:childTnLst>
+                              <p:par>
+                                <p:cTn fill="hold" nodeType="clickEffect" presetClass="entr" presetID="1" presetSubtype="0">
+                                  <p:stCondLst>
+                                    <p:cond delay="0"/>
+                                  </p:stCondLst>
+                                  <p:childTnLst>
+                                    <p:set>
+                                      <p:cBhvr>
+                                        <p:cTn dur="1" fill="hold">
+                                          <p:stCondLst>
+                                            <p:cond delay="0"/>
+                                          </p:stCondLst>
+                                        </p:cTn>
+                                        <p:tgtEl>
+                                          <p:spTgt spid="180"/>
+                                        </p:tgtEl>
+                                        <p:attrNameLst>
+                                          <p:attrName>style.visibility</p:attrName>
+                                        </p:attrNameLst>
+                                      </p:cBhvr>
+                                      <p:to>
+                                        <p:strVal val="visible"/>
+                                      </p:to>
+                                    </p:set>
+                                  </p:childTnLst>
+                                </p:cTn>
+                              </p:par>
+                            </p:childTnLst>
+                          </p:cTn>
+                        </p:par>
+                      </p:childTnLst>
+                    </p:cTn>
+                  </p:par>
+                  <p:par>
+                    <p:cTn fill="hold">
+                      <p:stCondLst>
+                        <p:cond delay="indefinite"/>
+                      </p:stCondLst>
+                      <p:childTnLst>
+                        <p:par>
+                          <p:cTn fill="hold">
+                            <p:stCondLst>
+                              <p:cond delay="0"/>
+                            </p:stCondLst>
+                            <p:childTnLst>
+                              <p:par>
+                                <p:cTn fill="hold" nodeType="clickEffect" presetClass="entr" presetID="1" presetSubtype="0">
+                                  <p:stCondLst>
+                                    <p:cond delay="0"/>
+                                  </p:stCondLst>
+                                  <p:childTnLst>
+                                    <p:set>
+                                      <p:cBhvr>
+                                        <p:cTn dur="1" fill="hold">
+                                          <p:stCondLst>
+                                            <p:cond delay="0"/>
+                                          </p:stCondLst>
+                                        </p:cTn>
+                                        <p:tgtEl>
+                                          <p:spTgt spid="180"/>
+                                        </p:tgtEl>
+                                        <p:attrNameLst>
+                                          <p:attrName>style.visibility</p:attrName>
+                                        </p:attrNameLst>
+                                      </p:cBhvr>
+                                      <p:to>
+                                        <p:strVal val="visible"/>
+                                      </p:to>
+                                    </p:set>
+                                  </p:childTnLst>
+                                </p:cTn>
+                              </p:par>
+                            </p:childTnLst>
+                          </p:cTn>
+                        </p:par>
+                      </p:childTnLst>
+                    </p:cTn>
+                  </p:par>
+                  <p:par>
+                    <p:cTn fill="hold">
+                      <p:stCondLst>
+                        <p:cond delay="indefinite"/>
+                      </p:stCondLst>
+                      <p:childTnLst>
+                        <p:par>
+                          <p:cTn fill="hold">
+                            <p:stCondLst>
+                              <p:cond delay="0"/>
+                            </p:stCondLst>
+                            <p:childTnLst>
+                              <p:par>
+                                <p:cTn fill="hold" nodeType="clickEffect" presetClass="entr" presetID="1" presetSubtype="0">
+                                  <p:stCondLst>
+                                    <p:cond delay="0"/>
+                                  </p:stCondLst>
+                                  <p:childTnLst>
+                                    <p:set>
+                                      <p:cBhvr>
+                                        <p:cTn dur="1" fill="hold">
+                                          <p:stCondLst>
+                                            <p:cond delay="0"/>
+                                          </p:stCondLst>
+                                        </p:cTn>
+                                        <p:tgtEl>
+                                          <p:spTgt spid="181"/>
+                                        </p:tgtEl>
+                                        <p:attrNameLst>
+                                          <p:attrName>style.visibility</p:attrName>
+                                        </p:attrNameLst>
+                                      </p:cBhvr>
+                                      <p:to>
+                                        <p:strVal val="visible"/>
+                                      </p:to>
+                                    </p:set>
+                                  </p:childTnLst>
+                                </p:cTn>
+                              </p:par>
+                            </p:childTnLst>
+                          </p:cTn>
+                        </p:par>
+                      </p:childTnLst>
+                    </p:cTn>
+                  </p:par>
+                </p:childTnLst>
+              </p:cTn>
+              <p:prevCondLst>
+                <p:cond evt="onPrev">
+                  <p:tgtEl>
+                    <p:sldTgt/>
+                  </p:tgtEl>
+                </p:cond>
+              </p:prevCondLst>
+              <p:nextCondLst>
+                <p:cond evt="onNext">
+                  <p:tgtEl>
+                    <p:sldTgt/>
+                  </p:tgtEl>
+                </p:cond>
+              </p:nextCondLst>
+            </p:seq>
+          </p:childTnLst>
+        </p:cTn>
+      </p:par>
+    </p:tnLst>
+  </p:timing>
+</p:sld>
+</file>
+
+<file path=ppt/slides/slide18.xml><?xml version="1.0" encoding="utf-8"?>
+<p:sld xmlns:a="http://schemas.openxmlformats.org/drawingml/2006/main" xmlns:r="http://schemas.openxmlformats.org/officeDocument/2006/relationships" xmlns:mc="http://schemas.openxmlformats.org/markup-compatibility/2006" xmlns:mv="urn:schemas-microsoft-com:mac:vml" xmlns:p="http://schemas.openxmlformats.org/presentationml/2006/main" xmlns:c="http://schemas.openxmlformats.org/drawingml/2006/chart" xmlns:dgm="http://schemas.openxmlformats.org/drawingml/2006/diagram" xmlns:o="urn:schemas-microsoft-com:office:office" xmlns:v="urn:schemas-microsoft-com:vml" xmlns:pvml="urn:schemas-microsoft-com:office:powerpoint" xmlns:com="http://schemas.openxmlformats.org/drawingml/2006/compatibility" xmlns:p14="http://schemas.microsoft.com/office/powerpoint/2010/main" xmlns:p15="http://schemas.microsoft.com/office/powerpoint/2012/main" xmlns:ahyp="http://schemas.microsoft.com/office/drawing/2018/hyperlinkcolor">
+  <p:cSld>
+    <p:spTree>
+      <p:nvGrpSpPr>
+        <p:cNvPr id="185" name="Shape 185"/>
+        <p:cNvGrpSpPr/>
+        <p:nvPr/>
+      </p:nvGrpSpPr>
+      <p:grpSpPr>
+        <a:xfrm>
+          <a:off x="0" y="0"/>
+          <a:ext cx="0" cy="0"/>
+          <a:chOff x="0" y="0"/>
+          <a:chExt cx="0" cy="0"/>
+        </a:xfrm>
+      </p:grpSpPr>
       <p:sp>
         <p:nvSpPr>
-          <p:cNvPr id="184" name="Google Shape;184;p29"/>
+          <p:cNvPr id="186" name="Google Shape;186;p30"/>
           <p:cNvSpPr txBox="1"/>
-          <p:nvPr>
-            <p:ph idx="1" type="body"/>
-          </p:nvPr>
+          <p:nvPr/>
         </p:nvSpPr>
         <p:spPr>
           <a:xfrm>
-            <a:off x="200475" y="3681125"/>
-            <a:ext cx="8520600" cy="838200"/>
-          </a:xfrm>
-          <a:prstGeom prst="rect">
-            <a:avLst/>
-          </a:prstGeom>
-        </p:spPr>
-        <p:txBody>
-          <a:bodyPr anchorCtr="0" anchor="t" bIns="91425" lIns="91425" spcFirstLastPara="1" rIns="91425" wrap="square" tIns="91425">
-            <a:normAutofit/>
-          </a:bodyPr>
-          <a:lstStyle/>
-          <a:p>
-            <a:pPr indent="0" lvl="0" marL="0" rtl="0" algn="l">
-              <a:spcBef>
-                <a:spcPts val="0"/>
-              </a:spcBef>
-              <a:spcAft>
-                <a:spcPts val="1200"/>
-              </a:spcAft>
-              <a:buNone/>
-            </a:pPr>
-            <a:r>
-              <a:rPr lang="en"/>
-              <a:t>Code</a:t>
-            </a:r>
-            <a:endParaRPr/>
-          </a:p>
-        </p:txBody>
-      </p:sp>
-      <p:pic>
-        <p:nvPicPr>
-          <p:cNvPr id="185" name="Google Shape;185;p29"/>
-          <p:cNvPicPr preferRelativeResize="0"/>
-          <p:nvPr/>
-        </p:nvPicPr>
-        <p:blipFill>
-          <a:blip r:embed="rId3">
-            <a:alphaModFix/>
-          </a:blip>
-          <a:stretch>
-            <a:fillRect/>
-          </a:stretch>
-        </p:blipFill>
-        <p:spPr>
-          <a:xfrm>
-            <a:off x="200479" y="1054700"/>
-            <a:ext cx="4054549" cy="3034100"/>
+            <a:off x="1023600" y="1863750"/>
+            <a:ext cx="7096800" cy="2031900"/>
           </a:xfrm>
           <a:prstGeom prst="rect">
             <a:avLst/>
@@ -10084,35 +10140,143 @@
             <a:noFill/>
           </a:ln>
         </p:spPr>
-      </p:pic>
-      <p:pic>
-        <p:nvPicPr>
-          <p:cNvPr id="186" name="Google Shape;186;p29"/>
-          <p:cNvPicPr preferRelativeResize="0"/>
-          <p:nvPr/>
-        </p:nvPicPr>
-        <p:blipFill>
-          <a:blip r:embed="rId4">
-            <a:alphaModFix/>
-          </a:blip>
-          <a:stretch>
-            <a:fillRect/>
-          </a:stretch>
-        </p:blipFill>
-        <p:spPr>
-          <a:xfrm>
-            <a:off x="4450925" y="929700"/>
-            <a:ext cx="4054549" cy="3103141"/>
-          </a:xfrm>
-          <a:prstGeom prst="rect">
-            <a:avLst/>
-          </a:prstGeom>
-          <a:noFill/>
-          <a:ln>
-            <a:noFill/>
-          </a:ln>
-        </p:spPr>
-      </p:pic>
+        <p:txBody>
+          <a:bodyPr anchorCtr="0" anchor="t" bIns="91425" lIns="91425" spcFirstLastPara="1" rIns="91425" wrap="square" tIns="91425">
+            <a:spAutoFit/>
+          </a:bodyPr>
+          <a:lstStyle/>
+          <a:p>
+            <a:pPr indent="0" lvl="0" marL="0" rtl="0" algn="l">
+              <a:spcBef>
+                <a:spcPts val="0"/>
+              </a:spcBef>
+              <a:spcAft>
+                <a:spcPts val="0"/>
+              </a:spcAft>
+              <a:buNone/>
+            </a:pPr>
+            <a:r>
+              <a:rPr lang="en" sz="4000">
+                <a:solidFill>
+                  <a:srgbClr val="FB8500"/>
+                </a:solidFill>
+                <a:latin typeface="Lexend SemiBold"/>
+                <a:ea typeface="Lexend SemiBold"/>
+                <a:cs typeface="Lexend SemiBold"/>
+                <a:sym typeface="Lexend SemiBold"/>
+              </a:rPr>
+              <a:t>Regressions</a:t>
+            </a:r>
+            <a:r>
+              <a:rPr lang="en" sz="4000">
+                <a:solidFill>
+                  <a:srgbClr val="FB8500"/>
+                </a:solidFill>
+                <a:latin typeface="Lexend SemiBold"/>
+                <a:ea typeface="Lexend SemiBold"/>
+                <a:cs typeface="Lexend SemiBold"/>
+                <a:sym typeface="Lexend SemiBold"/>
+              </a:rPr>
+              <a:t>:</a:t>
+            </a:r>
+            <a:endParaRPr sz="2500">
+              <a:solidFill>
+                <a:srgbClr val="023047"/>
+              </a:solidFill>
+              <a:latin typeface="Lexend SemiBold"/>
+              <a:ea typeface="Lexend SemiBold"/>
+              <a:cs typeface="Lexend SemiBold"/>
+              <a:sym typeface="Lexend SemiBold"/>
+            </a:endParaRPr>
+          </a:p>
+          <a:p>
+            <a:pPr indent="-355600" lvl="0" marL="457200" rtl="0" algn="l">
+              <a:spcBef>
+                <a:spcPts val="0"/>
+              </a:spcBef>
+              <a:spcAft>
+                <a:spcPts val="0"/>
+              </a:spcAft>
+              <a:buClr>
+                <a:srgbClr val="023047"/>
+              </a:buClr>
+              <a:buSzPts val="2000"/>
+              <a:buFont typeface="Lexend SemiBold"/>
+              <a:buChar char="●"/>
+            </a:pPr>
+            <a:r>
+              <a:rPr lang="en" sz="2000">
+                <a:solidFill>
+                  <a:srgbClr val="023047"/>
+                </a:solidFill>
+                <a:latin typeface="Lexend SemiBold"/>
+                <a:ea typeface="Lexend SemiBold"/>
+                <a:cs typeface="Lexend SemiBold"/>
+                <a:sym typeface="Lexend SemiBold"/>
+              </a:rPr>
+              <a:t>W</a:t>
+            </a:r>
+            <a:r>
+              <a:rPr lang="en" sz="2000">
+                <a:solidFill>
+                  <a:srgbClr val="023047"/>
+                </a:solidFill>
+                <a:latin typeface="Lexend SemiBold"/>
+                <a:ea typeface="Lexend SemiBold"/>
+                <a:cs typeface="Lexend SemiBold"/>
+                <a:sym typeface="Lexend SemiBold"/>
+              </a:rPr>
+              <a:t>hat variables have the most noticeable regressions?</a:t>
+            </a:r>
+            <a:endParaRPr sz="2000">
+              <a:solidFill>
+                <a:srgbClr val="023047"/>
+              </a:solidFill>
+              <a:latin typeface="Lexend SemiBold"/>
+              <a:ea typeface="Lexend SemiBold"/>
+              <a:cs typeface="Lexend SemiBold"/>
+              <a:sym typeface="Lexend SemiBold"/>
+            </a:endParaRPr>
+          </a:p>
+          <a:p>
+            <a:pPr indent="-355600" lvl="0" marL="457200" rtl="0" algn="l">
+              <a:spcBef>
+                <a:spcPts val="0"/>
+              </a:spcBef>
+              <a:spcAft>
+                <a:spcPts val="0"/>
+              </a:spcAft>
+              <a:buClr>
+                <a:srgbClr val="023047"/>
+              </a:buClr>
+              <a:buSzPts val="2000"/>
+              <a:buFont typeface="Lexend SemiBold"/>
+              <a:buChar char="●"/>
+            </a:pPr>
+            <a:r>
+              <a:rPr lang="en" sz="2000">
+                <a:solidFill>
+                  <a:srgbClr val="023047"/>
+                </a:solidFill>
+                <a:latin typeface="Lexend SemiBold"/>
+                <a:ea typeface="Lexend SemiBold"/>
+                <a:cs typeface="Lexend SemiBold"/>
+                <a:sym typeface="Lexend SemiBold"/>
+              </a:rPr>
+              <a:t>What kind of regressions appear in our data and what stories do they tell?</a:t>
+            </a:r>
+            <a:endParaRPr sz="2000">
+              <a:solidFill>
+                <a:srgbClr val="023047"/>
+              </a:solidFill>
+              <a:latin typeface="Lexend SemiBold"/>
+              <a:ea typeface="Lexend SemiBold"/>
+              <a:cs typeface="Lexend SemiBold"/>
+              <a:sym typeface="Lexend SemiBold"/>
+            </a:endParaRPr>
+          </a:p>
+        </p:txBody>
+      </p:sp>
     </p:spTree>
   </p:cSld>
   <p:clrMapOvr>
@@ -10121,7 +10285,7 @@
 </p:sld>
 </file>
 
-<file path=ppt/slides/slide18.xml><?xml version="1.0" encoding="utf-8"?>
+<file path=ppt/slides/slide19.xml><?xml version="1.0" encoding="utf-8"?>
 <p:sld xmlns:a="http://schemas.openxmlformats.org/drawingml/2006/main" xmlns:r="http://schemas.openxmlformats.org/officeDocument/2006/relationships" xmlns:mc="http://schemas.openxmlformats.org/markup-compatibility/2006" xmlns:mv="urn:schemas-microsoft-com:mac:vml" xmlns:p="http://schemas.openxmlformats.org/presentationml/2006/main" xmlns:c="http://schemas.openxmlformats.org/drawingml/2006/chart" xmlns:dgm="http://schemas.openxmlformats.org/drawingml/2006/diagram" xmlns:o="urn:schemas-microsoft-com:office:office" xmlns:v="urn:schemas-microsoft-com:vml" xmlns:pvml="urn:schemas-microsoft-com:office:powerpoint" xmlns:com="http://schemas.openxmlformats.org/drawingml/2006/compatibility" xmlns:p14="http://schemas.microsoft.com/office/powerpoint/2010/main" xmlns:p15="http://schemas.microsoft.com/office/powerpoint/2012/main" xmlns:ahyp="http://schemas.microsoft.com/office/drawing/2018/hyperlinkcolor">
   <p:cSld>
     <p:spTree>
@@ -10140,47 +10304,7 @@
       </p:grpSpPr>
       <p:sp>
         <p:nvSpPr>
-          <p:cNvPr id="191" name="Google Shape;191;p30"/>
-          <p:cNvSpPr txBox="1"/>
-          <p:nvPr>
-            <p:ph type="title"/>
-          </p:nvPr>
-        </p:nvSpPr>
-        <p:spPr>
-          <a:xfrm>
-            <a:off x="311700" y="61950"/>
-            <a:ext cx="8520600" cy="572700"/>
-          </a:xfrm>
-          <a:prstGeom prst="rect">
-            <a:avLst/>
-          </a:prstGeom>
-        </p:spPr>
-        <p:txBody>
-          <a:bodyPr anchorCtr="0" anchor="t" bIns="91425" lIns="91425" spcFirstLastPara="1" rIns="91425" wrap="square" tIns="91425">
-            <a:normAutofit fontScale="90000"/>
-          </a:bodyPr>
-          <a:lstStyle/>
-          <a:p>
-            <a:pPr indent="0" lvl="0" marL="0" rtl="0" algn="l">
-              <a:spcBef>
-                <a:spcPts val="0"/>
-              </a:spcBef>
-              <a:spcAft>
-                <a:spcPts val="0"/>
-              </a:spcAft>
-              <a:buNone/>
-            </a:pPr>
-            <a:r>
-              <a:rPr lang="en"/>
-              <a:t>Regressions: Little to no correlation</a:t>
-            </a:r>
-            <a:endParaRPr/>
-          </a:p>
-        </p:txBody>
-      </p:sp>
-      <p:sp>
-        <p:nvSpPr>
-          <p:cNvPr id="192" name="Google Shape;192;p30"/>
+          <p:cNvPr id="191" name="Google Shape;191;p31"/>
           <p:cNvSpPr txBox="1"/>
           <p:nvPr>
             <p:ph idx="1" type="body"/>
@@ -10188,8 +10312,8 @@
         </p:nvSpPr>
         <p:spPr>
           <a:xfrm>
-            <a:off x="311700" y="1152475"/>
-            <a:ext cx="8520600" cy="3416400"/>
+            <a:off x="311700" y="4431884"/>
+            <a:ext cx="8520600" cy="580800"/>
           </a:xfrm>
           <a:prstGeom prst="rect">
             <a:avLst/>
@@ -10201,25 +10325,96 @@
           </a:bodyPr>
           <a:lstStyle/>
           <a:p>
+            <a:pPr indent="-323850" lvl="0" marL="457200" rtl="0" algn="l">
+              <a:spcBef>
+                <a:spcPts val="0"/>
+              </a:spcBef>
+              <a:spcAft>
+                <a:spcPts val="0"/>
+              </a:spcAft>
+              <a:buClr>
+                <a:srgbClr val="FB8500"/>
+              </a:buClr>
+              <a:buSzPts val="1500"/>
+              <a:buChar char="-"/>
+            </a:pPr>
+            <a:r>
+              <a:rPr b="1" lang="en" sz="1500">
+                <a:solidFill>
+                  <a:srgbClr val="FB8500"/>
+                </a:solidFill>
+              </a:rPr>
+              <a:t>In general terms, more space in an apartment means more rooms</a:t>
+            </a:r>
+            <a:endParaRPr b="1" sz="1500">
+              <a:solidFill>
+                <a:srgbClr val="FB8500"/>
+              </a:solidFill>
+            </a:endParaRPr>
+          </a:p>
+        </p:txBody>
+      </p:sp>
+      <p:sp>
+        <p:nvSpPr>
+          <p:cNvPr id="192" name="Google Shape;192;p31"/>
+          <p:cNvSpPr txBox="1"/>
+          <p:nvPr/>
+        </p:nvSpPr>
+        <p:spPr>
+          <a:xfrm>
+            <a:off x="435300" y="249925"/>
+            <a:ext cx="8273400" cy="492600"/>
+          </a:xfrm>
+          <a:prstGeom prst="rect">
+            <a:avLst/>
+          </a:prstGeom>
+          <a:noFill/>
+          <a:ln>
+            <a:noFill/>
+          </a:ln>
+        </p:spPr>
+        <p:txBody>
+          <a:bodyPr anchorCtr="0" anchor="t" bIns="91425" lIns="91425" spcFirstLastPara="1" rIns="91425" wrap="square" tIns="91425">
+            <a:spAutoFit/>
+          </a:bodyPr>
+          <a:lstStyle/>
+          <a:p>
             <a:pPr indent="0" lvl="0" marL="0" rtl="0" algn="l">
               <a:spcBef>
                 <a:spcPts val="0"/>
               </a:spcBef>
               <a:spcAft>
-                <a:spcPts val="1200"/>
+                <a:spcPts val="0"/>
               </a:spcAft>
               <a:buNone/>
             </a:pPr>
             <a:r>
-              <a:t/>
-            </a:r>
-            <a:endParaRPr/>
+              <a:rPr lang="en" sz="2000">
+                <a:solidFill>
+                  <a:srgbClr val="FB8500"/>
+                </a:solidFill>
+                <a:latin typeface="Lexend SemiBold"/>
+                <a:ea typeface="Lexend SemiBold"/>
+                <a:cs typeface="Lexend SemiBold"/>
+                <a:sym typeface="Lexend SemiBold"/>
+              </a:rPr>
+              <a:t>Consistent Positive Regressions</a:t>
+            </a:r>
+            <a:endParaRPr sz="2000">
+              <a:solidFill>
+                <a:srgbClr val="FB8500"/>
+              </a:solidFill>
+              <a:latin typeface="Lexend SemiBold"/>
+              <a:ea typeface="Lexend SemiBold"/>
+              <a:cs typeface="Lexend SemiBold"/>
+              <a:sym typeface="Lexend SemiBold"/>
+            </a:endParaRPr>
           </a:p>
         </p:txBody>
       </p:sp>
       <p:pic>
         <p:nvPicPr>
-          <p:cNvPr id="193" name="Google Shape;193;p30"/>
+          <p:cNvPr id="193" name="Google Shape;193;p31"/>
           <p:cNvPicPr preferRelativeResize="0"/>
           <p:nvPr/>
         </p:nvPicPr>
@@ -10233,8 +10428,8 @@
         </p:blipFill>
         <p:spPr>
           <a:xfrm>
-            <a:off x="200172" y="979663"/>
-            <a:ext cx="4111725" cy="3184175"/>
+            <a:off x="0" y="1120300"/>
+            <a:ext cx="4498425" cy="2902900"/>
           </a:xfrm>
           <a:prstGeom prst="rect">
             <a:avLst/>
@@ -10247,7 +10442,7 @@
       </p:pic>
       <p:pic>
         <p:nvPicPr>
-          <p:cNvPr id="194" name="Google Shape;194;p30"/>
+          <p:cNvPr id="194" name="Google Shape;194;p31"/>
           <p:cNvPicPr preferRelativeResize="0"/>
           <p:nvPr/>
         </p:nvPicPr>
@@ -10261,158 +10456,8 @@
         </p:blipFill>
         <p:spPr>
           <a:xfrm>
-            <a:off x="4572001" y="979665"/>
-            <a:ext cx="4159521" cy="3184175"/>
-          </a:xfrm>
-          <a:prstGeom prst="rect">
-            <a:avLst/>
-          </a:prstGeom>
-          <a:noFill/>
-          <a:ln>
-            <a:noFill/>
-          </a:ln>
-        </p:spPr>
-      </p:pic>
-    </p:spTree>
-  </p:cSld>
-  <p:clrMapOvr>
-    <a:masterClrMapping/>
-  </p:clrMapOvr>
-</p:sld>
-</file>
-
-<file path=ppt/slides/slide19.xml><?xml version="1.0" encoding="utf-8"?>
-<p:sld xmlns:a="http://schemas.openxmlformats.org/drawingml/2006/main" xmlns:r="http://schemas.openxmlformats.org/officeDocument/2006/relationships" xmlns:mc="http://schemas.openxmlformats.org/markup-compatibility/2006" xmlns:mv="urn:schemas-microsoft-com:mac:vml" xmlns:p="http://schemas.openxmlformats.org/presentationml/2006/main" xmlns:c="http://schemas.openxmlformats.org/drawingml/2006/chart" xmlns:dgm="http://schemas.openxmlformats.org/drawingml/2006/diagram" xmlns:o="urn:schemas-microsoft-com:office:office" xmlns:v="urn:schemas-microsoft-com:vml" xmlns:pvml="urn:schemas-microsoft-com:office:powerpoint" xmlns:com="http://schemas.openxmlformats.org/drawingml/2006/compatibility" xmlns:p14="http://schemas.microsoft.com/office/powerpoint/2010/main" xmlns:p15="http://schemas.microsoft.com/office/powerpoint/2012/main" xmlns:ahyp="http://schemas.microsoft.com/office/drawing/2018/hyperlinkcolor">
-  <p:cSld>
-    <p:spTree>
-      <p:nvGrpSpPr>
-        <p:cNvPr id="198" name="Shape 198"/>
-        <p:cNvGrpSpPr/>
-        <p:nvPr/>
-      </p:nvGrpSpPr>
-      <p:grpSpPr>
-        <a:xfrm>
-          <a:off x="0" y="0"/>
-          <a:ext cx="0" cy="0"/>
-          <a:chOff x="0" y="0"/>
-          <a:chExt cx="0" cy="0"/>
-        </a:xfrm>
-      </p:grpSpPr>
-      <p:sp>
-        <p:nvSpPr>
-          <p:cNvPr id="199" name="Google Shape;199;p31"/>
-          <p:cNvSpPr txBox="1"/>
-          <p:nvPr>
-            <p:ph type="title"/>
-          </p:nvPr>
-        </p:nvSpPr>
-        <p:spPr>
-          <a:xfrm>
-            <a:off x="311700" y="74325"/>
-            <a:ext cx="8520600" cy="572700"/>
-          </a:xfrm>
-          <a:prstGeom prst="rect">
-            <a:avLst/>
-          </a:prstGeom>
-        </p:spPr>
-        <p:txBody>
-          <a:bodyPr anchorCtr="0" anchor="t" bIns="91425" lIns="91425" spcFirstLastPara="1" rIns="91425" wrap="square" tIns="91425">
-            <a:normAutofit fontScale="90000"/>
-          </a:bodyPr>
-          <a:lstStyle/>
-          <a:p>
-            <a:pPr indent="0" lvl="0" marL="0" rtl="0" algn="l">
-              <a:spcBef>
-                <a:spcPts val="0"/>
-              </a:spcBef>
-              <a:spcAft>
-                <a:spcPts val="0"/>
-              </a:spcAft>
-              <a:buNone/>
-            </a:pPr>
-            <a:r>
-              <a:rPr lang="en"/>
-              <a:t>(Interesting regression)</a:t>
-            </a:r>
-            <a:endParaRPr/>
-          </a:p>
-        </p:txBody>
-      </p:sp>
-      <p:sp>
-        <p:nvSpPr>
-          <p:cNvPr id="200" name="Google Shape;200;p31"/>
-          <p:cNvSpPr txBox="1"/>
-          <p:nvPr>
-            <p:ph idx="1" type="body"/>
-          </p:nvPr>
-        </p:nvSpPr>
-        <p:spPr>
-          <a:xfrm>
-            <a:off x="5056375" y="834163"/>
-            <a:ext cx="3528900" cy="2957400"/>
-          </a:xfrm>
-          <a:prstGeom prst="rect">
-            <a:avLst/>
-          </a:prstGeom>
-        </p:spPr>
-        <p:txBody>
-          <a:bodyPr anchorCtr="0" anchor="t" bIns="91425" lIns="91425" spcFirstLastPara="1" rIns="91425" wrap="square" tIns="91425">
-            <a:normAutofit/>
-          </a:bodyPr>
-          <a:lstStyle/>
-          <a:p>
-            <a:pPr indent="-342900" lvl="0" marL="457200" rtl="0" algn="l">
-              <a:spcBef>
-                <a:spcPts val="0"/>
-              </a:spcBef>
-              <a:spcAft>
-                <a:spcPts val="0"/>
-              </a:spcAft>
-              <a:buSzPts val="1800"/>
-              <a:buChar char="-"/>
-            </a:pPr>
-            <a:r>
-              <a:rPr lang="en"/>
-              <a:t>Confidence interval</a:t>
-            </a:r>
-            <a:endParaRPr/>
-          </a:p>
-          <a:p>
-            <a:pPr indent="-342900" lvl="0" marL="457200" rtl="0" algn="l">
-              <a:spcBef>
-                <a:spcPts val="0"/>
-              </a:spcBef>
-              <a:spcAft>
-                <a:spcPts val="0"/>
-              </a:spcAft>
-              <a:buSzPts val="1800"/>
-              <a:buChar char="-"/>
-            </a:pPr>
-            <a:r>
-              <a:t/>
-            </a:r>
-            <a:endParaRPr/>
-          </a:p>
-        </p:txBody>
-      </p:sp>
-      <p:pic>
-        <p:nvPicPr>
-          <p:cNvPr id="201" name="Google Shape;201;p31"/>
-          <p:cNvPicPr preferRelativeResize="0"/>
-          <p:nvPr/>
-        </p:nvPicPr>
-        <p:blipFill>
-          <a:blip r:embed="rId3">
-            <a:alphaModFix/>
-          </a:blip>
-          <a:stretch>
-            <a:fillRect/>
-          </a:stretch>
-        </p:blipFill>
-        <p:spPr>
-          <a:xfrm>
-            <a:off x="64550" y="765475"/>
-            <a:ext cx="4840149" cy="3799100"/>
+            <a:off x="4572000" y="1151842"/>
+            <a:ext cx="4498424" cy="2870720"/>
           </a:xfrm>
           <a:prstGeom prst="rect">
             <a:avLst/>
@@ -10451,13 +10496,319 @@
       <p:sp>
         <p:nvSpPr>
           <p:cNvPr id="60" name="Google Shape;60;p14"/>
+          <p:cNvSpPr txBox="1"/>
+          <p:nvPr/>
+        </p:nvSpPr>
+        <p:spPr>
+          <a:xfrm>
+            <a:off x="406275" y="202150"/>
+            <a:ext cx="2177700" cy="569400"/>
+          </a:xfrm>
+          <a:prstGeom prst="rect">
+            <a:avLst/>
+          </a:prstGeom>
+          <a:noFill/>
+          <a:ln>
+            <a:noFill/>
+          </a:ln>
+        </p:spPr>
+        <p:txBody>
+          <a:bodyPr anchorCtr="0" anchor="t" bIns="91425" lIns="91425" spcFirstLastPara="1" rIns="91425" wrap="square" tIns="91425">
+            <a:spAutoFit/>
+          </a:bodyPr>
+          <a:lstStyle/>
+          <a:p>
+            <a:pPr indent="0" lvl="0" marL="0" rtl="0" algn="l">
+              <a:spcBef>
+                <a:spcPts val="0"/>
+              </a:spcBef>
+              <a:spcAft>
+                <a:spcPts val="0"/>
+              </a:spcAft>
+              <a:buNone/>
+            </a:pPr>
+            <a:r>
+              <a:rPr lang="en" sz="2500">
+                <a:solidFill>
+                  <a:srgbClr val="023047"/>
+                </a:solidFill>
+                <a:latin typeface="Lexend SemiBold"/>
+                <a:ea typeface="Lexend SemiBold"/>
+                <a:cs typeface="Lexend SemiBold"/>
+                <a:sym typeface="Lexend SemiBold"/>
+              </a:rPr>
+              <a:t>Our Dataset</a:t>
+            </a:r>
+            <a:endParaRPr sz="2500">
+              <a:solidFill>
+                <a:srgbClr val="023047"/>
+              </a:solidFill>
+              <a:latin typeface="Lexend SemiBold"/>
+              <a:ea typeface="Lexend SemiBold"/>
+              <a:cs typeface="Lexend SemiBold"/>
+              <a:sym typeface="Lexend SemiBold"/>
+            </a:endParaRPr>
+          </a:p>
+        </p:txBody>
+      </p:sp>
+      <p:sp>
+        <p:nvSpPr>
+          <p:cNvPr id="61" name="Google Shape;61;p14"/>
+          <p:cNvSpPr txBox="1"/>
+          <p:nvPr/>
+        </p:nvSpPr>
+        <p:spPr>
+          <a:xfrm>
+            <a:off x="406275" y="707150"/>
+            <a:ext cx="3193200" cy="3232500"/>
+          </a:xfrm>
+          <a:prstGeom prst="rect">
+            <a:avLst/>
+          </a:prstGeom>
+          <a:noFill/>
+          <a:ln>
+            <a:noFill/>
+          </a:ln>
+        </p:spPr>
+        <p:txBody>
+          <a:bodyPr anchorCtr="0" anchor="t" bIns="91425" lIns="91425" spcFirstLastPara="1" rIns="91425" wrap="square" tIns="91425">
+            <a:spAutoFit/>
+          </a:bodyPr>
+          <a:lstStyle/>
+          <a:p>
+            <a:pPr indent="0" lvl="0" marL="0" rtl="0" algn="l">
+              <a:spcBef>
+                <a:spcPts val="0"/>
+              </a:spcBef>
+              <a:spcAft>
+                <a:spcPts val="0"/>
+              </a:spcAft>
+              <a:buNone/>
+            </a:pPr>
+            <a:r>
+              <a:rPr lang="en" sz="1800">
+                <a:solidFill>
+                  <a:schemeClr val="dk2"/>
+                </a:solidFill>
+                <a:latin typeface="Lexend"/>
+                <a:ea typeface="Lexend"/>
+                <a:cs typeface="Lexend"/>
+                <a:sym typeface="Lexend"/>
+              </a:rPr>
+              <a:t>We analyzed the Kaggle dataset </a:t>
+            </a:r>
+            <a:r>
+              <a:rPr b="1" lang="en" sz="1800">
+                <a:solidFill>
+                  <a:srgbClr val="219EBC"/>
+                </a:solidFill>
+                <a:latin typeface="Lexend"/>
+                <a:ea typeface="Lexend"/>
+                <a:cs typeface="Lexend"/>
+                <a:sym typeface="Lexend"/>
+              </a:rPr>
+              <a:t>Apartments for Rent Classified.</a:t>
+            </a:r>
+            <a:r>
+              <a:rPr lang="en" sz="1800">
+                <a:solidFill>
+                  <a:schemeClr val="dk2"/>
+                </a:solidFill>
+                <a:latin typeface="Lexend"/>
+                <a:ea typeface="Lexend"/>
+                <a:cs typeface="Lexend"/>
+                <a:sym typeface="Lexend"/>
+              </a:rPr>
+              <a:t> It has:</a:t>
+            </a:r>
+            <a:endParaRPr sz="1800">
+              <a:solidFill>
+                <a:schemeClr val="dk2"/>
+              </a:solidFill>
+              <a:latin typeface="Lexend"/>
+              <a:ea typeface="Lexend"/>
+              <a:cs typeface="Lexend"/>
+              <a:sym typeface="Lexend"/>
+            </a:endParaRPr>
+          </a:p>
+          <a:p>
+            <a:pPr indent="-342900" lvl="0" marL="457200" rtl="0" algn="l">
+              <a:spcBef>
+                <a:spcPts val="0"/>
+              </a:spcBef>
+              <a:spcAft>
+                <a:spcPts val="0"/>
+              </a:spcAft>
+              <a:buClr>
+                <a:schemeClr val="dk2"/>
+              </a:buClr>
+              <a:buSzPts val="1800"/>
+              <a:buFont typeface="Lexend"/>
+              <a:buChar char="●"/>
+            </a:pPr>
+            <a:r>
+              <a:rPr lang="en" sz="1800">
+                <a:solidFill>
+                  <a:schemeClr val="dk2"/>
+                </a:solidFill>
+                <a:latin typeface="Lexend"/>
+                <a:ea typeface="Lexend"/>
+                <a:cs typeface="Lexend"/>
+                <a:sym typeface="Lexend"/>
+              </a:rPr>
+              <a:t>100,000 entries</a:t>
+            </a:r>
+            <a:endParaRPr sz="1800">
+              <a:solidFill>
+                <a:schemeClr val="dk2"/>
+              </a:solidFill>
+              <a:latin typeface="Lexend"/>
+              <a:ea typeface="Lexend"/>
+              <a:cs typeface="Lexend"/>
+              <a:sym typeface="Lexend"/>
+            </a:endParaRPr>
+          </a:p>
+          <a:p>
+            <a:pPr indent="-342900" lvl="0" marL="457200" rtl="0" algn="l">
+              <a:spcBef>
+                <a:spcPts val="0"/>
+              </a:spcBef>
+              <a:spcAft>
+                <a:spcPts val="0"/>
+              </a:spcAft>
+              <a:buClr>
+                <a:schemeClr val="dk2"/>
+              </a:buClr>
+              <a:buSzPts val="1800"/>
+              <a:buFont typeface="Lexend"/>
+              <a:buChar char="●"/>
+            </a:pPr>
+            <a:r>
+              <a:rPr lang="en" sz="1800">
+                <a:solidFill>
+                  <a:schemeClr val="dk2"/>
+                </a:solidFill>
+                <a:latin typeface="Lexend"/>
+                <a:ea typeface="Lexend"/>
+                <a:cs typeface="Lexend"/>
+                <a:sym typeface="Lexend"/>
+              </a:rPr>
+              <a:t>Data on price, bed, bath, location, etc.</a:t>
+            </a:r>
+            <a:endParaRPr sz="1800">
+              <a:solidFill>
+                <a:schemeClr val="dk2"/>
+              </a:solidFill>
+              <a:latin typeface="Lexend"/>
+              <a:ea typeface="Lexend"/>
+              <a:cs typeface="Lexend"/>
+              <a:sym typeface="Lexend"/>
+            </a:endParaRPr>
+          </a:p>
+          <a:p>
+            <a:pPr indent="-342900" lvl="0" marL="457200" rtl="0" algn="l">
+              <a:spcBef>
+                <a:spcPts val="0"/>
+              </a:spcBef>
+              <a:spcAft>
+                <a:spcPts val="0"/>
+              </a:spcAft>
+              <a:buClr>
+                <a:schemeClr val="dk2"/>
+              </a:buClr>
+              <a:buSzPts val="1800"/>
+              <a:buFont typeface="Lexend"/>
+              <a:buChar char="●"/>
+            </a:pPr>
+            <a:r>
+              <a:rPr lang="en" sz="1800">
+                <a:solidFill>
+                  <a:schemeClr val="dk2"/>
+                </a:solidFill>
+                <a:latin typeface="Lexend"/>
+                <a:ea typeface="Lexend"/>
+                <a:cs typeface="Lexend"/>
+                <a:sym typeface="Lexend"/>
+              </a:rPr>
+              <a:t>Clean data that was improved upon</a:t>
+            </a:r>
+            <a:endParaRPr sz="1800">
+              <a:solidFill>
+                <a:schemeClr val="dk2"/>
+              </a:solidFill>
+              <a:latin typeface="Lexend"/>
+              <a:ea typeface="Lexend"/>
+              <a:cs typeface="Lexend"/>
+              <a:sym typeface="Lexend"/>
+            </a:endParaRPr>
+          </a:p>
+          <a:p>
+            <a:pPr indent="0" lvl="0" marL="0" rtl="0" algn="l">
+              <a:spcBef>
+                <a:spcPts val="0"/>
+              </a:spcBef>
+              <a:spcAft>
+                <a:spcPts val="0"/>
+              </a:spcAft>
+              <a:buNone/>
+            </a:pPr>
+            <a:r>
+              <a:t/>
+            </a:r>
+            <a:endParaRPr sz="1800">
+              <a:solidFill>
+                <a:schemeClr val="dk2"/>
+              </a:solidFill>
+              <a:latin typeface="Lexend"/>
+              <a:ea typeface="Lexend"/>
+              <a:cs typeface="Lexend"/>
+              <a:sym typeface="Lexend"/>
+            </a:endParaRPr>
+          </a:p>
+          <a:p>
+            <a:pPr indent="0" lvl="0" marL="0" rtl="0" algn="l">
+              <a:spcBef>
+                <a:spcPts val="0"/>
+              </a:spcBef>
+              <a:spcAft>
+                <a:spcPts val="0"/>
+              </a:spcAft>
+              <a:buNone/>
+            </a:pPr>
+            <a:r>
+              <a:rPr lang="en" sz="1800">
+                <a:solidFill>
+                  <a:schemeClr val="dk2"/>
+                </a:solidFill>
+                <a:latin typeface="Lexend"/>
+                <a:ea typeface="Lexend"/>
+                <a:cs typeface="Lexend"/>
+                <a:sym typeface="Lexend"/>
+              </a:rPr>
+              <a:t>There are many practical uses for a dataset like this!</a:t>
+            </a:r>
+            <a:endParaRPr sz="1800">
+              <a:solidFill>
+                <a:schemeClr val="dk2"/>
+              </a:solidFill>
+              <a:latin typeface="Lexend"/>
+              <a:ea typeface="Lexend"/>
+              <a:cs typeface="Lexend"/>
+              <a:sym typeface="Lexend"/>
+            </a:endParaRPr>
+          </a:p>
+        </p:txBody>
+      </p:sp>
+      <p:sp>
+        <p:nvSpPr>
+          <p:cNvPr id="62" name="Google Shape;62;p14"/>
           <p:cNvSpPr/>
           <p:nvPr/>
         </p:nvSpPr>
         <p:spPr>
           <a:xfrm>
-            <a:off x="536300" y="3030850"/>
-            <a:ext cx="2372700" cy="1405800"/>
+            <a:off x="406275" y="3903850"/>
+            <a:ext cx="8369400" cy="1054800"/>
           </a:xfrm>
           <a:prstGeom prst="roundRect">
             <a:avLst>
@@ -10499,14 +10850,14 @@
       </p:sp>
       <p:sp>
         <p:nvSpPr>
-          <p:cNvPr id="61" name="Google Shape;61;p14"/>
+          <p:cNvPr id="63" name="Google Shape;63;p14"/>
           <p:cNvSpPr txBox="1"/>
           <p:nvPr/>
         </p:nvSpPr>
         <p:spPr>
           <a:xfrm>
-            <a:off x="406275" y="202150"/>
-            <a:ext cx="1901400" cy="569400"/>
+            <a:off x="680175" y="3992650"/>
+            <a:ext cx="7821600" cy="877200"/>
           </a:xfrm>
           <a:prstGeom prst="rect">
             <a:avLst/>
@@ -10522,7 +10873,7 @@
           </a:bodyPr>
           <a:lstStyle/>
           <a:p>
-            <a:pPr indent="0" lvl="0" marL="0" rtl="0" algn="l">
+            <a:pPr indent="0" lvl="0" marL="0" rtl="0" algn="ctr">
               <a:spcBef>
                 <a:spcPts val="0"/>
               </a:spcBef>
@@ -10532,100 +10883,7 @@
               <a:buNone/>
             </a:pPr>
             <a:r>
-              <a:rPr lang="en" sz="2500">
-                <a:solidFill>
-                  <a:srgbClr val="023047"/>
-                </a:solidFill>
-                <a:latin typeface="Lexend SemiBold"/>
-                <a:ea typeface="Lexend SemiBold"/>
-                <a:cs typeface="Lexend SemiBold"/>
-                <a:sym typeface="Lexend SemiBold"/>
-              </a:rPr>
-              <a:t>Objective</a:t>
-            </a:r>
-            <a:endParaRPr sz="2500">
-              <a:solidFill>
-                <a:srgbClr val="023047"/>
-              </a:solidFill>
-              <a:latin typeface="Lexend SemiBold"/>
-              <a:ea typeface="Lexend SemiBold"/>
-              <a:cs typeface="Lexend SemiBold"/>
-              <a:sym typeface="Lexend SemiBold"/>
-            </a:endParaRPr>
-          </a:p>
-        </p:txBody>
-      </p:sp>
-      <p:pic>
-        <p:nvPicPr>
-          <p:cNvPr id="62" name="Google Shape;62;p14"/>
-          <p:cNvPicPr preferRelativeResize="0"/>
-          <p:nvPr/>
-        </p:nvPicPr>
-        <p:blipFill>
-          <a:blip r:embed="rId3">
-            <a:alphaModFix/>
-          </a:blip>
-          <a:stretch>
-            <a:fillRect/>
-          </a:stretch>
-        </p:blipFill>
-        <p:spPr>
-          <a:xfrm>
-            <a:off x="4948475" y="202150"/>
-            <a:ext cx="3827100" cy="2575074"/>
-          </a:xfrm>
-          <a:prstGeom prst="rect">
-            <a:avLst/>
-          </a:prstGeom>
-          <a:noFill/>
-          <a:ln>
-            <a:noFill/>
-          </a:ln>
-          <a:effectLst>
-            <a:outerShdw blurRad="57150" rotWithShape="0" algn="bl" dir="5400000" dist="19050">
-              <a:srgbClr val="000000">
-                <a:alpha val="50000"/>
-              </a:srgbClr>
-            </a:outerShdw>
-          </a:effectLst>
-        </p:spPr>
-      </p:pic>
-      <p:sp>
-        <p:nvSpPr>
-          <p:cNvPr id="63" name="Google Shape;63;p14"/>
-          <p:cNvSpPr txBox="1"/>
-          <p:nvPr/>
-        </p:nvSpPr>
-        <p:spPr>
-          <a:xfrm>
-            <a:off x="406275" y="707150"/>
-            <a:ext cx="3827100" cy="2124000"/>
-          </a:xfrm>
-          <a:prstGeom prst="rect">
-            <a:avLst/>
-          </a:prstGeom>
-          <a:noFill/>
-          <a:ln>
-            <a:noFill/>
-          </a:ln>
-        </p:spPr>
-        <p:txBody>
-          <a:bodyPr anchorCtr="0" anchor="t" bIns="91425" lIns="91425" spcFirstLastPara="1" rIns="91425" wrap="square" tIns="91425">
-            <a:spAutoFit/>
-          </a:bodyPr>
-          <a:lstStyle/>
-          <a:p>
-            <a:pPr indent="0" lvl="0" marL="0" rtl="0" algn="l">
-              <a:spcBef>
-                <a:spcPts val="0"/>
-              </a:spcBef>
-              <a:spcAft>
-                <a:spcPts val="0"/>
-              </a:spcAft>
-              <a:buNone/>
-            </a:pPr>
-            <a:r>
-              <a:rPr lang="en" sz="1800">
+              <a:rPr lang="en" sz="1500">
                 <a:solidFill>
                   <a:schemeClr val="dk2"/>
                 </a:solidFill>
@@ -10634,178 +10892,7 @@
                 <a:cs typeface="Lexend"/>
                 <a:sym typeface="Lexend"/>
               </a:rPr>
-              <a:t>Analyze our data to find most important factors to customers when they are shopping for apartments.</a:t>
-            </a:r>
-            <a:endParaRPr sz="1800">
-              <a:solidFill>
-                <a:schemeClr val="dk2"/>
-              </a:solidFill>
-              <a:latin typeface="Lexend"/>
-              <a:ea typeface="Lexend"/>
-              <a:cs typeface="Lexend"/>
-              <a:sym typeface="Lexend"/>
-            </a:endParaRPr>
-          </a:p>
-          <a:p>
-            <a:pPr indent="0" lvl="0" marL="0" rtl="0" algn="l">
-              <a:spcBef>
-                <a:spcPts val="0"/>
-              </a:spcBef>
-              <a:spcAft>
-                <a:spcPts val="0"/>
-              </a:spcAft>
-              <a:buNone/>
-            </a:pPr>
-            <a:r>
-              <a:t/>
-            </a:r>
-            <a:endParaRPr sz="1800">
-              <a:solidFill>
-                <a:schemeClr val="dk2"/>
-              </a:solidFill>
-              <a:latin typeface="Lexend"/>
-              <a:ea typeface="Lexend"/>
-              <a:cs typeface="Lexend"/>
-              <a:sym typeface="Lexend"/>
-            </a:endParaRPr>
-          </a:p>
-          <a:p>
-            <a:pPr indent="0" lvl="0" marL="0" rtl="0" algn="l">
-              <a:spcBef>
-                <a:spcPts val="0"/>
-              </a:spcBef>
-              <a:spcAft>
-                <a:spcPts val="0"/>
-              </a:spcAft>
-              <a:buNone/>
-            </a:pPr>
-            <a:r>
-              <a:rPr lang="en" sz="1800">
-                <a:solidFill>
-                  <a:schemeClr val="dk2"/>
-                </a:solidFill>
-                <a:latin typeface="Lexend"/>
-                <a:ea typeface="Lexend"/>
-                <a:cs typeface="Lexend"/>
-                <a:sym typeface="Lexend"/>
-              </a:rPr>
-              <a:t>We will attempt to answer the following questions:</a:t>
-            </a:r>
-            <a:endParaRPr sz="1800">
-              <a:solidFill>
-                <a:schemeClr val="dk2"/>
-              </a:solidFill>
-              <a:latin typeface="Lexend"/>
-              <a:ea typeface="Lexend"/>
-              <a:cs typeface="Lexend"/>
-              <a:sym typeface="Lexend"/>
-            </a:endParaRPr>
-          </a:p>
-        </p:txBody>
-      </p:sp>
-      <p:sp>
-        <p:nvSpPr>
-          <p:cNvPr id="64" name="Google Shape;64;p14"/>
-          <p:cNvSpPr txBox="1"/>
-          <p:nvPr/>
-        </p:nvSpPr>
-        <p:spPr>
-          <a:xfrm>
-            <a:off x="678500" y="3032300"/>
-            <a:ext cx="2088300" cy="461700"/>
-          </a:xfrm>
-          <a:prstGeom prst="rect">
-            <a:avLst/>
-          </a:prstGeom>
-          <a:noFill/>
-          <a:ln>
-            <a:noFill/>
-          </a:ln>
-        </p:spPr>
-        <p:txBody>
-          <a:bodyPr anchorCtr="0" anchor="t" bIns="91425" lIns="91425" spcFirstLastPara="1" rIns="91425" wrap="square" tIns="91425">
-            <a:spAutoFit/>
-          </a:bodyPr>
-          <a:lstStyle/>
-          <a:p>
-            <a:pPr indent="0" lvl="0" marL="0" rtl="0" algn="ctr">
-              <a:spcBef>
-                <a:spcPts val="0"/>
-              </a:spcBef>
-              <a:spcAft>
-                <a:spcPts val="0"/>
-              </a:spcAft>
-              <a:buNone/>
-            </a:pPr>
-            <a:r>
-              <a:rPr lang="en" sz="1800">
-                <a:solidFill>
-                  <a:srgbClr val="219EBC"/>
-                </a:solidFill>
-                <a:latin typeface="Lexend SemiBold"/>
-                <a:ea typeface="Lexend SemiBold"/>
-                <a:cs typeface="Lexend SemiBold"/>
-                <a:sym typeface="Lexend SemiBold"/>
-              </a:rPr>
-              <a:t>Seasonal Trends</a:t>
-            </a:r>
-            <a:endParaRPr sz="1800">
-              <a:solidFill>
-                <a:srgbClr val="219EBC"/>
-              </a:solidFill>
-              <a:latin typeface="Lexend SemiBold"/>
-              <a:ea typeface="Lexend SemiBold"/>
-              <a:cs typeface="Lexend SemiBold"/>
-              <a:sym typeface="Lexend SemiBold"/>
-            </a:endParaRPr>
-          </a:p>
-        </p:txBody>
-      </p:sp>
-      <p:sp>
-        <p:nvSpPr>
-          <p:cNvPr id="65" name="Google Shape;65;p14"/>
-          <p:cNvSpPr txBox="1"/>
-          <p:nvPr/>
-        </p:nvSpPr>
-        <p:spPr>
-          <a:xfrm>
-            <a:off x="633800" y="3494000"/>
-            <a:ext cx="2177700" cy="877200"/>
-          </a:xfrm>
-          <a:prstGeom prst="rect">
-            <a:avLst/>
-          </a:prstGeom>
-          <a:noFill/>
-          <a:ln>
-            <a:noFill/>
-          </a:ln>
-        </p:spPr>
-        <p:txBody>
-          <a:bodyPr anchorCtr="0" anchor="t" bIns="91425" lIns="91425" spcFirstLastPara="1" rIns="91425" wrap="square" tIns="91425">
-            <a:spAutoFit/>
-          </a:bodyPr>
-          <a:lstStyle/>
-          <a:p>
-            <a:pPr indent="0" lvl="0" marL="0" rtl="0" algn="ctr">
-              <a:spcBef>
-                <a:spcPts val="0"/>
-              </a:spcBef>
-              <a:spcAft>
-                <a:spcPts val="0"/>
-              </a:spcAft>
-              <a:buNone/>
-            </a:pPr>
-            <a:r>
-              <a:rPr lang="en" sz="1500">
-                <a:solidFill>
-                  <a:schemeClr val="dk2"/>
-                </a:solidFill>
-                <a:latin typeface="Lexend"/>
-                <a:ea typeface="Lexend"/>
-                <a:cs typeface="Lexend"/>
-                <a:sym typeface="Lexend"/>
-              </a:rPr>
-              <a:t>Are there any trends in apartments prices throughout the year?</a:t>
+              <a:t>Renting an apartment is a common experience for most people at some point in their lives. This research aims to explore price variations across the United States and uncover insights about trends and patterns in rental pricing.</a:t>
             </a:r>
             <a:endParaRPr sz="1500">
               <a:solidFill>
@@ -10819,16 +10906,682 @@
           </a:p>
         </p:txBody>
       </p:sp>
+      <p:pic>
+        <p:nvPicPr>
+          <p:cNvPr id="64" name="Google Shape;64;p14"/>
+          <p:cNvPicPr preferRelativeResize="0"/>
+          <p:nvPr/>
+        </p:nvPicPr>
+        <p:blipFill>
+          <a:blip r:embed="rId3">
+            <a:alphaModFix/>
+          </a:blip>
+          <a:stretch>
+            <a:fillRect/>
+          </a:stretch>
+        </p:blipFill>
+        <p:spPr>
+          <a:xfrm>
+            <a:off x="3351900" y="707150"/>
+            <a:ext cx="5487300" cy="2627475"/>
+          </a:xfrm>
+          <a:prstGeom prst="rect">
+            <a:avLst/>
+          </a:prstGeom>
+          <a:noFill/>
+          <a:ln>
+            <a:noFill/>
+          </a:ln>
+        </p:spPr>
+      </p:pic>
+    </p:spTree>
+  </p:cSld>
+  <p:clrMapOvr>
+    <a:masterClrMapping/>
+  </p:clrMapOvr>
+</p:sld>
+</file>
+
+<file path=ppt/slides/slide20.xml><?xml version="1.0" encoding="utf-8"?>
+<p:sld xmlns:a="http://schemas.openxmlformats.org/drawingml/2006/main" xmlns:r="http://schemas.openxmlformats.org/officeDocument/2006/relationships" xmlns:mc="http://schemas.openxmlformats.org/markup-compatibility/2006" xmlns:mv="urn:schemas-microsoft-com:mac:vml" xmlns:p="http://schemas.openxmlformats.org/presentationml/2006/main" xmlns:c="http://schemas.openxmlformats.org/drawingml/2006/chart" xmlns:dgm="http://schemas.openxmlformats.org/drawingml/2006/diagram" xmlns:o="urn:schemas-microsoft-com:office:office" xmlns:v="urn:schemas-microsoft-com:vml" xmlns:pvml="urn:schemas-microsoft-com:office:powerpoint" xmlns:com="http://schemas.openxmlformats.org/drawingml/2006/compatibility" xmlns:p14="http://schemas.microsoft.com/office/powerpoint/2010/main" xmlns:p15="http://schemas.microsoft.com/office/powerpoint/2012/main" xmlns:ahyp="http://schemas.microsoft.com/office/drawing/2018/hyperlinkcolor">
+  <p:cSld>
+    <p:spTree>
+      <p:nvGrpSpPr>
+        <p:cNvPr id="198" name="Shape 198"/>
+        <p:cNvGrpSpPr/>
+        <p:nvPr/>
+      </p:nvGrpSpPr>
+      <p:grpSpPr>
+        <a:xfrm>
+          <a:off x="0" y="0"/>
+          <a:ext cx="0" cy="0"/>
+          <a:chOff x="0" y="0"/>
+          <a:chExt cx="0" cy="0"/>
+        </a:xfrm>
+      </p:grpSpPr>
       <p:sp>
         <p:nvSpPr>
-          <p:cNvPr id="66" name="Google Shape;66;p14"/>
+          <p:cNvPr id="199" name="Google Shape;199;p32"/>
+          <p:cNvSpPr txBox="1"/>
+          <p:nvPr>
+            <p:ph type="title"/>
+          </p:nvPr>
+        </p:nvSpPr>
+        <p:spPr>
+          <a:xfrm>
+            <a:off x="311700" y="151450"/>
+            <a:ext cx="8520600" cy="572700"/>
+          </a:xfrm>
+          <a:prstGeom prst="rect">
+            <a:avLst/>
+          </a:prstGeom>
+        </p:spPr>
+        <p:txBody>
+          <a:bodyPr anchorCtr="0" anchor="t" bIns="91425" lIns="91425" spcFirstLastPara="1" rIns="91425" wrap="square" tIns="91425">
+            <a:normAutofit/>
+          </a:bodyPr>
+          <a:lstStyle/>
+          <a:p>
+            <a:pPr indent="0" lvl="0" marL="0" rtl="0" algn="l">
+              <a:spcBef>
+                <a:spcPts val="0"/>
+              </a:spcBef>
+              <a:spcAft>
+                <a:spcPts val="0"/>
+              </a:spcAft>
+              <a:buSzPts val="990"/>
+              <a:buNone/>
+            </a:pPr>
+            <a:r>
+              <a:rPr b="1" lang="en" sz="2020">
+                <a:solidFill>
+                  <a:srgbClr val="FB8500"/>
+                </a:solidFill>
+              </a:rPr>
+              <a:t>Regression Between Bedrooms &amp; Bathrooms</a:t>
+            </a:r>
+            <a:endParaRPr b="1" sz="2020">
+              <a:solidFill>
+                <a:srgbClr val="FB8500"/>
+              </a:solidFill>
+            </a:endParaRPr>
+          </a:p>
+        </p:txBody>
+      </p:sp>
+      <p:pic>
+        <p:nvPicPr>
+          <p:cNvPr id="200" name="Google Shape;200;p32"/>
+          <p:cNvPicPr preferRelativeResize="0"/>
+          <p:nvPr/>
+        </p:nvPicPr>
+        <p:blipFill>
+          <a:blip r:embed="rId3">
+            <a:alphaModFix/>
+          </a:blip>
+          <a:stretch>
+            <a:fillRect/>
+          </a:stretch>
+        </p:blipFill>
+        <p:spPr>
+          <a:xfrm>
+            <a:off x="1000526" y="645750"/>
+            <a:ext cx="6623550" cy="4294125"/>
+          </a:xfrm>
+          <a:prstGeom prst="rect">
+            <a:avLst/>
+          </a:prstGeom>
+          <a:noFill/>
+          <a:ln>
+            <a:noFill/>
+          </a:ln>
+        </p:spPr>
+      </p:pic>
+    </p:spTree>
+  </p:cSld>
+  <p:clrMapOvr>
+    <a:masterClrMapping/>
+  </p:clrMapOvr>
+</p:sld>
+</file>
+
+<file path=ppt/slides/slide21.xml><?xml version="1.0" encoding="utf-8"?>
+<p:sld xmlns:a="http://schemas.openxmlformats.org/drawingml/2006/main" xmlns:r="http://schemas.openxmlformats.org/officeDocument/2006/relationships" xmlns:mc="http://schemas.openxmlformats.org/markup-compatibility/2006" xmlns:mv="urn:schemas-microsoft-com:mac:vml" xmlns:p="http://schemas.openxmlformats.org/presentationml/2006/main" xmlns:c="http://schemas.openxmlformats.org/drawingml/2006/chart" xmlns:dgm="http://schemas.openxmlformats.org/drawingml/2006/diagram" xmlns:o="urn:schemas-microsoft-com:office:office" xmlns:v="urn:schemas-microsoft-com:vml" xmlns:pvml="urn:schemas-microsoft-com:office:powerpoint" xmlns:com="http://schemas.openxmlformats.org/drawingml/2006/compatibility" xmlns:p14="http://schemas.microsoft.com/office/powerpoint/2010/main" xmlns:p15="http://schemas.microsoft.com/office/powerpoint/2012/main" xmlns:ahyp="http://schemas.microsoft.com/office/drawing/2018/hyperlinkcolor">
+  <p:cSld>
+    <p:spTree>
+      <p:nvGrpSpPr>
+        <p:cNvPr id="204" name="Shape 204"/>
+        <p:cNvGrpSpPr/>
+        <p:nvPr/>
+      </p:nvGrpSpPr>
+      <p:grpSpPr>
+        <a:xfrm>
+          <a:off x="0" y="0"/>
+          <a:ext cx="0" cy="0"/>
+          <a:chOff x="0" y="0"/>
+          <a:chExt cx="0" cy="0"/>
+        </a:xfrm>
+      </p:grpSpPr>
+      <p:sp>
+        <p:nvSpPr>
+          <p:cNvPr id="205" name="Google Shape;205;p33"/>
+          <p:cNvSpPr txBox="1"/>
+          <p:nvPr/>
+        </p:nvSpPr>
+        <p:spPr>
+          <a:xfrm>
+            <a:off x="320150" y="840000"/>
+            <a:ext cx="8242800" cy="516600"/>
+          </a:xfrm>
+          <a:prstGeom prst="rect">
+            <a:avLst/>
+          </a:prstGeom>
+          <a:noFill/>
+          <a:ln>
+            <a:noFill/>
+          </a:ln>
+        </p:spPr>
+        <p:txBody>
+          <a:bodyPr anchorCtr="0" anchor="t" bIns="91425" lIns="91425" spcFirstLastPara="1" rIns="91425" wrap="square" tIns="91425">
+            <a:noAutofit/>
+          </a:bodyPr>
+          <a:lstStyle/>
+          <a:p>
+            <a:pPr indent="0" lvl="0" marL="457200" rtl="0" algn="l">
+              <a:spcBef>
+                <a:spcPts val="0"/>
+              </a:spcBef>
+              <a:spcAft>
+                <a:spcPts val="0"/>
+              </a:spcAft>
+              <a:buNone/>
+            </a:pPr>
+            <a:r>
+              <a:rPr b="1" lang="en" sz="2000">
+                <a:solidFill>
+                  <a:srgbClr val="023047"/>
+                </a:solidFill>
+              </a:rPr>
+              <a:t>Geographical </a:t>
+            </a:r>
+            <a:endParaRPr b="1" sz="2000">
+              <a:solidFill>
+                <a:srgbClr val="023047"/>
+              </a:solidFill>
+            </a:endParaRPr>
+          </a:p>
+          <a:p>
+            <a:pPr indent="0" lvl="0" marL="457200" rtl="0" algn="l">
+              <a:spcBef>
+                <a:spcPts val="0"/>
+              </a:spcBef>
+              <a:spcAft>
+                <a:spcPts val="0"/>
+              </a:spcAft>
+              <a:buNone/>
+            </a:pPr>
+            <a:r>
+              <a:rPr b="1" lang="en" sz="2000">
+                <a:solidFill>
+                  <a:srgbClr val="023047"/>
+                </a:solidFill>
+              </a:rPr>
+              <a:t>Regressions</a:t>
+            </a:r>
+            <a:endParaRPr b="1" sz="2000">
+              <a:solidFill>
+                <a:srgbClr val="023047"/>
+              </a:solidFill>
+            </a:endParaRPr>
+          </a:p>
+        </p:txBody>
+      </p:sp>
+      <p:pic>
+        <p:nvPicPr>
+          <p:cNvPr id="206" name="Google Shape;206;p33"/>
+          <p:cNvPicPr preferRelativeResize="0"/>
+          <p:nvPr/>
+        </p:nvPicPr>
+        <p:blipFill>
+          <a:blip r:embed="rId3">
+            <a:alphaModFix/>
+          </a:blip>
+          <a:stretch>
+            <a:fillRect/>
+          </a:stretch>
+        </p:blipFill>
+        <p:spPr>
+          <a:xfrm>
+            <a:off x="284800" y="2359100"/>
+            <a:ext cx="4880700" cy="2608925"/>
+          </a:xfrm>
+          <a:prstGeom prst="rect">
+            <a:avLst/>
+          </a:prstGeom>
+          <a:noFill/>
+          <a:ln>
+            <a:noFill/>
+          </a:ln>
+        </p:spPr>
+      </p:pic>
+      <p:pic>
+        <p:nvPicPr>
+          <p:cNvPr id="207" name="Google Shape;207;p33"/>
+          <p:cNvPicPr preferRelativeResize="0"/>
+          <p:nvPr/>
+        </p:nvPicPr>
+        <p:blipFill>
+          <a:blip r:embed="rId4">
+            <a:alphaModFix/>
+          </a:blip>
+          <a:stretch>
+            <a:fillRect/>
+          </a:stretch>
+        </p:blipFill>
+        <p:spPr>
+          <a:xfrm>
+            <a:off x="3904825" y="480400"/>
+            <a:ext cx="4880700" cy="2595852"/>
+          </a:xfrm>
+          <a:prstGeom prst="rect">
+            <a:avLst/>
+          </a:prstGeom>
+          <a:noFill/>
+          <a:ln>
+            <a:noFill/>
+          </a:ln>
+        </p:spPr>
+      </p:pic>
+    </p:spTree>
+  </p:cSld>
+  <p:clrMapOvr>
+    <a:masterClrMapping/>
+  </p:clrMapOvr>
+</p:sld>
+</file>
+
+<file path=ppt/slides/slide22.xml><?xml version="1.0" encoding="utf-8"?>
+<p:sld xmlns:a="http://schemas.openxmlformats.org/drawingml/2006/main" xmlns:r="http://schemas.openxmlformats.org/officeDocument/2006/relationships" xmlns:mc="http://schemas.openxmlformats.org/markup-compatibility/2006" xmlns:mv="urn:schemas-microsoft-com:mac:vml" xmlns:p="http://schemas.openxmlformats.org/presentationml/2006/main" xmlns:c="http://schemas.openxmlformats.org/drawingml/2006/chart" xmlns:dgm="http://schemas.openxmlformats.org/drawingml/2006/diagram" xmlns:o="urn:schemas-microsoft-com:office:office" xmlns:v="urn:schemas-microsoft-com:vml" xmlns:pvml="urn:schemas-microsoft-com:office:powerpoint" xmlns:com="http://schemas.openxmlformats.org/drawingml/2006/compatibility" xmlns:p14="http://schemas.microsoft.com/office/powerpoint/2010/main" xmlns:p15="http://schemas.microsoft.com/office/powerpoint/2012/main" xmlns:ahyp="http://schemas.microsoft.com/office/drawing/2018/hyperlinkcolor">
+  <p:cSld>
+    <p:spTree>
+      <p:nvGrpSpPr>
+        <p:cNvPr id="211" name="Shape 211"/>
+        <p:cNvGrpSpPr/>
+        <p:nvPr/>
+      </p:nvGrpSpPr>
+      <p:grpSpPr>
+        <a:xfrm>
+          <a:off x="0" y="0"/>
+          <a:ext cx="0" cy="0"/>
+          <a:chOff x="0" y="0"/>
+          <a:chExt cx="0" cy="0"/>
+        </a:xfrm>
+      </p:grpSpPr>
+      <p:sp>
+        <p:nvSpPr>
+          <p:cNvPr id="212" name="Google Shape;212;p34"/>
+          <p:cNvSpPr txBox="1"/>
+          <p:nvPr/>
+        </p:nvSpPr>
+        <p:spPr>
+          <a:xfrm>
+            <a:off x="1568100" y="428350"/>
+            <a:ext cx="6007800" cy="800400"/>
+          </a:xfrm>
+          <a:prstGeom prst="rect">
+            <a:avLst/>
+          </a:prstGeom>
+          <a:noFill/>
+          <a:ln>
+            <a:noFill/>
+          </a:ln>
+        </p:spPr>
+        <p:txBody>
+          <a:bodyPr anchorCtr="0" anchor="t" bIns="91425" lIns="91425" spcFirstLastPara="1" rIns="91425" wrap="square" tIns="91425">
+            <a:spAutoFit/>
+          </a:bodyPr>
+          <a:lstStyle/>
+          <a:p>
+            <a:pPr indent="0" lvl="0" marL="0" rtl="0" algn="ctr">
+              <a:spcBef>
+                <a:spcPts val="0"/>
+              </a:spcBef>
+              <a:spcAft>
+                <a:spcPts val="0"/>
+              </a:spcAft>
+              <a:buNone/>
+            </a:pPr>
+            <a:r>
+              <a:rPr lang="en" sz="4000">
+                <a:solidFill>
+                  <a:srgbClr val="023047"/>
+                </a:solidFill>
+                <a:latin typeface="Lexend SemiBold"/>
+                <a:ea typeface="Lexend SemiBold"/>
+                <a:cs typeface="Lexend SemiBold"/>
+                <a:sym typeface="Lexend SemiBold"/>
+              </a:rPr>
+              <a:t>Conclusion</a:t>
+            </a:r>
+            <a:endParaRPr sz="4000">
+              <a:solidFill>
+                <a:srgbClr val="023047"/>
+              </a:solidFill>
+              <a:latin typeface="Lexend SemiBold"/>
+              <a:ea typeface="Lexend SemiBold"/>
+              <a:cs typeface="Lexend SemiBold"/>
+              <a:sym typeface="Lexend SemiBold"/>
+            </a:endParaRPr>
+          </a:p>
+        </p:txBody>
+      </p:sp>
+      <p:sp>
+        <p:nvSpPr>
+          <p:cNvPr id="213" name="Google Shape;213;p34"/>
+          <p:cNvSpPr txBox="1"/>
+          <p:nvPr/>
+        </p:nvSpPr>
+        <p:spPr>
+          <a:xfrm>
+            <a:off x="1209450" y="1228750"/>
+            <a:ext cx="6725100" cy="3509400"/>
+          </a:xfrm>
+          <a:prstGeom prst="rect">
+            <a:avLst/>
+          </a:prstGeom>
+          <a:noFill/>
+          <a:ln>
+            <a:noFill/>
+          </a:ln>
+        </p:spPr>
+        <p:txBody>
+          <a:bodyPr anchorCtr="0" anchor="t" bIns="91425" lIns="91425" spcFirstLastPara="1" rIns="91425" wrap="square" tIns="91425">
+            <a:spAutoFit/>
+          </a:bodyPr>
+          <a:lstStyle/>
+          <a:p>
+            <a:pPr indent="0" lvl="0" marL="0" rtl="0" algn="l">
+              <a:spcBef>
+                <a:spcPts val="0"/>
+              </a:spcBef>
+              <a:spcAft>
+                <a:spcPts val="0"/>
+              </a:spcAft>
+              <a:buClr>
+                <a:schemeClr val="dk1"/>
+              </a:buClr>
+              <a:buSzPts val="1100"/>
+              <a:buFont typeface="Arial"/>
+              <a:buNone/>
+            </a:pPr>
+            <a:r>
+              <a:rPr b="1" lang="en" sz="1800">
+                <a:solidFill>
+                  <a:srgbClr val="8ECAE6"/>
+                </a:solidFill>
+                <a:latin typeface="Lexend"/>
+                <a:ea typeface="Lexend"/>
+                <a:cs typeface="Lexend"/>
+                <a:sym typeface="Lexend"/>
+              </a:rPr>
+              <a:t>Question 1:</a:t>
+            </a:r>
+            <a:r>
+              <a:rPr lang="en" sz="1800">
+                <a:solidFill>
+                  <a:srgbClr val="FB8500"/>
+                </a:solidFill>
+                <a:latin typeface="Lexend"/>
+                <a:ea typeface="Lexend"/>
+                <a:cs typeface="Lexend"/>
+                <a:sym typeface="Lexend"/>
+              </a:rPr>
+              <a:t> Fall and spring have higher average prices with October </a:t>
+            </a:r>
+            <a:r>
+              <a:rPr lang="en" sz="1800">
+                <a:solidFill>
+                  <a:srgbClr val="FB8500"/>
+                </a:solidFill>
+                <a:latin typeface="Lexend"/>
+                <a:ea typeface="Lexend"/>
+                <a:cs typeface="Lexend"/>
+                <a:sym typeface="Lexend"/>
+              </a:rPr>
+              <a:t>being</a:t>
+            </a:r>
+            <a:r>
+              <a:rPr lang="en" sz="1800">
+                <a:solidFill>
+                  <a:srgbClr val="FB8500"/>
+                </a:solidFill>
+                <a:latin typeface="Lexend"/>
+                <a:ea typeface="Lexend"/>
+                <a:cs typeface="Lexend"/>
+                <a:sym typeface="Lexend"/>
+              </a:rPr>
+              <a:t> the highest overall</a:t>
+            </a:r>
+            <a:endParaRPr sz="1800">
+              <a:solidFill>
+                <a:srgbClr val="FB8500"/>
+              </a:solidFill>
+              <a:latin typeface="Lexend"/>
+              <a:ea typeface="Lexend"/>
+              <a:cs typeface="Lexend"/>
+              <a:sym typeface="Lexend"/>
+            </a:endParaRPr>
+          </a:p>
+          <a:p>
+            <a:pPr indent="0" lvl="0" marL="0" rtl="0" algn="l">
+              <a:spcBef>
+                <a:spcPts val="0"/>
+              </a:spcBef>
+              <a:spcAft>
+                <a:spcPts val="0"/>
+              </a:spcAft>
+              <a:buClr>
+                <a:schemeClr val="dk1"/>
+              </a:buClr>
+              <a:buSzPts val="1100"/>
+              <a:buFont typeface="Arial"/>
+              <a:buNone/>
+            </a:pPr>
+            <a:r>
+              <a:t/>
+            </a:r>
+            <a:endParaRPr sz="1800">
+              <a:solidFill>
+                <a:srgbClr val="FB8500"/>
+              </a:solidFill>
+              <a:latin typeface="Lexend"/>
+              <a:ea typeface="Lexend"/>
+              <a:cs typeface="Lexend"/>
+              <a:sym typeface="Lexend"/>
+            </a:endParaRPr>
+          </a:p>
+          <a:p>
+            <a:pPr indent="0" lvl="0" marL="0" rtl="0" algn="l">
+              <a:spcBef>
+                <a:spcPts val="0"/>
+              </a:spcBef>
+              <a:spcAft>
+                <a:spcPts val="0"/>
+              </a:spcAft>
+              <a:buClr>
+                <a:schemeClr val="dk1"/>
+              </a:buClr>
+              <a:buSzPts val="1100"/>
+              <a:buFont typeface="Arial"/>
+              <a:buNone/>
+            </a:pPr>
+            <a:r>
+              <a:rPr b="1" lang="en" sz="1800">
+                <a:solidFill>
+                  <a:srgbClr val="8ECAE6"/>
+                </a:solidFill>
+                <a:latin typeface="Lexend"/>
+                <a:ea typeface="Lexend"/>
+                <a:cs typeface="Lexend"/>
+                <a:sym typeface="Lexend"/>
+              </a:rPr>
+              <a:t>Question 2:</a:t>
+            </a:r>
+            <a:r>
+              <a:rPr lang="en" sz="1800">
+                <a:solidFill>
+                  <a:srgbClr val="FB8500"/>
+                </a:solidFill>
+                <a:latin typeface="Lexend"/>
+                <a:ea typeface="Lexend"/>
+                <a:cs typeface="Lexend"/>
+                <a:sym typeface="Lexend"/>
+              </a:rPr>
+              <a:t> California, New York, and Hawaii have the highest state prices while Wyoming, New Mexico and West Virginia have the lowest. Cities with the highest rent prices are: Sebastopol (CA), </a:t>
+            </a:r>
+            <a:r>
+              <a:rPr lang="en" sz="1800">
+                <a:solidFill>
+                  <a:srgbClr val="FB8500"/>
+                </a:solidFill>
+                <a:latin typeface="Lexend"/>
+                <a:ea typeface="Lexend"/>
+                <a:cs typeface="Lexend"/>
+                <a:sym typeface="Lexend"/>
+              </a:rPr>
+              <a:t>Monticello</a:t>
+            </a:r>
+            <a:r>
+              <a:rPr lang="en" sz="1800">
+                <a:solidFill>
+                  <a:srgbClr val="FB8500"/>
+                </a:solidFill>
+                <a:latin typeface="Lexend"/>
+                <a:ea typeface="Lexend"/>
+                <a:cs typeface="Lexend"/>
+                <a:sym typeface="Lexend"/>
+              </a:rPr>
+              <a:t> (CA), and Key Biscayne (FL). The least expensive cities are: Michigan City (MI), Huron (OH), and Glasco (KS).</a:t>
+            </a:r>
+            <a:endParaRPr sz="1800">
+              <a:solidFill>
+                <a:srgbClr val="FB8500"/>
+              </a:solidFill>
+              <a:latin typeface="Lexend"/>
+              <a:ea typeface="Lexend"/>
+              <a:cs typeface="Lexend"/>
+              <a:sym typeface="Lexend"/>
+            </a:endParaRPr>
+          </a:p>
+          <a:p>
+            <a:pPr indent="0" lvl="0" marL="0" rtl="0" algn="l">
+              <a:spcBef>
+                <a:spcPts val="0"/>
+              </a:spcBef>
+              <a:spcAft>
+                <a:spcPts val="0"/>
+              </a:spcAft>
+              <a:buClr>
+                <a:schemeClr val="dk1"/>
+              </a:buClr>
+              <a:buSzPts val="1100"/>
+              <a:buFont typeface="Arial"/>
+              <a:buNone/>
+            </a:pPr>
+            <a:r>
+              <a:t/>
+            </a:r>
+            <a:endParaRPr sz="1800">
+              <a:solidFill>
+                <a:srgbClr val="FB8500"/>
+              </a:solidFill>
+              <a:latin typeface="Lexend"/>
+              <a:ea typeface="Lexend"/>
+              <a:cs typeface="Lexend"/>
+              <a:sym typeface="Lexend"/>
+            </a:endParaRPr>
+          </a:p>
+          <a:p>
+            <a:pPr indent="0" lvl="0" marL="0" rtl="0" algn="l">
+              <a:spcBef>
+                <a:spcPts val="0"/>
+              </a:spcBef>
+              <a:spcAft>
+                <a:spcPts val="0"/>
+              </a:spcAft>
+              <a:buClr>
+                <a:schemeClr val="dk1"/>
+              </a:buClr>
+              <a:buSzPts val="1100"/>
+              <a:buFont typeface="Arial"/>
+              <a:buNone/>
+            </a:pPr>
+            <a:r>
+              <a:rPr b="1" lang="en" sz="1800">
+                <a:solidFill>
+                  <a:srgbClr val="8ECAE6"/>
+                </a:solidFill>
+                <a:latin typeface="Lexend"/>
+                <a:ea typeface="Lexend"/>
+                <a:cs typeface="Lexend"/>
+                <a:sym typeface="Lexend"/>
+              </a:rPr>
+              <a:t>Question 3:</a:t>
+            </a:r>
+            <a:r>
+              <a:rPr lang="en" sz="1800">
+                <a:solidFill>
+                  <a:srgbClr val="FB8500"/>
+                </a:solidFill>
+                <a:latin typeface="Lexend"/>
+                <a:ea typeface="Lexend"/>
+                <a:cs typeface="Lexend"/>
+                <a:sym typeface="Lexend"/>
+              </a:rPr>
+              <a:t> Renters value more square footage above amount of bathrooms and bedrooms</a:t>
+            </a:r>
+            <a:endParaRPr sz="1800">
+              <a:solidFill>
+                <a:srgbClr val="FB8500"/>
+              </a:solidFill>
+            </a:endParaRPr>
+          </a:p>
+        </p:txBody>
+      </p:sp>
+    </p:spTree>
+  </p:cSld>
+  <p:clrMapOvr>
+    <a:masterClrMapping/>
+  </p:clrMapOvr>
+</p:sld>
+</file>
+
+<file path=ppt/slides/slide3.xml><?xml version="1.0" encoding="utf-8"?>
+<p:sld xmlns:a="http://schemas.openxmlformats.org/drawingml/2006/main" xmlns:r="http://schemas.openxmlformats.org/officeDocument/2006/relationships" xmlns:mc="http://schemas.openxmlformats.org/markup-compatibility/2006" xmlns:mv="urn:schemas-microsoft-com:mac:vml" xmlns:p="http://schemas.openxmlformats.org/presentationml/2006/main" xmlns:c="http://schemas.openxmlformats.org/drawingml/2006/chart" xmlns:dgm="http://schemas.openxmlformats.org/drawingml/2006/diagram" xmlns:o="urn:schemas-microsoft-com:office:office" xmlns:v="urn:schemas-microsoft-com:vml" xmlns:pvml="urn:schemas-microsoft-com:office:powerpoint" xmlns:com="http://schemas.openxmlformats.org/drawingml/2006/compatibility" xmlns:p14="http://schemas.microsoft.com/office/powerpoint/2010/main" xmlns:p15="http://schemas.microsoft.com/office/powerpoint/2012/main" xmlns:ahyp="http://schemas.microsoft.com/office/drawing/2018/hyperlinkcolor">
+  <p:cSld>
+    <p:spTree>
+      <p:nvGrpSpPr>
+        <p:cNvPr id="68" name="Shape 68"/>
+        <p:cNvGrpSpPr/>
+        <p:nvPr/>
+      </p:nvGrpSpPr>
+      <p:grpSpPr>
+        <a:xfrm>
+          <a:off x="0" y="0"/>
+          <a:ext cx="0" cy="0"/>
+          <a:chOff x="0" y="0"/>
+          <a:chExt cx="0" cy="0"/>
+        </a:xfrm>
+      </p:grpSpPr>
+      <p:sp>
+        <p:nvSpPr>
+          <p:cNvPr id="69" name="Google Shape;69;p15"/>
           <p:cNvSpPr/>
           <p:nvPr/>
         </p:nvSpPr>
         <p:spPr>
           <a:xfrm>
-            <a:off x="3281275" y="3030850"/>
-            <a:ext cx="2460000" cy="1405800"/>
+            <a:off x="536300" y="3030850"/>
+            <a:ext cx="2372700" cy="1405800"/>
           </a:xfrm>
           <a:prstGeom prst="roundRect">
             <a:avLst>
@@ -10870,14 +11623,14 @@
       </p:sp>
       <p:sp>
         <p:nvSpPr>
-          <p:cNvPr id="67" name="Google Shape;67;p14"/>
+          <p:cNvPr id="70" name="Google Shape;70;p15"/>
           <p:cNvSpPr txBox="1"/>
           <p:nvPr/>
         </p:nvSpPr>
         <p:spPr>
           <a:xfrm>
-            <a:off x="3281275" y="3032300"/>
-            <a:ext cx="2460000" cy="461700"/>
+            <a:off x="406275" y="202150"/>
+            <a:ext cx="1901400" cy="569400"/>
           </a:xfrm>
           <a:prstGeom prst="rect">
             <a:avLst/>
@@ -10893,7 +11646,7 @@
           </a:bodyPr>
           <a:lstStyle/>
           <a:p>
-            <a:pPr indent="0" lvl="0" marL="0" rtl="0" algn="ctr">
+            <a:pPr indent="0" lvl="0" marL="0" rtl="0" algn="l">
               <a:spcBef>
                 <a:spcPts val="0"/>
               </a:spcBef>
@@ -10903,16 +11656,222 @@
               <a:buNone/>
             </a:pPr>
             <a:r>
-              <a:rPr lang="en" sz="1800">
-                <a:solidFill>
-                  <a:srgbClr val="219EBC"/>
+              <a:rPr lang="en" sz="2500">
+                <a:solidFill>
+                  <a:srgbClr val="023047"/>
                 </a:solidFill>
                 <a:latin typeface="Lexend SemiBold"/>
                 <a:ea typeface="Lexend SemiBold"/>
                 <a:cs typeface="Lexend SemiBold"/>
                 <a:sym typeface="Lexend SemiBold"/>
               </a:rPr>
-              <a:t>Regional Variations</a:t>
+              <a:t>Objective</a:t>
+            </a:r>
+            <a:endParaRPr sz="2500">
+              <a:solidFill>
+                <a:srgbClr val="023047"/>
+              </a:solidFill>
+              <a:latin typeface="Lexend SemiBold"/>
+              <a:ea typeface="Lexend SemiBold"/>
+              <a:cs typeface="Lexend SemiBold"/>
+              <a:sym typeface="Lexend SemiBold"/>
+            </a:endParaRPr>
+          </a:p>
+        </p:txBody>
+      </p:sp>
+      <p:pic>
+        <p:nvPicPr>
+          <p:cNvPr id="71" name="Google Shape;71;p15"/>
+          <p:cNvPicPr preferRelativeResize="0"/>
+          <p:nvPr/>
+        </p:nvPicPr>
+        <p:blipFill>
+          <a:blip r:embed="rId3">
+            <a:alphaModFix/>
+          </a:blip>
+          <a:stretch>
+            <a:fillRect/>
+          </a:stretch>
+        </p:blipFill>
+        <p:spPr>
+          <a:xfrm>
+            <a:off x="4948475" y="202150"/>
+            <a:ext cx="3827100" cy="2575074"/>
+          </a:xfrm>
+          <a:prstGeom prst="rect">
+            <a:avLst/>
+          </a:prstGeom>
+          <a:noFill/>
+          <a:ln>
+            <a:noFill/>
+          </a:ln>
+          <a:effectLst>
+            <a:outerShdw blurRad="57150" rotWithShape="0" algn="bl" dir="5400000" dist="19050">
+              <a:srgbClr val="000000">
+                <a:alpha val="50000"/>
+              </a:srgbClr>
+            </a:outerShdw>
+          </a:effectLst>
+        </p:spPr>
+      </p:pic>
+      <p:sp>
+        <p:nvSpPr>
+          <p:cNvPr id="72" name="Google Shape;72;p15"/>
+          <p:cNvSpPr txBox="1"/>
+          <p:nvPr/>
+        </p:nvSpPr>
+        <p:spPr>
+          <a:xfrm>
+            <a:off x="406275" y="707150"/>
+            <a:ext cx="3827100" cy="2124000"/>
+          </a:xfrm>
+          <a:prstGeom prst="rect">
+            <a:avLst/>
+          </a:prstGeom>
+          <a:noFill/>
+          <a:ln>
+            <a:noFill/>
+          </a:ln>
+        </p:spPr>
+        <p:txBody>
+          <a:bodyPr anchorCtr="0" anchor="t" bIns="91425" lIns="91425" spcFirstLastPara="1" rIns="91425" wrap="square" tIns="91425">
+            <a:spAutoFit/>
+          </a:bodyPr>
+          <a:lstStyle/>
+          <a:p>
+            <a:pPr indent="0" lvl="0" marL="0" rtl="0" algn="l">
+              <a:spcBef>
+                <a:spcPts val="0"/>
+              </a:spcBef>
+              <a:spcAft>
+                <a:spcPts val="0"/>
+              </a:spcAft>
+              <a:buNone/>
+            </a:pPr>
+            <a:r>
+              <a:rPr lang="en" sz="1800">
+                <a:solidFill>
+                  <a:schemeClr val="dk2"/>
+                </a:solidFill>
+                <a:latin typeface="Lexend"/>
+                <a:ea typeface="Lexend"/>
+                <a:cs typeface="Lexend"/>
+                <a:sym typeface="Lexend"/>
+              </a:rPr>
+              <a:t>Analyze our data to find most important factors to customers when they are renting for apartments.</a:t>
+            </a:r>
+            <a:endParaRPr sz="1800">
+              <a:solidFill>
+                <a:schemeClr val="dk2"/>
+              </a:solidFill>
+              <a:latin typeface="Lexend"/>
+              <a:ea typeface="Lexend"/>
+              <a:cs typeface="Lexend"/>
+              <a:sym typeface="Lexend"/>
+            </a:endParaRPr>
+          </a:p>
+          <a:p>
+            <a:pPr indent="0" lvl="0" marL="0" rtl="0" algn="l">
+              <a:spcBef>
+                <a:spcPts val="0"/>
+              </a:spcBef>
+              <a:spcAft>
+                <a:spcPts val="0"/>
+              </a:spcAft>
+              <a:buNone/>
+            </a:pPr>
+            <a:r>
+              <a:t/>
+            </a:r>
+            <a:endParaRPr sz="1800">
+              <a:solidFill>
+                <a:schemeClr val="dk2"/>
+              </a:solidFill>
+              <a:latin typeface="Lexend"/>
+              <a:ea typeface="Lexend"/>
+              <a:cs typeface="Lexend"/>
+              <a:sym typeface="Lexend"/>
+            </a:endParaRPr>
+          </a:p>
+          <a:p>
+            <a:pPr indent="0" lvl="0" marL="0" rtl="0" algn="l">
+              <a:spcBef>
+                <a:spcPts val="0"/>
+              </a:spcBef>
+              <a:spcAft>
+                <a:spcPts val="0"/>
+              </a:spcAft>
+              <a:buNone/>
+            </a:pPr>
+            <a:r>
+              <a:rPr lang="en" sz="1800">
+                <a:solidFill>
+                  <a:schemeClr val="dk2"/>
+                </a:solidFill>
+                <a:latin typeface="Lexend"/>
+                <a:ea typeface="Lexend"/>
+                <a:cs typeface="Lexend"/>
+                <a:sym typeface="Lexend"/>
+              </a:rPr>
+              <a:t>We will attempt to answer the following questions:</a:t>
+            </a:r>
+            <a:endParaRPr sz="1800">
+              <a:solidFill>
+                <a:schemeClr val="dk2"/>
+              </a:solidFill>
+              <a:latin typeface="Lexend"/>
+              <a:ea typeface="Lexend"/>
+              <a:cs typeface="Lexend"/>
+              <a:sym typeface="Lexend"/>
+            </a:endParaRPr>
+          </a:p>
+        </p:txBody>
+      </p:sp>
+      <p:sp>
+        <p:nvSpPr>
+          <p:cNvPr id="73" name="Google Shape;73;p15"/>
+          <p:cNvSpPr txBox="1"/>
+          <p:nvPr/>
+        </p:nvSpPr>
+        <p:spPr>
+          <a:xfrm>
+            <a:off x="678500" y="3032300"/>
+            <a:ext cx="2088300" cy="461700"/>
+          </a:xfrm>
+          <a:prstGeom prst="rect">
+            <a:avLst/>
+          </a:prstGeom>
+          <a:noFill/>
+          <a:ln>
+            <a:noFill/>
+          </a:ln>
+        </p:spPr>
+        <p:txBody>
+          <a:bodyPr anchorCtr="0" anchor="t" bIns="91425" lIns="91425" spcFirstLastPara="1" rIns="91425" wrap="square" tIns="91425">
+            <a:spAutoFit/>
+          </a:bodyPr>
+          <a:lstStyle/>
+          <a:p>
+            <a:pPr indent="0" lvl="0" marL="0" rtl="0" algn="ctr">
+              <a:spcBef>
+                <a:spcPts val="0"/>
+              </a:spcBef>
+              <a:spcAft>
+                <a:spcPts val="0"/>
+              </a:spcAft>
+              <a:buNone/>
+            </a:pPr>
+            <a:r>
+              <a:rPr lang="en" sz="1800">
+                <a:solidFill>
+                  <a:srgbClr val="219EBC"/>
+                </a:solidFill>
+                <a:latin typeface="Lexend SemiBold"/>
+                <a:ea typeface="Lexend SemiBold"/>
+                <a:cs typeface="Lexend SemiBold"/>
+                <a:sym typeface="Lexend SemiBold"/>
+              </a:rPr>
+              <a:t>Seasonal Trends</a:t>
             </a:r>
             <a:endParaRPr sz="1800">
               <a:solidFill>
@@ -10928,14 +11887,14 @@
       </p:sp>
       <p:sp>
         <p:nvSpPr>
-          <p:cNvPr id="68" name="Google Shape;68;p14"/>
+          <p:cNvPr id="74" name="Google Shape;74;p15"/>
           <p:cNvSpPr txBox="1"/>
           <p:nvPr/>
         </p:nvSpPr>
         <p:spPr>
           <a:xfrm>
-            <a:off x="3401125" y="3437125"/>
-            <a:ext cx="2220300" cy="877200"/>
+            <a:off x="633800" y="3494000"/>
+            <a:ext cx="2177700" cy="877200"/>
           </a:xfrm>
           <a:prstGeom prst="rect">
             <a:avLst/>
@@ -10970,7 +11929,7 @@
                 <a:cs typeface="Lexend"/>
                 <a:sym typeface="Lexend"/>
               </a:rPr>
-              <a:t>How do apartment prices vary by state and by city?</a:t>
+              <a:t>Are there any trends in apartments prices throughout the year?</a:t>
             </a:r>
             <a:endParaRPr sz="1500">
               <a:solidFill>
@@ -10986,13 +11945,13 @@
       </p:sp>
       <p:sp>
         <p:nvSpPr>
-          <p:cNvPr id="69" name="Google Shape;69;p14"/>
+          <p:cNvPr id="75" name="Google Shape;75;p15"/>
           <p:cNvSpPr/>
           <p:nvPr/>
         </p:nvSpPr>
         <p:spPr>
           <a:xfrm>
-            <a:off x="6211050" y="3030850"/>
+            <a:off x="3281275" y="3030850"/>
             <a:ext cx="2460000" cy="1405800"/>
           </a:xfrm>
           <a:prstGeom prst="roundRect">
@@ -11035,14 +11994,14 @@
       </p:sp>
       <p:sp>
         <p:nvSpPr>
-          <p:cNvPr id="70" name="Google Shape;70;p14"/>
+          <p:cNvPr id="76" name="Google Shape;76;p15"/>
           <p:cNvSpPr txBox="1"/>
           <p:nvPr/>
         </p:nvSpPr>
         <p:spPr>
           <a:xfrm>
-            <a:off x="7020000" y="3032288"/>
-            <a:ext cx="842100" cy="461700"/>
+            <a:off x="3281275" y="3032300"/>
+            <a:ext cx="2460000" cy="461700"/>
           </a:xfrm>
           <a:prstGeom prst="rect">
             <a:avLst/>
@@ -11077,7 +12036,7 @@
                 <a:cs typeface="Lexend SemiBold"/>
                 <a:sym typeface="Lexend SemiBold"/>
               </a:rPr>
-              <a:t>Value</a:t>
+              <a:t>Regional Variations</a:t>
             </a:r>
             <a:endParaRPr sz="1800">
               <a:solidFill>
@@ -11093,7 +12052,172 @@
       </p:sp>
       <p:sp>
         <p:nvSpPr>
-          <p:cNvPr id="71" name="Google Shape;71;p14"/>
+          <p:cNvPr id="77" name="Google Shape;77;p15"/>
+          <p:cNvSpPr txBox="1"/>
+          <p:nvPr/>
+        </p:nvSpPr>
+        <p:spPr>
+          <a:xfrm>
+            <a:off x="3401125" y="3437125"/>
+            <a:ext cx="2220300" cy="877200"/>
+          </a:xfrm>
+          <a:prstGeom prst="rect">
+            <a:avLst/>
+          </a:prstGeom>
+          <a:noFill/>
+          <a:ln>
+            <a:noFill/>
+          </a:ln>
+        </p:spPr>
+        <p:txBody>
+          <a:bodyPr anchorCtr="0" anchor="t" bIns="91425" lIns="91425" spcFirstLastPara="1" rIns="91425" wrap="square" tIns="91425">
+            <a:spAutoFit/>
+          </a:bodyPr>
+          <a:lstStyle/>
+          <a:p>
+            <a:pPr indent="0" lvl="0" marL="0" rtl="0" algn="ctr">
+              <a:spcBef>
+                <a:spcPts val="0"/>
+              </a:spcBef>
+              <a:spcAft>
+                <a:spcPts val="0"/>
+              </a:spcAft>
+              <a:buNone/>
+            </a:pPr>
+            <a:r>
+              <a:rPr lang="en" sz="1500">
+                <a:solidFill>
+                  <a:schemeClr val="dk2"/>
+                </a:solidFill>
+                <a:latin typeface="Lexend"/>
+                <a:ea typeface="Lexend"/>
+                <a:cs typeface="Lexend"/>
+                <a:sym typeface="Lexend"/>
+              </a:rPr>
+              <a:t>How do apartment prices vary by state and by city?</a:t>
+            </a:r>
+            <a:endParaRPr sz="1500">
+              <a:solidFill>
+                <a:schemeClr val="dk2"/>
+              </a:solidFill>
+              <a:latin typeface="Lexend"/>
+              <a:ea typeface="Lexend"/>
+              <a:cs typeface="Lexend"/>
+              <a:sym typeface="Lexend"/>
+            </a:endParaRPr>
+          </a:p>
+        </p:txBody>
+      </p:sp>
+      <p:sp>
+        <p:nvSpPr>
+          <p:cNvPr id="78" name="Google Shape;78;p15"/>
+          <p:cNvSpPr/>
+          <p:nvPr/>
+        </p:nvSpPr>
+        <p:spPr>
+          <a:xfrm>
+            <a:off x="6211050" y="3030850"/>
+            <a:ext cx="2460000" cy="1405800"/>
+          </a:xfrm>
+          <a:prstGeom prst="roundRect">
+            <a:avLst>
+              <a:gd fmla="val 16667" name="adj"/>
+            </a:avLst>
+          </a:prstGeom>
+          <a:noFill/>
+          <a:ln cap="flat" cmpd="sng" w="9525">
+            <a:solidFill>
+              <a:srgbClr val="8ECAE6"/>
+            </a:solidFill>
+            <a:prstDash val="solid"/>
+            <a:round/>
+            <a:headEnd len="sm" w="sm" type="none"/>
+            <a:tailEnd len="sm" w="sm" type="none"/>
+          </a:ln>
+        </p:spPr>
+        <p:txBody>
+          <a:bodyPr anchorCtr="0" anchor="ctr" bIns="91425" lIns="91425" spcFirstLastPara="1" rIns="91425" wrap="square" tIns="91425">
+            <a:noAutofit/>
+          </a:bodyPr>
+          <a:lstStyle/>
+          <a:p>
+            <a:pPr indent="0" lvl="0" marL="0" rtl="0" algn="ctr">
+              <a:spcBef>
+                <a:spcPts val="0"/>
+              </a:spcBef>
+              <a:spcAft>
+                <a:spcPts val="0"/>
+              </a:spcAft>
+              <a:buNone/>
+            </a:pPr>
+            <a:r>
+              <a:t/>
+            </a:r>
+            <a:endParaRPr/>
+          </a:p>
+        </p:txBody>
+      </p:sp>
+      <p:sp>
+        <p:nvSpPr>
+          <p:cNvPr id="79" name="Google Shape;79;p15"/>
+          <p:cNvSpPr txBox="1"/>
+          <p:nvPr/>
+        </p:nvSpPr>
+        <p:spPr>
+          <a:xfrm>
+            <a:off x="7020000" y="3032288"/>
+            <a:ext cx="842100" cy="461700"/>
+          </a:xfrm>
+          <a:prstGeom prst="rect">
+            <a:avLst/>
+          </a:prstGeom>
+          <a:noFill/>
+          <a:ln>
+            <a:noFill/>
+          </a:ln>
+        </p:spPr>
+        <p:txBody>
+          <a:bodyPr anchorCtr="0" anchor="t" bIns="91425" lIns="91425" spcFirstLastPara="1" rIns="91425" wrap="square" tIns="91425">
+            <a:spAutoFit/>
+          </a:bodyPr>
+          <a:lstStyle/>
+          <a:p>
+            <a:pPr indent="0" lvl="0" marL="0" rtl="0" algn="ctr">
+              <a:spcBef>
+                <a:spcPts val="0"/>
+              </a:spcBef>
+              <a:spcAft>
+                <a:spcPts val="0"/>
+              </a:spcAft>
+              <a:buNone/>
+            </a:pPr>
+            <a:r>
+              <a:rPr lang="en" sz="1800">
+                <a:solidFill>
+                  <a:srgbClr val="219EBC"/>
+                </a:solidFill>
+                <a:latin typeface="Lexend SemiBold"/>
+                <a:ea typeface="Lexend SemiBold"/>
+                <a:cs typeface="Lexend SemiBold"/>
+                <a:sym typeface="Lexend SemiBold"/>
+              </a:rPr>
+              <a:t>Value</a:t>
+            </a:r>
+            <a:endParaRPr sz="1800">
+              <a:solidFill>
+                <a:srgbClr val="219EBC"/>
+              </a:solidFill>
+              <a:latin typeface="Lexend SemiBold"/>
+              <a:ea typeface="Lexend SemiBold"/>
+              <a:cs typeface="Lexend SemiBold"/>
+              <a:sym typeface="Lexend SemiBold"/>
+            </a:endParaRPr>
+          </a:p>
+        </p:txBody>
+      </p:sp>
+      <p:sp>
+        <p:nvSpPr>
+          <p:cNvPr id="80" name="Google Shape;80;p15"/>
           <p:cNvSpPr txBox="1"/>
           <p:nvPr/>
         </p:nvSpPr>
@@ -11157,12 +12281,12 @@
 </p:sld>
 </file>
 
-<file path=ppt/slides/slide20.xml><?xml version="1.0" encoding="utf-8"?>
+<file path=ppt/slides/slide4.xml><?xml version="1.0" encoding="utf-8"?>
 <p:sld xmlns:a="http://schemas.openxmlformats.org/drawingml/2006/main" xmlns:r="http://schemas.openxmlformats.org/officeDocument/2006/relationships" xmlns:mc="http://schemas.openxmlformats.org/markup-compatibility/2006" xmlns:mv="urn:schemas-microsoft-com:mac:vml" xmlns:p="http://schemas.openxmlformats.org/presentationml/2006/main" xmlns:c="http://schemas.openxmlformats.org/drawingml/2006/chart" xmlns:dgm="http://schemas.openxmlformats.org/drawingml/2006/diagram" xmlns:o="urn:schemas-microsoft-com:office:office" xmlns:v="urn:schemas-microsoft-com:vml" xmlns:pvml="urn:schemas-microsoft-com:office:powerpoint" xmlns:com="http://schemas.openxmlformats.org/drawingml/2006/compatibility" xmlns:p14="http://schemas.microsoft.com/office/powerpoint/2010/main" xmlns:p15="http://schemas.microsoft.com/office/powerpoint/2012/main" xmlns:ahyp="http://schemas.microsoft.com/office/drawing/2018/hyperlinkcolor">
   <p:cSld>
     <p:spTree>
       <p:nvGrpSpPr>
-        <p:cNvPr id="205" name="Shape 205"/>
+        <p:cNvPr id="84" name="Shape 84"/>
         <p:cNvGrpSpPr/>
         <p:nvPr/>
       </p:nvGrpSpPr>
@@ -11176,404 +12300,13 @@
       </p:grpSpPr>
       <p:sp>
         <p:nvSpPr>
-          <p:cNvPr id="206" name="Google Shape;206;p32"/>
-          <p:cNvSpPr txBox="1"/>
-          <p:nvPr>
-            <p:ph type="title"/>
-          </p:nvPr>
-        </p:nvSpPr>
-        <p:spPr>
-          <a:xfrm>
-            <a:off x="311700" y="445025"/>
-            <a:ext cx="8520600" cy="572700"/>
-          </a:xfrm>
-          <a:prstGeom prst="rect">
-            <a:avLst/>
-          </a:prstGeom>
-        </p:spPr>
-        <p:txBody>
-          <a:bodyPr anchorCtr="0" anchor="t" bIns="91425" lIns="91425" spcFirstLastPara="1" rIns="91425" wrap="square" tIns="91425">
-            <a:normAutofit fontScale="90000"/>
-          </a:bodyPr>
-          <a:lstStyle/>
-          <a:p>
-            <a:pPr indent="0" lvl="0" marL="0" rtl="0" algn="l">
-              <a:spcBef>
-                <a:spcPts val="0"/>
-              </a:spcBef>
-              <a:spcAft>
-                <a:spcPts val="0"/>
-              </a:spcAft>
-              <a:buNone/>
-            </a:pPr>
-            <a:r>
-              <a:rPr lang="en"/>
-              <a:t>Conclusion</a:t>
-            </a:r>
-            <a:endParaRPr/>
-          </a:p>
-        </p:txBody>
-      </p:sp>
-      <p:sp>
-        <p:nvSpPr>
-          <p:cNvPr id="207" name="Google Shape;207;p32"/>
-          <p:cNvSpPr txBox="1"/>
-          <p:nvPr>
-            <p:ph idx="1" type="body"/>
-          </p:nvPr>
-        </p:nvSpPr>
-        <p:spPr>
-          <a:xfrm>
-            <a:off x="311700" y="1152475"/>
-            <a:ext cx="8520600" cy="3416400"/>
-          </a:xfrm>
-          <a:prstGeom prst="rect">
-            <a:avLst/>
-          </a:prstGeom>
-        </p:spPr>
-        <p:txBody>
-          <a:bodyPr anchorCtr="0" anchor="t" bIns="91425" lIns="91425" spcFirstLastPara="1" rIns="91425" wrap="square" tIns="91425">
-            <a:normAutofit/>
-          </a:bodyPr>
-          <a:lstStyle/>
-          <a:p>
-            <a:pPr indent="-342900" lvl="0" marL="457200" rtl="0" algn="l">
-              <a:spcBef>
-                <a:spcPts val="0"/>
-              </a:spcBef>
-              <a:spcAft>
-                <a:spcPts val="0"/>
-              </a:spcAft>
-              <a:buSzPts val="1800"/>
-              <a:buChar char="-"/>
-            </a:pPr>
-            <a:r>
-              <a:rPr lang="en"/>
-              <a:t>Question 1: Fall and spring have higher prices…  </a:t>
-            </a:r>
-            <a:endParaRPr/>
-          </a:p>
-          <a:p>
-            <a:pPr indent="-342900" lvl="0" marL="457200" rtl="0" algn="l">
-              <a:spcBef>
-                <a:spcPts val="0"/>
-              </a:spcBef>
-              <a:spcAft>
-                <a:spcPts val="0"/>
-              </a:spcAft>
-              <a:buSzPts val="1800"/>
-              <a:buChar char="-"/>
-            </a:pPr>
-            <a:r>
-              <a:rPr lang="en"/>
-              <a:t>Question 2: California, New York, and Hawaii…</a:t>
-            </a:r>
-            <a:endParaRPr/>
-          </a:p>
-          <a:p>
-            <a:pPr indent="-342900" lvl="0" marL="457200" rtl="0" algn="l">
-              <a:spcBef>
-                <a:spcPts val="0"/>
-              </a:spcBef>
-              <a:spcAft>
-                <a:spcPts val="0"/>
-              </a:spcAft>
-              <a:buSzPts val="1800"/>
-              <a:buChar char="-"/>
-            </a:pPr>
-            <a:r>
-              <a:rPr lang="en"/>
-              <a:t>Question 3: …</a:t>
-            </a:r>
-            <a:endParaRPr/>
-          </a:p>
-        </p:txBody>
-      </p:sp>
-    </p:spTree>
-  </p:cSld>
-  <p:clrMapOvr>
-    <a:masterClrMapping/>
-  </p:clrMapOvr>
-</p:sld>
-</file>
-
-<file path=ppt/slides/slide3.xml><?xml version="1.0" encoding="utf-8"?>
-<p:sld xmlns:a="http://schemas.openxmlformats.org/drawingml/2006/main" xmlns:r="http://schemas.openxmlformats.org/officeDocument/2006/relationships" xmlns:mc="http://schemas.openxmlformats.org/markup-compatibility/2006" xmlns:mv="urn:schemas-microsoft-com:mac:vml" xmlns:p="http://schemas.openxmlformats.org/presentationml/2006/main" xmlns:c="http://schemas.openxmlformats.org/drawingml/2006/chart" xmlns:dgm="http://schemas.openxmlformats.org/drawingml/2006/diagram" xmlns:o="urn:schemas-microsoft-com:office:office" xmlns:v="urn:schemas-microsoft-com:vml" xmlns:pvml="urn:schemas-microsoft-com:office:powerpoint" xmlns:com="http://schemas.openxmlformats.org/drawingml/2006/compatibility" xmlns:p14="http://schemas.microsoft.com/office/powerpoint/2010/main" xmlns:p15="http://schemas.microsoft.com/office/powerpoint/2012/main" xmlns:ahyp="http://schemas.microsoft.com/office/drawing/2018/hyperlinkcolor">
-  <p:cSld>
-    <p:spTree>
-      <p:nvGrpSpPr>
-        <p:cNvPr id="75" name="Shape 75"/>
-        <p:cNvGrpSpPr/>
-        <p:nvPr/>
-      </p:nvGrpSpPr>
-      <p:grpSpPr>
-        <a:xfrm>
-          <a:off x="0" y="0"/>
-          <a:ext cx="0" cy="0"/>
-          <a:chOff x="0" y="0"/>
-          <a:chExt cx="0" cy="0"/>
-        </a:xfrm>
-      </p:grpSpPr>
-      <p:sp>
-        <p:nvSpPr>
-          <p:cNvPr id="76" name="Google Shape;76;p15"/>
+          <p:cNvPr id="85" name="Google Shape;85;p16"/>
           <p:cNvSpPr txBox="1"/>
           <p:nvPr/>
         </p:nvSpPr>
         <p:spPr>
           <a:xfrm>
-            <a:off x="357525" y="337625"/>
-            <a:ext cx="2226300" cy="538800"/>
-          </a:xfrm>
-          <a:prstGeom prst="rect">
-            <a:avLst/>
-          </a:prstGeom>
-          <a:noFill/>
-          <a:ln>
-            <a:noFill/>
-          </a:ln>
-        </p:spPr>
-        <p:txBody>
-          <a:bodyPr anchorCtr="0" anchor="t" bIns="91425" lIns="91425" spcFirstLastPara="1" rIns="91425" wrap="square" tIns="91425">
-            <a:spAutoFit/>
-          </a:bodyPr>
-          <a:lstStyle/>
-          <a:p>
-            <a:pPr indent="0" lvl="0" marL="0" rtl="0" algn="l">
-              <a:spcBef>
-                <a:spcPts val="0"/>
-              </a:spcBef>
-              <a:spcAft>
-                <a:spcPts val="0"/>
-              </a:spcAft>
-              <a:buNone/>
-            </a:pPr>
-            <a:r>
-              <a:rPr lang="en" sz="2300">
-                <a:solidFill>
-                  <a:schemeClr val="dk2"/>
-                </a:solidFill>
-                <a:latin typeface="Lexend SemiBold"/>
-                <a:ea typeface="Lexend SemiBold"/>
-                <a:cs typeface="Lexend SemiBold"/>
-                <a:sym typeface="Lexend SemiBold"/>
-              </a:rPr>
-              <a:t>Our Dataset</a:t>
-            </a:r>
-            <a:endParaRPr sz="2300">
-              <a:solidFill>
-                <a:schemeClr val="dk2"/>
-              </a:solidFill>
-              <a:latin typeface="Lexend SemiBold"/>
-              <a:ea typeface="Lexend SemiBold"/>
-              <a:cs typeface="Lexend SemiBold"/>
-              <a:sym typeface="Lexend SemiBold"/>
-            </a:endParaRPr>
-          </a:p>
-        </p:txBody>
-      </p:sp>
-      <p:pic>
-        <p:nvPicPr>
-          <p:cNvPr id="77" name="Google Shape;77;p15"/>
-          <p:cNvPicPr preferRelativeResize="0"/>
-          <p:nvPr/>
-        </p:nvPicPr>
-        <p:blipFill>
-          <a:blip r:embed="rId3">
-            <a:alphaModFix/>
-          </a:blip>
-          <a:stretch>
-            <a:fillRect/>
-          </a:stretch>
-        </p:blipFill>
-        <p:spPr>
-          <a:xfrm>
-            <a:off x="5809775" y="199500"/>
-            <a:ext cx="2754574" cy="1837825"/>
-          </a:xfrm>
-          <a:prstGeom prst="rect">
-            <a:avLst/>
-          </a:prstGeom>
-          <a:noFill/>
-          <a:ln>
-            <a:noFill/>
-          </a:ln>
-          <a:effectLst>
-            <a:outerShdw blurRad="57150" rotWithShape="0" algn="bl" dir="5400000" dist="19050">
-              <a:srgbClr val="000000">
-                <a:alpha val="50000"/>
-              </a:srgbClr>
-            </a:outerShdw>
-          </a:effectLst>
-        </p:spPr>
-      </p:pic>
-      <p:sp>
-        <p:nvSpPr>
-          <p:cNvPr id="78" name="Google Shape;78;p15"/>
-          <p:cNvSpPr txBox="1"/>
-          <p:nvPr/>
-        </p:nvSpPr>
-        <p:spPr>
-          <a:xfrm>
-            <a:off x="520050" y="1259475"/>
-            <a:ext cx="4680300" cy="1293000"/>
-          </a:xfrm>
-          <a:prstGeom prst="rect">
-            <a:avLst/>
-          </a:prstGeom>
-          <a:noFill/>
-          <a:ln>
-            <a:noFill/>
-          </a:ln>
-        </p:spPr>
-        <p:txBody>
-          <a:bodyPr anchorCtr="0" anchor="t" bIns="91425" lIns="91425" spcFirstLastPara="1" rIns="91425" wrap="square" tIns="91425">
-            <a:spAutoFit/>
-          </a:bodyPr>
-          <a:lstStyle/>
-          <a:p>
-            <a:pPr indent="-342900" lvl="0" marL="457200" rtl="0" algn="l">
-              <a:spcBef>
-                <a:spcPts val="0"/>
-              </a:spcBef>
-              <a:spcAft>
-                <a:spcPts val="0"/>
-              </a:spcAft>
-              <a:buClr>
-                <a:schemeClr val="dk2"/>
-              </a:buClr>
-              <a:buSzPts val="1800"/>
-              <a:buChar char="➢"/>
-            </a:pPr>
-            <a:r>
-              <a:rPr lang="en" sz="1800">
-                <a:solidFill>
-                  <a:schemeClr val="dk2"/>
-                </a:solidFill>
-              </a:rPr>
-              <a:t>10,000 apartment listing classifieds</a:t>
-            </a:r>
-            <a:endParaRPr sz="1800">
-              <a:solidFill>
-                <a:schemeClr val="dk2"/>
-              </a:solidFill>
-            </a:endParaRPr>
-          </a:p>
-          <a:p>
-            <a:pPr indent="-342900" lvl="0" marL="457200" rtl="0" algn="l">
-              <a:spcBef>
-                <a:spcPts val="0"/>
-              </a:spcBef>
-              <a:spcAft>
-                <a:spcPts val="0"/>
-              </a:spcAft>
-              <a:buClr>
-                <a:schemeClr val="dk2"/>
-              </a:buClr>
-              <a:buSzPts val="1800"/>
-              <a:buChar char="➢"/>
-            </a:pPr>
-            <a:r>
-              <a:rPr lang="en" sz="1800">
-                <a:solidFill>
-                  <a:schemeClr val="dk2"/>
-                </a:solidFill>
-              </a:rPr>
-              <a:t>Includes data such as price, bed/bath, location, etc.</a:t>
-            </a:r>
-            <a:endParaRPr sz="1800">
-              <a:solidFill>
-                <a:schemeClr val="dk2"/>
-              </a:solidFill>
-            </a:endParaRPr>
-          </a:p>
-          <a:p>
-            <a:pPr indent="-342900" lvl="0" marL="457200" rtl="0" algn="l">
-              <a:spcBef>
-                <a:spcPts val="0"/>
-              </a:spcBef>
-              <a:spcAft>
-                <a:spcPts val="0"/>
-              </a:spcAft>
-              <a:buClr>
-                <a:schemeClr val="dk2"/>
-              </a:buClr>
-              <a:buSzPts val="1800"/>
-              <a:buChar char="➢"/>
-            </a:pPr>
-            <a:r>
-              <a:t/>
-            </a:r>
-            <a:endParaRPr sz="1800">
-              <a:solidFill>
-                <a:schemeClr val="dk2"/>
-              </a:solidFill>
-            </a:endParaRPr>
-          </a:p>
-        </p:txBody>
-      </p:sp>
-      <p:pic>
-        <p:nvPicPr>
-          <p:cNvPr id="79" name="Google Shape;79;p15"/>
-          <p:cNvPicPr preferRelativeResize="0"/>
-          <p:nvPr/>
-        </p:nvPicPr>
-        <p:blipFill>
-          <a:blip r:embed="rId4">
-            <a:alphaModFix/>
-          </a:blip>
-          <a:stretch>
-            <a:fillRect/>
-          </a:stretch>
-        </p:blipFill>
-        <p:spPr>
-          <a:xfrm>
-            <a:off x="4296425" y="2356425"/>
-            <a:ext cx="3034621" cy="2455926"/>
-          </a:xfrm>
-          <a:prstGeom prst="rect">
-            <a:avLst/>
-          </a:prstGeom>
-          <a:noFill/>
-          <a:ln>
-            <a:noFill/>
-          </a:ln>
-        </p:spPr>
-      </p:pic>
-    </p:spTree>
-  </p:cSld>
-  <p:clrMapOvr>
-    <a:masterClrMapping/>
-  </p:clrMapOvr>
-</p:sld>
-</file>
-
-<file path=ppt/slides/slide4.xml><?xml version="1.0" encoding="utf-8"?>
-<p:sld xmlns:a="http://schemas.openxmlformats.org/drawingml/2006/main" xmlns:r="http://schemas.openxmlformats.org/officeDocument/2006/relationships" xmlns:mc="http://schemas.openxmlformats.org/markup-compatibility/2006" xmlns:mv="urn:schemas-microsoft-com:mac:vml" xmlns:p="http://schemas.openxmlformats.org/presentationml/2006/main" xmlns:c="http://schemas.openxmlformats.org/drawingml/2006/chart" xmlns:dgm="http://schemas.openxmlformats.org/drawingml/2006/diagram" xmlns:o="urn:schemas-microsoft-com:office:office" xmlns:v="urn:schemas-microsoft-com:vml" xmlns:pvml="urn:schemas-microsoft-com:office:powerpoint" xmlns:com="http://schemas.openxmlformats.org/drawingml/2006/compatibility" xmlns:p14="http://schemas.microsoft.com/office/powerpoint/2010/main" xmlns:p15="http://schemas.microsoft.com/office/powerpoint/2012/main" xmlns:ahyp="http://schemas.microsoft.com/office/drawing/2018/hyperlinkcolor">
-  <p:cSld>
-    <p:spTree>
-      <p:nvGrpSpPr>
-        <p:cNvPr id="83" name="Shape 83"/>
-        <p:cNvGrpSpPr/>
-        <p:nvPr/>
-      </p:nvGrpSpPr>
-      <p:grpSpPr>
-        <a:xfrm>
-          <a:off x="0" y="0"/>
-          <a:ext cx="0" cy="0"/>
-          <a:chOff x="0" y="0"/>
-          <a:chExt cx="0" cy="0"/>
-        </a:xfrm>
-      </p:grpSpPr>
-      <p:sp>
-        <p:nvSpPr>
-          <p:cNvPr id="84" name="Google Shape;84;p16"/>
-          <p:cNvSpPr txBox="1"/>
-          <p:nvPr/>
-        </p:nvSpPr>
-        <p:spPr>
-          <a:xfrm>
-            <a:off x="3050550" y="1472038"/>
+            <a:off x="3050550" y="1604403"/>
             <a:ext cx="3042900" cy="800400"/>
           </a:xfrm>
           <a:prstGeom prst="rect">
@@ -11625,14 +12358,14 @@
       </p:sp>
       <p:sp>
         <p:nvSpPr>
-          <p:cNvPr id="85" name="Google Shape;85;p16"/>
+          <p:cNvPr id="86" name="Google Shape;86;p16"/>
           <p:cNvSpPr txBox="1"/>
           <p:nvPr/>
         </p:nvSpPr>
         <p:spPr>
           <a:xfrm>
-            <a:off x="3050550" y="2210375"/>
-            <a:ext cx="4872000" cy="1339200"/>
+            <a:off x="1823400" y="2584797"/>
+            <a:ext cx="5497200" cy="954300"/>
           </a:xfrm>
           <a:prstGeom prst="rect">
             <a:avLst/>
@@ -11648,7 +12381,7 @@
           </a:bodyPr>
           <a:lstStyle/>
           <a:p>
-            <a:pPr indent="0" lvl="0" marL="0" rtl="0" algn="l">
+            <a:pPr indent="0" lvl="0" marL="0" rtl="0" algn="ctr">
               <a:spcBef>
                 <a:spcPts val="0"/>
               </a:spcBef>
@@ -11665,51 +12398,23 @@
             <a:r>
               <a:rPr lang="en" sz="2500">
                 <a:solidFill>
-                  <a:srgbClr val="8ECAE6"/>
+                  <a:srgbClr val="023047"/>
                 </a:solidFill>
                 <a:latin typeface="Lexend"/>
                 <a:ea typeface="Lexend"/>
                 <a:cs typeface="Lexend"/>
                 <a:sym typeface="Lexend"/>
               </a:rPr>
-              <a:t>Are there any trends in apartments prices throughout the year?</a:t>
+              <a:t>Are there any trends in apartment prices throughout the year?</a:t>
             </a:r>
             <a:endParaRPr sz="3500">
               <a:solidFill>
-                <a:srgbClr val="8ECAE6"/>
+                <a:srgbClr val="023047"/>
               </a:solidFill>
             </a:endParaRPr>
           </a:p>
         </p:txBody>
       </p:sp>
-      <p:pic>
-        <p:nvPicPr>
-          <p:cNvPr id="86" name="Google Shape;86;p16"/>
-          <p:cNvPicPr preferRelativeResize="0"/>
-          <p:nvPr/>
-        </p:nvPicPr>
-        <p:blipFill>
-          <a:blip r:embed="rId3">
-            <a:alphaModFix/>
-          </a:blip>
-          <a:stretch>
-            <a:fillRect/>
-          </a:stretch>
-        </p:blipFill>
-        <p:spPr>
-          <a:xfrm>
-            <a:off x="590425" y="1472050"/>
-            <a:ext cx="2027462" cy="2027462"/>
-          </a:xfrm>
-          <a:prstGeom prst="rect">
-            <a:avLst/>
-          </a:prstGeom>
-          <a:noFill/>
-          <a:ln>
-            <a:noFill/>
-          </a:ln>
-        </p:spPr>
-      </p:pic>
     </p:spTree>
   </p:cSld>
   <p:clrMapOvr>
@@ -12434,7 +13139,7 @@
                 <a:cs typeface="Lexend Medium"/>
                 <a:sym typeface="Lexend Medium"/>
               </a:rPr>
-              <a:t>Seasonal Trends: Price per Square Foot vs Rental Price</a:t>
+              <a:t>Seasonal Trends: Price per square foot vs Rental Price</a:t>
             </a:r>
             <a:endParaRPr sz="1800">
               <a:solidFill>
@@ -12956,44 +13661,7 @@
                 <a:cs typeface="Lexend Light"/>
                 <a:sym typeface="Lexend Light"/>
               </a:rPr>
-              <a:t>?</a:t>
-            </a:r>
-            <a:endParaRPr>
-              <a:solidFill>
-                <a:schemeClr val="dk2"/>
-              </a:solidFill>
-              <a:latin typeface="Lexend Light"/>
-              <a:ea typeface="Lexend Light"/>
-              <a:cs typeface="Lexend Light"/>
-              <a:sym typeface="Lexend Light"/>
-            </a:endParaRPr>
-          </a:p>
-          <a:p>
-            <a:pPr indent="-317500" lvl="0" marL="457200" rtl="0" algn="l">
-              <a:spcBef>
-                <a:spcPts val="0"/>
-              </a:spcBef>
-              <a:spcAft>
-                <a:spcPts val="0"/>
-              </a:spcAft>
-              <a:buClr>
-                <a:schemeClr val="dk2"/>
-              </a:buClr>
-              <a:buSzPts val="1400"/>
-              <a:buFont typeface="Lexend Light"/>
-              <a:buChar char="●"/>
-            </a:pPr>
-            <a:r>
-              <a:rPr lang="en">
-                <a:solidFill>
-                  <a:schemeClr val="dk2"/>
-                </a:solidFill>
-                <a:latin typeface="Lexend Light"/>
-                <a:ea typeface="Lexend Light"/>
-                <a:cs typeface="Lexend Light"/>
-                <a:sym typeface="Lexend Light"/>
-              </a:rPr>
-              <a:t>?</a:t>
+              <a:t>Distributions are skewed with a large clump of lower-priced apartments and a few high-priced outliers</a:t>
             </a:r>
             <a:endParaRPr>
               <a:solidFill>
@@ -13069,7 +13737,7 @@
             <a:r>
               <a:rPr lang="en" sz="4000">
                 <a:solidFill>
-                  <a:schemeClr val="dk2"/>
+                  <a:srgbClr val="FB8500"/>
                 </a:solidFill>
                 <a:latin typeface="Lexend SemiBold"/>
                 <a:ea typeface="Lexend SemiBold"/>
@@ -13080,7 +13748,7 @@
             </a:r>
             <a:endParaRPr sz="4000">
               <a:solidFill>
-                <a:schemeClr val="dk2"/>
+                <a:srgbClr val="FB8500"/>
               </a:solidFill>
               <a:latin typeface="Lexend SemiBold"/>
               <a:ea typeface="Lexend SemiBold"/>
@@ -13098,8 +13766,8 @@
         </p:nvSpPr>
         <p:spPr>
           <a:xfrm>
-            <a:off x="2351100" y="2520650"/>
-            <a:ext cx="4441800" cy="954300"/>
+            <a:off x="2034000" y="2520650"/>
+            <a:ext cx="5076000" cy="954300"/>
           </a:xfrm>
           <a:prstGeom prst="rect">
             <a:avLst/>
@@ -13127,15 +13795,23 @@
             <a:r>
               <a:rPr lang="en" sz="2500">
                 <a:solidFill>
-                  <a:schemeClr val="dk2"/>
-                </a:solidFill>
+                  <a:srgbClr val="023047"/>
+                </a:solidFill>
+                <a:latin typeface="Lexend"/>
+                <a:ea typeface="Lexend"/>
+                <a:cs typeface="Lexend"/>
+                <a:sym typeface="Lexend"/>
               </a:rPr>
               <a:t>How do apartment prices vary between states and cities?</a:t>
             </a:r>
             <a:endParaRPr sz="2500">
               <a:solidFill>
-                <a:schemeClr val="dk2"/>
+                <a:srgbClr val="023047"/>
               </a:solidFill>
+              <a:latin typeface="Lexend"/>
+              <a:ea typeface="Lexend"/>
+              <a:cs typeface="Lexend"/>
+              <a:sym typeface="Lexend"/>
             </a:endParaRPr>
           </a:p>
         </p:txBody>
